--- a/images/theory_analysis/AMQP_MQTT/AMQP_MQTT.pptx
+++ b/images/theory_analysis/AMQP_MQTT/AMQP_MQTT.pptx
@@ -5,11 +5,13 @@
     <p:sldMasterId id="2147483648" r:id="rId1"/>
   </p:sldMasterIdLst>
   <p:notesMasterIdLst>
-    <p:notesMasterId r:id="rId4"/>
+    <p:notesMasterId r:id="rId6"/>
   </p:notesMasterIdLst>
   <p:sldIdLst>
     <p:sldId id="417" r:id="rId2"/>
     <p:sldId id="416" r:id="rId3"/>
+    <p:sldId id="418" r:id="rId4"/>
+    <p:sldId id="419" r:id="rId5"/>
   </p:sldIdLst>
   <p:sldSz cx="9144000" cy="5143500" type="screen16x9"/>
   <p:notesSz cx="6858000" cy="9144000"/>
@@ -110,7 +112,7 @@
   </p:defaultTextStyle>
   <p:extLst>
     <p:ext uri="{EFAFB233-063F-42B5-8137-9DF3F51BA10A}">
-      <p15:sldGuideLst xmlns="" xmlns:p15="http://schemas.microsoft.com/office/powerpoint/2012/main">
+      <p15:sldGuideLst xmlns:p15="http://schemas.microsoft.com/office/powerpoint/2012/main" xmlns="">
         <p15:guide id="1" orient="horz" pos="2160">
           <p15:clr>
             <a:srgbClr val="A4A3A4"/>
@@ -125,6 +127,5100 @@
     </p:ext>
   </p:extLst>
 </p:presentation>
+</file>
+
+<file path=ppt/diagrams/colors1.xml><?xml version="1.0" encoding="utf-8"?>
+<dgm:colorsDef xmlns:dgm="http://schemas.openxmlformats.org/drawingml/2006/diagram" xmlns:a="http://schemas.openxmlformats.org/drawingml/2006/main" uniqueId="urn:microsoft.com/office/officeart/2005/8/colors/accent0_1">
+  <dgm:title val=""/>
+  <dgm:desc val=""/>
+  <dgm:catLst>
+    <dgm:cat type="mainScheme" pri="10100"/>
+  </dgm:catLst>
+  <dgm:styleLbl name="node0">
+    <dgm:fillClrLst meth="repeat">
+      <a:schemeClr val="lt1"/>
+    </dgm:fillClrLst>
+    <dgm:linClrLst meth="repeat">
+      <a:schemeClr val="dk1">
+        <a:shade val="80000"/>
+      </a:schemeClr>
+    </dgm:linClrLst>
+    <dgm:effectClrLst/>
+    <dgm:txLinClrLst/>
+    <dgm:txFillClrLst meth="repeat">
+      <a:schemeClr val="dk1"/>
+    </dgm:txFillClrLst>
+    <dgm:txEffectClrLst/>
+  </dgm:styleLbl>
+  <dgm:styleLbl name="node1">
+    <dgm:fillClrLst meth="repeat">
+      <a:schemeClr val="lt1"/>
+    </dgm:fillClrLst>
+    <dgm:linClrLst meth="repeat">
+      <a:schemeClr val="dk1">
+        <a:shade val="80000"/>
+      </a:schemeClr>
+    </dgm:linClrLst>
+    <dgm:effectClrLst/>
+    <dgm:txLinClrLst/>
+    <dgm:txFillClrLst meth="repeat">
+      <a:schemeClr val="dk1"/>
+    </dgm:txFillClrLst>
+    <dgm:txEffectClrLst/>
+  </dgm:styleLbl>
+  <dgm:styleLbl name="alignNode1">
+    <dgm:fillClrLst meth="repeat">
+      <a:schemeClr val="lt1"/>
+    </dgm:fillClrLst>
+    <dgm:linClrLst meth="repeat">
+      <a:schemeClr val="dk1">
+        <a:shade val="80000"/>
+      </a:schemeClr>
+    </dgm:linClrLst>
+    <dgm:effectClrLst/>
+    <dgm:txLinClrLst/>
+    <dgm:txFillClrLst meth="repeat">
+      <a:schemeClr val="dk1"/>
+    </dgm:txFillClrLst>
+    <dgm:txEffectClrLst/>
+  </dgm:styleLbl>
+  <dgm:styleLbl name="lnNode1">
+    <dgm:fillClrLst meth="repeat">
+      <a:schemeClr val="lt1"/>
+    </dgm:fillClrLst>
+    <dgm:linClrLst meth="repeat">
+      <a:schemeClr val="dk1">
+        <a:shade val="80000"/>
+      </a:schemeClr>
+    </dgm:linClrLst>
+    <dgm:effectClrLst/>
+    <dgm:txLinClrLst/>
+    <dgm:txFillClrLst meth="repeat">
+      <a:schemeClr val="dk1"/>
+    </dgm:txFillClrLst>
+    <dgm:txEffectClrLst/>
+  </dgm:styleLbl>
+  <dgm:styleLbl name="vennNode1">
+    <dgm:fillClrLst meth="repeat">
+      <a:schemeClr val="lt1">
+        <a:alpha val="50000"/>
+      </a:schemeClr>
+    </dgm:fillClrLst>
+    <dgm:linClrLst meth="repeat">
+      <a:schemeClr val="dk1">
+        <a:shade val="80000"/>
+      </a:schemeClr>
+    </dgm:linClrLst>
+    <dgm:effectClrLst/>
+    <dgm:txLinClrLst/>
+    <dgm:txFillClrLst/>
+    <dgm:txEffectClrLst/>
+  </dgm:styleLbl>
+  <dgm:styleLbl name="node2">
+    <dgm:fillClrLst meth="repeat">
+      <a:schemeClr val="lt1"/>
+    </dgm:fillClrLst>
+    <dgm:linClrLst meth="repeat">
+      <a:schemeClr val="dk1">
+        <a:shade val="80000"/>
+      </a:schemeClr>
+    </dgm:linClrLst>
+    <dgm:effectClrLst/>
+    <dgm:txLinClrLst/>
+    <dgm:txFillClrLst meth="repeat">
+      <a:schemeClr val="dk1"/>
+    </dgm:txFillClrLst>
+    <dgm:txEffectClrLst/>
+  </dgm:styleLbl>
+  <dgm:styleLbl name="node3">
+    <dgm:fillClrLst meth="repeat">
+      <a:schemeClr val="lt1"/>
+    </dgm:fillClrLst>
+    <dgm:linClrLst meth="repeat">
+      <a:schemeClr val="dk1">
+        <a:shade val="80000"/>
+      </a:schemeClr>
+    </dgm:linClrLst>
+    <dgm:effectClrLst/>
+    <dgm:txLinClrLst/>
+    <dgm:txFillClrLst meth="repeat">
+      <a:schemeClr val="dk1"/>
+    </dgm:txFillClrLst>
+    <dgm:txEffectClrLst/>
+  </dgm:styleLbl>
+  <dgm:styleLbl name="node4">
+    <dgm:fillClrLst meth="repeat">
+      <a:schemeClr val="lt1"/>
+    </dgm:fillClrLst>
+    <dgm:linClrLst meth="repeat">
+      <a:schemeClr val="dk1">
+        <a:shade val="80000"/>
+      </a:schemeClr>
+    </dgm:linClrLst>
+    <dgm:effectClrLst/>
+    <dgm:txLinClrLst/>
+    <dgm:txFillClrLst meth="repeat">
+      <a:schemeClr val="dk1"/>
+    </dgm:txFillClrLst>
+    <dgm:txEffectClrLst/>
+  </dgm:styleLbl>
+  <dgm:styleLbl name="fgImgPlace1">
+    <dgm:fillClrLst meth="repeat">
+      <a:schemeClr val="dk1">
+        <a:tint val="40000"/>
+      </a:schemeClr>
+    </dgm:fillClrLst>
+    <dgm:linClrLst meth="repeat">
+      <a:schemeClr val="dk1">
+        <a:shade val="80000"/>
+      </a:schemeClr>
+    </dgm:linClrLst>
+    <dgm:effectClrLst/>
+    <dgm:txLinClrLst/>
+    <dgm:txFillClrLst meth="repeat">
+      <a:schemeClr val="lt1"/>
+    </dgm:txFillClrLst>
+    <dgm:txEffectClrLst/>
+  </dgm:styleLbl>
+  <dgm:styleLbl name="alignImgPlace1">
+    <dgm:fillClrLst meth="repeat">
+      <a:schemeClr val="dk1">
+        <a:tint val="40000"/>
+      </a:schemeClr>
+    </dgm:fillClrLst>
+    <dgm:linClrLst meth="repeat">
+      <a:schemeClr val="dk1">
+        <a:shade val="80000"/>
+      </a:schemeClr>
+    </dgm:linClrLst>
+    <dgm:effectClrLst/>
+    <dgm:txLinClrLst/>
+    <dgm:txFillClrLst meth="repeat">
+      <a:schemeClr val="lt1"/>
+    </dgm:txFillClrLst>
+    <dgm:txEffectClrLst/>
+  </dgm:styleLbl>
+  <dgm:styleLbl name="bgImgPlace1">
+    <dgm:fillClrLst meth="repeat">
+      <a:schemeClr val="dk1">
+        <a:tint val="40000"/>
+      </a:schemeClr>
+    </dgm:fillClrLst>
+    <dgm:linClrLst meth="repeat">
+      <a:schemeClr val="dk1">
+        <a:shade val="80000"/>
+      </a:schemeClr>
+    </dgm:linClrLst>
+    <dgm:effectClrLst/>
+    <dgm:txLinClrLst/>
+    <dgm:txFillClrLst meth="repeat">
+      <a:schemeClr val="lt1"/>
+    </dgm:txFillClrLst>
+    <dgm:txEffectClrLst/>
+  </dgm:styleLbl>
+  <dgm:styleLbl name="sibTrans2D1">
+    <dgm:fillClrLst meth="repeat">
+      <a:schemeClr val="dk1">
+        <a:tint val="60000"/>
+      </a:schemeClr>
+    </dgm:fillClrLst>
+    <dgm:linClrLst meth="repeat">
+      <a:schemeClr val="dk1">
+        <a:tint val="60000"/>
+      </a:schemeClr>
+    </dgm:linClrLst>
+    <dgm:effectClrLst/>
+    <dgm:txLinClrLst/>
+    <dgm:txFillClrLst meth="repeat">
+      <a:schemeClr val="dk1"/>
+    </dgm:txFillClrLst>
+    <dgm:txEffectClrLst/>
+  </dgm:styleLbl>
+  <dgm:styleLbl name="fgSibTrans2D1">
+    <dgm:fillClrLst meth="repeat">
+      <a:schemeClr val="dk1">
+        <a:tint val="60000"/>
+      </a:schemeClr>
+    </dgm:fillClrLst>
+    <dgm:linClrLst meth="repeat">
+      <a:schemeClr val="dk1">
+        <a:tint val="60000"/>
+      </a:schemeClr>
+    </dgm:linClrLst>
+    <dgm:effectClrLst/>
+    <dgm:txLinClrLst/>
+    <dgm:txFillClrLst meth="repeat">
+      <a:schemeClr val="dk1"/>
+    </dgm:txFillClrLst>
+    <dgm:txEffectClrLst/>
+  </dgm:styleLbl>
+  <dgm:styleLbl name="bgSibTrans2D1">
+    <dgm:fillClrLst meth="repeat">
+      <a:schemeClr val="dk1">
+        <a:tint val="60000"/>
+      </a:schemeClr>
+    </dgm:fillClrLst>
+    <dgm:linClrLst meth="repeat">
+      <a:schemeClr val="dk1">
+        <a:tint val="60000"/>
+      </a:schemeClr>
+    </dgm:linClrLst>
+    <dgm:effectClrLst/>
+    <dgm:txLinClrLst/>
+    <dgm:txFillClrLst meth="repeat">
+      <a:schemeClr val="dk1"/>
+    </dgm:txFillClrLst>
+    <dgm:txEffectClrLst/>
+  </dgm:styleLbl>
+  <dgm:styleLbl name="sibTrans1D1">
+    <dgm:fillClrLst meth="repeat">
+      <a:schemeClr val="dk1"/>
+    </dgm:fillClrLst>
+    <dgm:linClrLst meth="repeat">
+      <a:schemeClr val="dk1"/>
+    </dgm:linClrLst>
+    <dgm:effectClrLst/>
+    <dgm:txLinClrLst/>
+    <dgm:txFillClrLst meth="repeat">
+      <a:schemeClr val="tx1"/>
+    </dgm:txFillClrLst>
+    <dgm:txEffectClrLst/>
+  </dgm:styleLbl>
+  <dgm:styleLbl name="callout">
+    <dgm:fillClrLst meth="repeat">
+      <a:schemeClr val="dk1"/>
+    </dgm:fillClrLst>
+    <dgm:linClrLst meth="repeat">
+      <a:schemeClr val="dk1"/>
+    </dgm:linClrLst>
+    <dgm:effectClrLst/>
+    <dgm:txLinClrLst/>
+    <dgm:txFillClrLst meth="repeat">
+      <a:schemeClr val="tx1"/>
+    </dgm:txFillClrLst>
+    <dgm:txEffectClrLst/>
+  </dgm:styleLbl>
+  <dgm:styleLbl name="asst0">
+    <dgm:fillClrLst meth="repeat">
+      <a:schemeClr val="lt1"/>
+    </dgm:fillClrLst>
+    <dgm:linClrLst meth="repeat">
+      <a:schemeClr val="dk1">
+        <a:shade val="80000"/>
+      </a:schemeClr>
+    </dgm:linClrLst>
+    <dgm:effectClrLst/>
+    <dgm:txLinClrLst/>
+    <dgm:txFillClrLst meth="repeat">
+      <a:schemeClr val="dk1"/>
+    </dgm:txFillClrLst>
+    <dgm:txEffectClrLst/>
+  </dgm:styleLbl>
+  <dgm:styleLbl name="asst1">
+    <dgm:fillClrLst meth="repeat">
+      <a:schemeClr val="lt1"/>
+    </dgm:fillClrLst>
+    <dgm:linClrLst meth="repeat">
+      <a:schemeClr val="dk1">
+        <a:shade val="80000"/>
+      </a:schemeClr>
+    </dgm:linClrLst>
+    <dgm:effectClrLst/>
+    <dgm:txLinClrLst/>
+    <dgm:txFillClrLst meth="repeat">
+      <a:schemeClr val="dk1"/>
+    </dgm:txFillClrLst>
+    <dgm:txEffectClrLst/>
+  </dgm:styleLbl>
+  <dgm:styleLbl name="asst2">
+    <dgm:fillClrLst meth="repeat">
+      <a:schemeClr val="lt1"/>
+    </dgm:fillClrLst>
+    <dgm:linClrLst meth="repeat">
+      <a:schemeClr val="dk1">
+        <a:shade val="80000"/>
+      </a:schemeClr>
+    </dgm:linClrLst>
+    <dgm:effectClrLst/>
+    <dgm:txLinClrLst/>
+    <dgm:txFillClrLst meth="repeat">
+      <a:schemeClr val="dk1"/>
+    </dgm:txFillClrLst>
+    <dgm:txEffectClrLst/>
+  </dgm:styleLbl>
+  <dgm:styleLbl name="asst3">
+    <dgm:fillClrLst meth="repeat">
+      <a:schemeClr val="lt1"/>
+    </dgm:fillClrLst>
+    <dgm:linClrLst meth="repeat">
+      <a:schemeClr val="dk1">
+        <a:shade val="80000"/>
+      </a:schemeClr>
+    </dgm:linClrLst>
+    <dgm:effectClrLst/>
+    <dgm:txLinClrLst/>
+    <dgm:txFillClrLst meth="repeat">
+      <a:schemeClr val="dk1"/>
+    </dgm:txFillClrLst>
+    <dgm:txEffectClrLst/>
+  </dgm:styleLbl>
+  <dgm:styleLbl name="asst4">
+    <dgm:fillClrLst meth="repeat">
+      <a:schemeClr val="lt1"/>
+    </dgm:fillClrLst>
+    <dgm:linClrLst meth="repeat">
+      <a:schemeClr val="dk1">
+        <a:shade val="80000"/>
+      </a:schemeClr>
+    </dgm:linClrLst>
+    <dgm:effectClrLst/>
+    <dgm:txLinClrLst/>
+    <dgm:txFillClrLst meth="repeat">
+      <a:schemeClr val="dk1"/>
+    </dgm:txFillClrLst>
+    <dgm:txEffectClrLst/>
+  </dgm:styleLbl>
+  <dgm:styleLbl name="parChTrans2D1">
+    <dgm:fillClrLst meth="repeat">
+      <a:schemeClr val="dk1">
+        <a:tint val="60000"/>
+      </a:schemeClr>
+    </dgm:fillClrLst>
+    <dgm:linClrLst meth="repeat">
+      <a:schemeClr val="dk1">
+        <a:tint val="60000"/>
+      </a:schemeClr>
+    </dgm:linClrLst>
+    <dgm:effectClrLst/>
+    <dgm:txLinClrLst/>
+    <dgm:txFillClrLst/>
+    <dgm:txEffectClrLst/>
+  </dgm:styleLbl>
+  <dgm:styleLbl name="parChTrans2D2">
+    <dgm:fillClrLst meth="repeat">
+      <a:schemeClr val="dk1"/>
+    </dgm:fillClrLst>
+    <dgm:linClrLst meth="repeat">
+      <a:schemeClr val="dk1"/>
+    </dgm:linClrLst>
+    <dgm:effectClrLst/>
+    <dgm:txLinClrLst/>
+    <dgm:txFillClrLst/>
+    <dgm:txEffectClrLst/>
+  </dgm:styleLbl>
+  <dgm:styleLbl name="parChTrans2D3">
+    <dgm:fillClrLst meth="repeat">
+      <a:schemeClr val="dk1"/>
+    </dgm:fillClrLst>
+    <dgm:linClrLst meth="repeat">
+      <a:schemeClr val="dk1"/>
+    </dgm:linClrLst>
+    <dgm:effectClrLst/>
+    <dgm:txLinClrLst/>
+    <dgm:txFillClrLst/>
+    <dgm:txEffectClrLst/>
+  </dgm:styleLbl>
+  <dgm:styleLbl name="parChTrans2D4">
+    <dgm:fillClrLst meth="repeat">
+      <a:schemeClr val="dk1"/>
+    </dgm:fillClrLst>
+    <dgm:linClrLst meth="repeat">
+      <a:schemeClr val="dk1"/>
+    </dgm:linClrLst>
+    <dgm:effectClrLst/>
+    <dgm:txLinClrLst/>
+    <dgm:txFillClrLst meth="repeat">
+      <a:schemeClr val="lt1"/>
+    </dgm:txFillClrLst>
+    <dgm:txEffectClrLst/>
+  </dgm:styleLbl>
+  <dgm:styleLbl name="parChTrans1D1">
+    <dgm:fillClrLst meth="repeat">
+      <a:schemeClr val="dk1"/>
+    </dgm:fillClrLst>
+    <dgm:linClrLst meth="repeat">
+      <a:schemeClr val="dk1">
+        <a:shade val="60000"/>
+      </a:schemeClr>
+    </dgm:linClrLst>
+    <dgm:effectClrLst/>
+    <dgm:txLinClrLst/>
+    <dgm:txFillClrLst meth="repeat">
+      <a:schemeClr val="tx1"/>
+    </dgm:txFillClrLst>
+    <dgm:txEffectClrLst/>
+  </dgm:styleLbl>
+  <dgm:styleLbl name="parChTrans1D2">
+    <dgm:fillClrLst meth="repeat">
+      <a:schemeClr val="dk1"/>
+    </dgm:fillClrLst>
+    <dgm:linClrLst meth="repeat">
+      <a:schemeClr val="dk1">
+        <a:shade val="60000"/>
+      </a:schemeClr>
+    </dgm:linClrLst>
+    <dgm:effectClrLst/>
+    <dgm:txLinClrLst/>
+    <dgm:txFillClrLst meth="repeat">
+      <a:schemeClr val="tx1"/>
+    </dgm:txFillClrLst>
+    <dgm:txEffectClrLst/>
+  </dgm:styleLbl>
+  <dgm:styleLbl name="parChTrans1D3">
+    <dgm:fillClrLst meth="repeat">
+      <a:schemeClr val="dk1"/>
+    </dgm:fillClrLst>
+    <dgm:linClrLst meth="repeat">
+      <a:schemeClr val="dk1">
+        <a:shade val="80000"/>
+      </a:schemeClr>
+    </dgm:linClrLst>
+    <dgm:effectClrLst/>
+    <dgm:txLinClrLst/>
+    <dgm:txFillClrLst meth="repeat">
+      <a:schemeClr val="tx1"/>
+    </dgm:txFillClrLst>
+    <dgm:txEffectClrLst/>
+  </dgm:styleLbl>
+  <dgm:styleLbl name="parChTrans1D4">
+    <dgm:fillClrLst meth="repeat">
+      <a:schemeClr val="dk1"/>
+    </dgm:fillClrLst>
+    <dgm:linClrLst meth="repeat">
+      <a:schemeClr val="dk1">
+        <a:shade val="80000"/>
+      </a:schemeClr>
+    </dgm:linClrLst>
+    <dgm:effectClrLst/>
+    <dgm:txLinClrLst/>
+    <dgm:txFillClrLst meth="repeat">
+      <a:schemeClr val="tx1"/>
+    </dgm:txFillClrLst>
+    <dgm:txEffectClrLst/>
+  </dgm:styleLbl>
+  <dgm:styleLbl name="fgAcc1">
+    <dgm:fillClrLst meth="repeat">
+      <a:schemeClr val="dk1">
+        <a:alpha val="90000"/>
+        <a:tint val="40000"/>
+      </a:schemeClr>
+    </dgm:fillClrLst>
+    <dgm:linClrLst meth="repeat">
+      <a:schemeClr val="dk1"/>
+    </dgm:linClrLst>
+    <dgm:effectClrLst/>
+    <dgm:txLinClrLst/>
+    <dgm:txFillClrLst meth="repeat">
+      <a:schemeClr val="dk1"/>
+    </dgm:txFillClrLst>
+    <dgm:txEffectClrLst/>
+  </dgm:styleLbl>
+  <dgm:styleLbl name="conFgAcc1">
+    <dgm:fillClrLst meth="repeat">
+      <a:schemeClr val="dk1">
+        <a:alpha val="90000"/>
+        <a:tint val="40000"/>
+      </a:schemeClr>
+    </dgm:fillClrLst>
+    <dgm:linClrLst meth="repeat">
+      <a:schemeClr val="dk1"/>
+    </dgm:linClrLst>
+    <dgm:effectClrLst/>
+    <dgm:txLinClrLst/>
+    <dgm:txFillClrLst meth="repeat">
+      <a:schemeClr val="dk1"/>
+    </dgm:txFillClrLst>
+    <dgm:txEffectClrLst/>
+  </dgm:styleLbl>
+  <dgm:styleLbl name="alignAcc1">
+    <dgm:fillClrLst meth="repeat">
+      <a:schemeClr val="dk1">
+        <a:alpha val="90000"/>
+        <a:tint val="40000"/>
+      </a:schemeClr>
+    </dgm:fillClrLst>
+    <dgm:linClrLst meth="repeat">
+      <a:schemeClr val="dk1"/>
+    </dgm:linClrLst>
+    <dgm:effectClrLst/>
+    <dgm:txLinClrLst/>
+    <dgm:txFillClrLst meth="repeat">
+      <a:schemeClr val="dk1"/>
+    </dgm:txFillClrLst>
+    <dgm:txEffectClrLst/>
+  </dgm:styleLbl>
+  <dgm:styleLbl name="trAlignAcc1">
+    <dgm:fillClrLst meth="repeat">
+      <a:schemeClr val="dk1">
+        <a:alpha val="40000"/>
+        <a:tint val="40000"/>
+      </a:schemeClr>
+    </dgm:fillClrLst>
+    <dgm:linClrLst meth="repeat">
+      <a:schemeClr val="dk1"/>
+    </dgm:linClrLst>
+    <dgm:effectClrLst/>
+    <dgm:txLinClrLst/>
+    <dgm:txFillClrLst meth="repeat">
+      <a:schemeClr val="dk1"/>
+    </dgm:txFillClrLst>
+    <dgm:txEffectClrLst/>
+  </dgm:styleLbl>
+  <dgm:styleLbl name="bgAcc1">
+    <dgm:fillClrLst meth="repeat">
+      <a:schemeClr val="dk1">
+        <a:alpha val="90000"/>
+        <a:tint val="40000"/>
+      </a:schemeClr>
+    </dgm:fillClrLst>
+    <dgm:linClrLst meth="repeat">
+      <a:schemeClr val="dk1"/>
+    </dgm:linClrLst>
+    <dgm:effectClrLst/>
+    <dgm:txLinClrLst/>
+    <dgm:txFillClrLst meth="repeat">
+      <a:schemeClr val="dk1"/>
+    </dgm:txFillClrLst>
+    <dgm:txEffectClrLst/>
+  </dgm:styleLbl>
+  <dgm:styleLbl name="solidFgAcc1">
+    <dgm:fillClrLst meth="repeat">
+      <a:schemeClr val="lt1"/>
+    </dgm:fillClrLst>
+    <dgm:linClrLst meth="repeat">
+      <a:schemeClr val="dk1"/>
+    </dgm:linClrLst>
+    <dgm:effectClrLst/>
+    <dgm:txLinClrLst/>
+    <dgm:txFillClrLst meth="repeat">
+      <a:schemeClr val="dk1"/>
+    </dgm:txFillClrLst>
+    <dgm:txEffectClrLst/>
+  </dgm:styleLbl>
+  <dgm:styleLbl name="solidAlignAcc1">
+    <dgm:fillClrLst meth="repeat">
+      <a:schemeClr val="lt1"/>
+    </dgm:fillClrLst>
+    <dgm:linClrLst meth="repeat">
+      <a:schemeClr val="dk1"/>
+    </dgm:linClrLst>
+    <dgm:effectClrLst/>
+    <dgm:txLinClrLst/>
+    <dgm:txFillClrLst meth="repeat">
+      <a:schemeClr val="dk1"/>
+    </dgm:txFillClrLst>
+    <dgm:txEffectClrLst/>
+  </dgm:styleLbl>
+  <dgm:styleLbl name="solidBgAcc1">
+    <dgm:fillClrLst meth="repeat">
+      <a:schemeClr val="lt1"/>
+    </dgm:fillClrLst>
+    <dgm:linClrLst meth="repeat">
+      <a:schemeClr val="dk1"/>
+    </dgm:linClrLst>
+    <dgm:effectClrLst/>
+    <dgm:txLinClrLst/>
+    <dgm:txFillClrLst meth="repeat">
+      <a:schemeClr val="dk1"/>
+    </dgm:txFillClrLst>
+    <dgm:txEffectClrLst/>
+  </dgm:styleLbl>
+  <dgm:styleLbl name="fgAccFollowNode1">
+    <dgm:fillClrLst meth="repeat">
+      <a:schemeClr val="lt1">
+        <a:alpha val="90000"/>
+        <a:tint val="40000"/>
+      </a:schemeClr>
+    </dgm:fillClrLst>
+    <dgm:linClrLst meth="repeat">
+      <a:schemeClr val="dk1">
+        <a:alpha val="90000"/>
+      </a:schemeClr>
+    </dgm:linClrLst>
+    <dgm:effectClrLst/>
+    <dgm:txLinClrLst/>
+    <dgm:txFillClrLst meth="repeat">
+      <a:schemeClr val="dk1"/>
+    </dgm:txFillClrLst>
+    <dgm:txEffectClrLst/>
+  </dgm:styleLbl>
+  <dgm:styleLbl name="alignAccFollowNode1">
+    <dgm:fillClrLst meth="repeat">
+      <a:schemeClr val="lt1">
+        <a:alpha val="90000"/>
+        <a:tint val="40000"/>
+      </a:schemeClr>
+    </dgm:fillClrLst>
+    <dgm:linClrLst meth="repeat">
+      <a:schemeClr val="dk1">
+        <a:alpha val="90000"/>
+      </a:schemeClr>
+    </dgm:linClrLst>
+    <dgm:effectClrLst/>
+    <dgm:txLinClrLst/>
+    <dgm:txFillClrLst meth="repeat">
+      <a:schemeClr val="dk1"/>
+    </dgm:txFillClrLst>
+    <dgm:txEffectClrLst/>
+  </dgm:styleLbl>
+  <dgm:styleLbl name="bgAccFollowNode1">
+    <dgm:fillClrLst meth="repeat">
+      <a:schemeClr val="lt1">
+        <a:alpha val="90000"/>
+        <a:tint val="40000"/>
+      </a:schemeClr>
+    </dgm:fillClrLst>
+    <dgm:linClrLst meth="repeat">
+      <a:schemeClr val="dk1">
+        <a:alpha val="90000"/>
+      </a:schemeClr>
+    </dgm:linClrLst>
+    <dgm:effectClrLst/>
+    <dgm:txLinClrLst/>
+    <dgm:txFillClrLst meth="repeat">
+      <a:schemeClr val="dk1"/>
+    </dgm:txFillClrLst>
+    <dgm:txEffectClrLst/>
+  </dgm:styleLbl>
+  <dgm:styleLbl name="fgAcc0">
+    <dgm:fillClrLst meth="repeat">
+      <a:schemeClr val="dk1">
+        <a:alpha val="90000"/>
+        <a:tint val="40000"/>
+      </a:schemeClr>
+    </dgm:fillClrLst>
+    <dgm:linClrLst meth="repeat">
+      <a:schemeClr val="dk1"/>
+    </dgm:linClrLst>
+    <dgm:effectClrLst/>
+    <dgm:txLinClrLst/>
+    <dgm:txFillClrLst meth="repeat">
+      <a:schemeClr val="dk1"/>
+    </dgm:txFillClrLst>
+    <dgm:txEffectClrLst/>
+  </dgm:styleLbl>
+  <dgm:styleLbl name="fgAcc2">
+    <dgm:fillClrLst meth="repeat">
+      <a:schemeClr val="dk1">
+        <a:alpha val="90000"/>
+        <a:tint val="40000"/>
+      </a:schemeClr>
+    </dgm:fillClrLst>
+    <dgm:linClrLst meth="repeat">
+      <a:schemeClr val="dk1"/>
+    </dgm:linClrLst>
+    <dgm:effectClrLst/>
+    <dgm:txLinClrLst/>
+    <dgm:txFillClrLst meth="repeat">
+      <a:schemeClr val="dk1"/>
+    </dgm:txFillClrLst>
+    <dgm:txEffectClrLst/>
+  </dgm:styleLbl>
+  <dgm:styleLbl name="fgAcc3">
+    <dgm:fillClrLst meth="repeat">
+      <a:schemeClr val="dk1">
+        <a:alpha val="90000"/>
+        <a:tint val="40000"/>
+      </a:schemeClr>
+    </dgm:fillClrLst>
+    <dgm:linClrLst meth="repeat">
+      <a:schemeClr val="dk1"/>
+    </dgm:linClrLst>
+    <dgm:effectClrLst/>
+    <dgm:txLinClrLst/>
+    <dgm:txFillClrLst meth="repeat">
+      <a:schemeClr val="dk1"/>
+    </dgm:txFillClrLst>
+    <dgm:txEffectClrLst/>
+  </dgm:styleLbl>
+  <dgm:styleLbl name="fgAcc4">
+    <dgm:fillClrLst meth="repeat">
+      <a:schemeClr val="dk1">
+        <a:alpha val="90000"/>
+        <a:tint val="40000"/>
+      </a:schemeClr>
+    </dgm:fillClrLst>
+    <dgm:linClrLst meth="repeat">
+      <a:schemeClr val="dk1"/>
+    </dgm:linClrLst>
+    <dgm:effectClrLst/>
+    <dgm:txLinClrLst/>
+    <dgm:txFillClrLst meth="repeat">
+      <a:schemeClr val="dk1"/>
+    </dgm:txFillClrLst>
+    <dgm:txEffectClrLst/>
+  </dgm:styleLbl>
+  <dgm:styleLbl name="bgShp">
+    <dgm:fillClrLst meth="repeat">
+      <a:schemeClr val="dk1">
+        <a:tint val="40000"/>
+      </a:schemeClr>
+    </dgm:fillClrLst>
+    <dgm:linClrLst meth="repeat">
+      <a:schemeClr val="dk1"/>
+    </dgm:linClrLst>
+    <dgm:effectClrLst/>
+    <dgm:txLinClrLst/>
+    <dgm:txFillClrLst meth="repeat">
+      <a:schemeClr val="dk1"/>
+    </dgm:txFillClrLst>
+    <dgm:txEffectClrLst/>
+  </dgm:styleLbl>
+  <dgm:styleLbl name="dkBgShp">
+    <dgm:fillClrLst meth="repeat">
+      <a:schemeClr val="dk1">
+        <a:shade val="80000"/>
+      </a:schemeClr>
+    </dgm:fillClrLst>
+    <dgm:linClrLst meth="repeat">
+      <a:schemeClr val="dk1"/>
+    </dgm:linClrLst>
+    <dgm:effectClrLst/>
+    <dgm:txLinClrLst/>
+    <dgm:txFillClrLst meth="repeat">
+      <a:schemeClr val="lt1"/>
+    </dgm:txFillClrLst>
+    <dgm:txEffectClrLst/>
+  </dgm:styleLbl>
+  <dgm:styleLbl name="trBgShp">
+    <dgm:fillClrLst meth="repeat">
+      <a:schemeClr val="dk1">
+        <a:tint val="50000"/>
+        <a:alpha val="40000"/>
+      </a:schemeClr>
+    </dgm:fillClrLst>
+    <dgm:linClrLst meth="repeat">
+      <a:schemeClr val="dk1"/>
+    </dgm:linClrLst>
+    <dgm:effectClrLst/>
+    <dgm:txLinClrLst/>
+    <dgm:txFillClrLst meth="repeat">
+      <a:schemeClr val="lt1"/>
+    </dgm:txFillClrLst>
+    <dgm:txEffectClrLst/>
+  </dgm:styleLbl>
+  <dgm:styleLbl name="fgShp">
+    <dgm:fillClrLst meth="repeat">
+      <a:schemeClr val="dk1">
+        <a:tint val="60000"/>
+      </a:schemeClr>
+    </dgm:fillClrLst>
+    <dgm:linClrLst meth="repeat">
+      <a:schemeClr val="lt1"/>
+    </dgm:linClrLst>
+    <dgm:effectClrLst/>
+    <dgm:txLinClrLst/>
+    <dgm:txFillClrLst meth="repeat">
+      <a:schemeClr val="dk1"/>
+    </dgm:txFillClrLst>
+    <dgm:txEffectClrLst/>
+  </dgm:styleLbl>
+  <dgm:styleLbl name="revTx">
+    <dgm:fillClrLst meth="repeat">
+      <a:schemeClr val="lt1">
+        <a:alpha val="0"/>
+      </a:schemeClr>
+    </dgm:fillClrLst>
+    <dgm:linClrLst meth="repeat">
+      <a:schemeClr val="dk1">
+        <a:alpha val="0"/>
+      </a:schemeClr>
+    </dgm:linClrLst>
+    <dgm:effectClrLst/>
+    <dgm:txLinClrLst/>
+    <dgm:txFillClrLst meth="repeat">
+      <a:schemeClr val="tx1"/>
+    </dgm:txFillClrLst>
+    <dgm:txEffectClrLst/>
+  </dgm:styleLbl>
+</dgm:colorsDef>
+</file>
+
+<file path=ppt/diagrams/data1.xml><?xml version="1.0" encoding="utf-8"?>
+<dgm:dataModel xmlns:dgm="http://schemas.openxmlformats.org/drawingml/2006/diagram" xmlns:a="http://schemas.openxmlformats.org/drawingml/2006/main">
+  <dgm:ptLst>
+    <dgm:pt modelId="{C3A67F30-B7C7-4935-841D-8FF2DA3DECB6}" type="doc">
+      <dgm:prSet loTypeId="urn:microsoft.com/office/officeart/2009/3/layout/HorizontalOrganizationChart" loCatId="hierarchy" qsTypeId="urn:microsoft.com/office/officeart/2005/8/quickstyle/simple1" qsCatId="simple" csTypeId="urn:microsoft.com/office/officeart/2005/8/colors/accent0_1" csCatId="mainScheme" phldr="1"/>
+      <dgm:spPr/>
+      <dgm:t>
+        <a:bodyPr/>
+        <a:lstStyle/>
+        <a:p>
+          <a:pPr latinLnBrk="1"/>
+          <a:endParaRPr lang="ko-KR" altLang="en-US"/>
+        </a:p>
+      </dgm:t>
+    </dgm:pt>
+    <dgm:pt modelId="{1CC786D9-E1A8-4962-9AF0-42CB58B3BB02}">
+      <dgm:prSet phldrT="[텍스트]"/>
+      <dgm:spPr/>
+      <dgm:t>
+        <a:bodyPr/>
+        <a:lstStyle/>
+        <a:p>
+          <a:pPr latinLnBrk="1"/>
+          <a:r>
+            <a:rPr lang="en-US" altLang="ko-KR" dirty="0" smtClean="0"/>
+            <a:t>building</a:t>
+          </a:r>
+          <a:endParaRPr lang="ko-KR" altLang="en-US" dirty="0"/>
+        </a:p>
+      </dgm:t>
+    </dgm:pt>
+    <dgm:pt modelId="{70A8CCCA-A458-47E6-8D3D-70E49CCF8089}" type="parTrans" cxnId="{838DD392-32CE-4AA0-83E0-6ABA07D16CC4}">
+      <dgm:prSet/>
+      <dgm:spPr/>
+      <dgm:t>
+        <a:bodyPr/>
+        <a:lstStyle/>
+        <a:p>
+          <a:pPr latinLnBrk="1"/>
+          <a:endParaRPr lang="ko-KR" altLang="en-US"/>
+        </a:p>
+      </dgm:t>
+    </dgm:pt>
+    <dgm:pt modelId="{1F0FAA24-2705-4633-A647-A8937FF54CE7}" type="sibTrans" cxnId="{838DD392-32CE-4AA0-83E0-6ABA07D16CC4}">
+      <dgm:prSet/>
+      <dgm:spPr/>
+      <dgm:t>
+        <a:bodyPr/>
+        <a:lstStyle/>
+        <a:p>
+          <a:pPr latinLnBrk="1"/>
+          <a:endParaRPr lang="ko-KR" altLang="en-US"/>
+        </a:p>
+      </dgm:t>
+    </dgm:pt>
+    <dgm:pt modelId="{145EA4E6-A87B-4697-80CB-7A6F1AEDC4CF}">
+      <dgm:prSet phldrT="[텍스트]"/>
+      <dgm:spPr/>
+      <dgm:t>
+        <a:bodyPr/>
+        <a:lstStyle/>
+        <a:p>
+          <a:pPr latinLnBrk="1"/>
+          <a:r>
+            <a:rPr lang="en-US" altLang="ko-KR" dirty="0" smtClean="0"/>
+            <a:t>/ground</a:t>
+          </a:r>
+          <a:endParaRPr lang="ko-KR" altLang="en-US" dirty="0"/>
+        </a:p>
+      </dgm:t>
+    </dgm:pt>
+    <dgm:pt modelId="{2835D590-8441-405F-AD87-039E6BA1C3B7}" type="parTrans" cxnId="{29E90EB2-125A-4CDB-AEDD-9DDC1A5C8EA5}">
+      <dgm:prSet/>
+      <dgm:spPr/>
+      <dgm:t>
+        <a:bodyPr/>
+        <a:lstStyle/>
+        <a:p>
+          <a:pPr latinLnBrk="1"/>
+          <a:endParaRPr lang="ko-KR" altLang="en-US"/>
+        </a:p>
+      </dgm:t>
+    </dgm:pt>
+    <dgm:pt modelId="{BB0ECC6E-6636-4E52-8DA2-678F3072D920}" type="sibTrans" cxnId="{29E90EB2-125A-4CDB-AEDD-9DDC1A5C8EA5}">
+      <dgm:prSet/>
+      <dgm:spPr/>
+      <dgm:t>
+        <a:bodyPr/>
+        <a:lstStyle/>
+        <a:p>
+          <a:pPr latinLnBrk="1"/>
+          <a:endParaRPr lang="ko-KR" altLang="en-US"/>
+        </a:p>
+      </dgm:t>
+    </dgm:pt>
+    <dgm:pt modelId="{9FFDE601-AE7F-446D-8857-27411D74E445}">
+      <dgm:prSet phldrT="[텍스트]"/>
+      <dgm:spPr/>
+      <dgm:t>
+        <a:bodyPr/>
+        <a:lstStyle/>
+        <a:p>
+          <a:pPr latinLnBrk="1"/>
+          <a:r>
+            <a:rPr lang="en-US" altLang="ko-KR" dirty="0" smtClean="0"/>
+            <a:t>/first</a:t>
+          </a:r>
+          <a:endParaRPr lang="ko-KR" altLang="en-US" dirty="0"/>
+        </a:p>
+      </dgm:t>
+    </dgm:pt>
+    <dgm:pt modelId="{06C89DC0-E64F-4BBF-A253-D1A9084EE035}" type="parTrans" cxnId="{C2D0A13E-4376-4790-9ADE-CF7740CDF2AD}">
+      <dgm:prSet/>
+      <dgm:spPr/>
+      <dgm:t>
+        <a:bodyPr/>
+        <a:lstStyle/>
+        <a:p>
+          <a:pPr latinLnBrk="1"/>
+          <a:endParaRPr lang="ko-KR" altLang="en-US"/>
+        </a:p>
+      </dgm:t>
+    </dgm:pt>
+    <dgm:pt modelId="{E1FF1DB5-A1A4-43E0-A46A-41C6A37A1C85}" type="sibTrans" cxnId="{C2D0A13E-4376-4790-9ADE-CF7740CDF2AD}">
+      <dgm:prSet/>
+      <dgm:spPr/>
+      <dgm:t>
+        <a:bodyPr/>
+        <a:lstStyle/>
+        <a:p>
+          <a:pPr latinLnBrk="1"/>
+          <a:endParaRPr lang="ko-KR" altLang="en-US"/>
+        </a:p>
+      </dgm:t>
+    </dgm:pt>
+    <dgm:pt modelId="{3BA9F0CE-464F-4D08-B095-870EE2716696}">
+      <dgm:prSet phldrT="[텍스트]"/>
+      <dgm:spPr/>
+      <dgm:t>
+        <a:bodyPr/>
+        <a:lstStyle/>
+        <a:p>
+          <a:pPr latinLnBrk="1"/>
+          <a:r>
+            <a:rPr lang="en-US" altLang="ko-KR" dirty="0" smtClean="0"/>
+            <a:t>/store</a:t>
+          </a:r>
+          <a:endParaRPr lang="ko-KR" altLang="en-US" dirty="0"/>
+        </a:p>
+      </dgm:t>
+    </dgm:pt>
+    <dgm:pt modelId="{F994E838-ABA9-48EE-A704-F770E9CB0A35}" type="parTrans" cxnId="{9AE92D22-DBDD-4780-9F76-4EF685BA156E}">
+      <dgm:prSet/>
+      <dgm:spPr/>
+      <dgm:t>
+        <a:bodyPr/>
+        <a:lstStyle/>
+        <a:p>
+          <a:pPr latinLnBrk="1"/>
+          <a:endParaRPr lang="ko-KR" altLang="en-US"/>
+        </a:p>
+      </dgm:t>
+    </dgm:pt>
+    <dgm:pt modelId="{D181721A-C771-41C2-95E0-D13D56CA5B02}" type="sibTrans" cxnId="{9AE92D22-DBDD-4780-9F76-4EF685BA156E}">
+      <dgm:prSet/>
+      <dgm:spPr/>
+      <dgm:t>
+        <a:bodyPr/>
+        <a:lstStyle/>
+        <a:p>
+          <a:pPr latinLnBrk="1"/>
+          <a:endParaRPr lang="ko-KR" altLang="en-US"/>
+        </a:p>
+      </dgm:t>
+    </dgm:pt>
+    <dgm:pt modelId="{CC19EA30-97AD-4666-B5EB-FA20B176F9D2}">
+      <dgm:prSet phldrT="[텍스트]"/>
+      <dgm:spPr/>
+      <dgm:t>
+        <a:bodyPr/>
+        <a:lstStyle/>
+        <a:p>
+          <a:pPr latinLnBrk="1"/>
+          <a:r>
+            <a:rPr lang="en-US" altLang="ko-KR" dirty="0" smtClean="0"/>
+            <a:t>/temperature</a:t>
+          </a:r>
+          <a:endParaRPr lang="ko-KR" altLang="en-US" dirty="0"/>
+        </a:p>
+      </dgm:t>
+    </dgm:pt>
+    <dgm:pt modelId="{99C42652-4086-4FCC-9DDC-839CB8C99C37}" type="parTrans" cxnId="{222540B8-2086-4549-968A-BE21BFB9DE2D}">
+      <dgm:prSet/>
+      <dgm:spPr/>
+      <dgm:t>
+        <a:bodyPr/>
+        <a:lstStyle/>
+        <a:p>
+          <a:pPr latinLnBrk="1"/>
+          <a:endParaRPr lang="ko-KR" altLang="en-US"/>
+        </a:p>
+      </dgm:t>
+    </dgm:pt>
+    <dgm:pt modelId="{DC11BC24-FFA3-489C-A07B-C40AE82D7D39}" type="sibTrans" cxnId="{222540B8-2086-4549-968A-BE21BFB9DE2D}">
+      <dgm:prSet/>
+      <dgm:spPr/>
+      <dgm:t>
+        <a:bodyPr/>
+        <a:lstStyle/>
+        <a:p>
+          <a:pPr latinLnBrk="1"/>
+          <a:endParaRPr lang="ko-KR" altLang="en-US"/>
+        </a:p>
+      </dgm:t>
+    </dgm:pt>
+    <dgm:pt modelId="{F76DFB84-CDB7-42D1-BB61-B6B67F179447}">
+      <dgm:prSet phldrT="[텍스트]"/>
+      <dgm:spPr/>
+      <dgm:t>
+        <a:bodyPr/>
+        <a:lstStyle/>
+        <a:p>
+          <a:pPr latinLnBrk="1"/>
+          <a:r>
+            <a:rPr lang="en-US" altLang="ko-KR" dirty="0" smtClean="0"/>
+            <a:t>/restaurant</a:t>
+          </a:r>
+          <a:endParaRPr lang="ko-KR" altLang="en-US" dirty="0"/>
+        </a:p>
+      </dgm:t>
+    </dgm:pt>
+    <dgm:pt modelId="{821F14E4-4B79-4268-B040-9C9EC0B09C15}" type="parTrans" cxnId="{3591A368-3E2B-49F0-98EF-233A08EFD92E}">
+      <dgm:prSet/>
+      <dgm:spPr/>
+      <dgm:t>
+        <a:bodyPr/>
+        <a:lstStyle/>
+        <a:p>
+          <a:pPr latinLnBrk="1"/>
+          <a:endParaRPr lang="ko-KR" altLang="en-US"/>
+        </a:p>
+      </dgm:t>
+    </dgm:pt>
+    <dgm:pt modelId="{F7279E3C-7708-4C60-8462-A67CBFE72ABC}" type="sibTrans" cxnId="{3591A368-3E2B-49F0-98EF-233A08EFD92E}">
+      <dgm:prSet/>
+      <dgm:spPr/>
+      <dgm:t>
+        <a:bodyPr/>
+        <a:lstStyle/>
+        <a:p>
+          <a:pPr latinLnBrk="1"/>
+          <a:endParaRPr lang="ko-KR" altLang="en-US"/>
+        </a:p>
+      </dgm:t>
+    </dgm:pt>
+    <dgm:pt modelId="{702CEC97-C89C-43BB-BEA9-F5EE098A0C51}">
+      <dgm:prSet phldrT="[텍스트]"/>
+      <dgm:spPr/>
+      <dgm:t>
+        <a:bodyPr/>
+        <a:lstStyle/>
+        <a:p>
+          <a:pPr latinLnBrk="1"/>
+          <a:r>
+            <a:rPr lang="en-US" altLang="ko-KR" dirty="0" smtClean="0"/>
+            <a:t>/temperature</a:t>
+          </a:r>
+          <a:endParaRPr lang="ko-KR" altLang="en-US" dirty="0"/>
+        </a:p>
+      </dgm:t>
+    </dgm:pt>
+    <dgm:pt modelId="{CD78D335-833C-458F-B6FF-CE0FC7770422}" type="parTrans" cxnId="{8381C047-D9E7-41AF-B329-F47843705A22}">
+      <dgm:prSet/>
+      <dgm:spPr/>
+      <dgm:t>
+        <a:bodyPr/>
+        <a:lstStyle/>
+        <a:p>
+          <a:pPr latinLnBrk="1"/>
+          <a:endParaRPr lang="ko-KR" altLang="en-US"/>
+        </a:p>
+      </dgm:t>
+    </dgm:pt>
+    <dgm:pt modelId="{DB734E9C-B2BD-47B2-A212-35B3B5B0242B}" type="sibTrans" cxnId="{8381C047-D9E7-41AF-B329-F47843705A22}">
+      <dgm:prSet/>
+      <dgm:spPr/>
+      <dgm:t>
+        <a:bodyPr/>
+        <a:lstStyle/>
+        <a:p>
+          <a:pPr latinLnBrk="1"/>
+          <a:endParaRPr lang="ko-KR" altLang="en-US"/>
+        </a:p>
+      </dgm:t>
+    </dgm:pt>
+    <dgm:pt modelId="{7B97D2F1-C390-428F-8B05-920B7BCCC6F4}">
+      <dgm:prSet phldrT="[텍스트]"/>
+      <dgm:spPr/>
+      <dgm:t>
+        <a:bodyPr/>
+        <a:lstStyle/>
+        <a:p>
+          <a:pPr latinLnBrk="1"/>
+          <a:r>
+            <a:rPr lang="en-US" altLang="ko-KR" dirty="0" smtClean="0"/>
+            <a:t>/bathroom</a:t>
+          </a:r>
+          <a:endParaRPr lang="ko-KR" altLang="en-US" dirty="0"/>
+        </a:p>
+      </dgm:t>
+    </dgm:pt>
+    <dgm:pt modelId="{81280D17-6DF8-46DB-9A34-4E6123D79B6E}" type="parTrans" cxnId="{3AF1B8F9-06F2-48E2-ADAF-D37EBC30B296}">
+      <dgm:prSet/>
+      <dgm:spPr/>
+      <dgm:t>
+        <a:bodyPr/>
+        <a:lstStyle/>
+        <a:p>
+          <a:pPr latinLnBrk="1"/>
+          <a:endParaRPr lang="ko-KR" altLang="en-US"/>
+        </a:p>
+      </dgm:t>
+    </dgm:pt>
+    <dgm:pt modelId="{EE14F4E7-F922-44D1-A1BE-B327D4F33B1C}" type="sibTrans" cxnId="{3AF1B8F9-06F2-48E2-ADAF-D37EBC30B296}">
+      <dgm:prSet/>
+      <dgm:spPr/>
+      <dgm:t>
+        <a:bodyPr/>
+        <a:lstStyle/>
+        <a:p>
+          <a:pPr latinLnBrk="1"/>
+          <a:endParaRPr lang="ko-KR" altLang="en-US"/>
+        </a:p>
+      </dgm:t>
+    </dgm:pt>
+    <dgm:pt modelId="{A9D3CC80-0BB2-40A6-935F-BCEDF707E3AA}">
+      <dgm:prSet phldrT="[텍스트]"/>
+      <dgm:spPr/>
+      <dgm:t>
+        <a:bodyPr/>
+        <a:lstStyle/>
+        <a:p>
+          <a:pPr latinLnBrk="1"/>
+          <a:r>
+            <a:rPr lang="en-US" altLang="ko-KR" dirty="0" smtClean="0"/>
+            <a:t>/Humidity</a:t>
+          </a:r>
+          <a:endParaRPr lang="ko-KR" altLang="en-US" dirty="0"/>
+        </a:p>
+      </dgm:t>
+    </dgm:pt>
+    <dgm:pt modelId="{CD84B7CE-D46B-4DF3-8FA2-06FA0340FC31}" type="parTrans" cxnId="{327ACA57-8548-4BA0-B0E3-6B31FD9BD049}">
+      <dgm:prSet/>
+      <dgm:spPr/>
+      <dgm:t>
+        <a:bodyPr/>
+        <a:lstStyle/>
+        <a:p>
+          <a:pPr latinLnBrk="1"/>
+          <a:endParaRPr lang="ko-KR" altLang="en-US"/>
+        </a:p>
+      </dgm:t>
+    </dgm:pt>
+    <dgm:pt modelId="{EF40B86E-EA9D-452B-A2FA-73FA5B71E953}" type="sibTrans" cxnId="{327ACA57-8548-4BA0-B0E3-6B31FD9BD049}">
+      <dgm:prSet/>
+      <dgm:spPr/>
+      <dgm:t>
+        <a:bodyPr/>
+        <a:lstStyle/>
+        <a:p>
+          <a:pPr latinLnBrk="1"/>
+          <a:endParaRPr lang="ko-KR" altLang="en-US"/>
+        </a:p>
+      </dgm:t>
+    </dgm:pt>
+    <dgm:pt modelId="{7D1CA87A-375F-43BC-8DA9-4C010AE7A5C3}" type="pres">
+      <dgm:prSet presAssocID="{C3A67F30-B7C7-4935-841D-8FF2DA3DECB6}" presName="hierChild1" presStyleCnt="0">
+        <dgm:presLayoutVars>
+          <dgm:orgChart val="1"/>
+          <dgm:chPref val="1"/>
+          <dgm:dir/>
+          <dgm:animOne val="branch"/>
+          <dgm:animLvl val="lvl"/>
+          <dgm:resizeHandles/>
+        </dgm:presLayoutVars>
+      </dgm:prSet>
+      <dgm:spPr/>
+    </dgm:pt>
+    <dgm:pt modelId="{FD8B61C1-48B7-4349-A243-860D43E6941F}" type="pres">
+      <dgm:prSet presAssocID="{1CC786D9-E1A8-4962-9AF0-42CB58B3BB02}" presName="hierRoot1" presStyleCnt="0">
+        <dgm:presLayoutVars>
+          <dgm:hierBranch val="init"/>
+        </dgm:presLayoutVars>
+      </dgm:prSet>
+      <dgm:spPr/>
+    </dgm:pt>
+    <dgm:pt modelId="{E52CA562-A145-499C-BF45-94E6DFD25C29}" type="pres">
+      <dgm:prSet presAssocID="{1CC786D9-E1A8-4962-9AF0-42CB58B3BB02}" presName="rootComposite1" presStyleCnt="0"/>
+      <dgm:spPr/>
+    </dgm:pt>
+    <dgm:pt modelId="{F14C34F7-C6B2-47E1-8585-59C00D5258AB}" type="pres">
+      <dgm:prSet presAssocID="{1CC786D9-E1A8-4962-9AF0-42CB58B3BB02}" presName="rootText1" presStyleLbl="node0" presStyleIdx="0" presStyleCnt="1">
+        <dgm:presLayoutVars>
+          <dgm:chPref val="3"/>
+        </dgm:presLayoutVars>
+      </dgm:prSet>
+      <dgm:spPr/>
+      <dgm:t>
+        <a:bodyPr/>
+        <a:lstStyle/>
+        <a:p>
+          <a:pPr latinLnBrk="1"/>
+          <a:endParaRPr lang="ko-KR" altLang="en-US"/>
+        </a:p>
+      </dgm:t>
+    </dgm:pt>
+    <dgm:pt modelId="{73934F9B-E65D-41E2-9BEF-ECCA6669EB63}" type="pres">
+      <dgm:prSet presAssocID="{1CC786D9-E1A8-4962-9AF0-42CB58B3BB02}" presName="rootConnector1" presStyleLbl="node1" presStyleIdx="0" presStyleCnt="0"/>
+      <dgm:spPr/>
+    </dgm:pt>
+    <dgm:pt modelId="{1FA0EA3D-6849-4040-A9EF-44B18D702C86}" type="pres">
+      <dgm:prSet presAssocID="{1CC786D9-E1A8-4962-9AF0-42CB58B3BB02}" presName="hierChild2" presStyleCnt="0"/>
+      <dgm:spPr/>
+    </dgm:pt>
+    <dgm:pt modelId="{6DBA07B6-7D65-4A79-A22D-F34B7A3702FA}" type="pres">
+      <dgm:prSet presAssocID="{2835D590-8441-405F-AD87-039E6BA1C3B7}" presName="Name64" presStyleLbl="parChTrans1D2" presStyleIdx="0" presStyleCnt="2"/>
+      <dgm:spPr/>
+    </dgm:pt>
+    <dgm:pt modelId="{DBD8B301-51DA-4ADB-A9E0-3D6FF1E00FF1}" type="pres">
+      <dgm:prSet presAssocID="{145EA4E6-A87B-4697-80CB-7A6F1AEDC4CF}" presName="hierRoot2" presStyleCnt="0">
+        <dgm:presLayoutVars>
+          <dgm:hierBranch val="init"/>
+        </dgm:presLayoutVars>
+      </dgm:prSet>
+      <dgm:spPr/>
+    </dgm:pt>
+    <dgm:pt modelId="{11799AD2-35F3-48F0-ADF6-73D6B9F56D9B}" type="pres">
+      <dgm:prSet presAssocID="{145EA4E6-A87B-4697-80CB-7A6F1AEDC4CF}" presName="rootComposite" presStyleCnt="0"/>
+      <dgm:spPr/>
+    </dgm:pt>
+    <dgm:pt modelId="{FB5FF5D0-6D68-4024-B5E3-3C42F62B1BFB}" type="pres">
+      <dgm:prSet presAssocID="{145EA4E6-A87B-4697-80CB-7A6F1AEDC4CF}" presName="rootText" presStyleLbl="node2" presStyleIdx="0" presStyleCnt="2">
+        <dgm:presLayoutVars>
+          <dgm:chPref val="3"/>
+        </dgm:presLayoutVars>
+      </dgm:prSet>
+      <dgm:spPr/>
+      <dgm:t>
+        <a:bodyPr/>
+        <a:lstStyle/>
+        <a:p>
+          <a:pPr latinLnBrk="1"/>
+          <a:endParaRPr lang="ko-KR" altLang="en-US"/>
+        </a:p>
+      </dgm:t>
+    </dgm:pt>
+    <dgm:pt modelId="{755F3B2E-BC4F-4BD0-9B5A-19EA7F9A2932}" type="pres">
+      <dgm:prSet presAssocID="{145EA4E6-A87B-4697-80CB-7A6F1AEDC4CF}" presName="rootConnector" presStyleLbl="node2" presStyleIdx="0" presStyleCnt="2"/>
+      <dgm:spPr/>
+    </dgm:pt>
+    <dgm:pt modelId="{763E35DC-7124-48AD-951B-5BA1D688FC7A}" type="pres">
+      <dgm:prSet presAssocID="{145EA4E6-A87B-4697-80CB-7A6F1AEDC4CF}" presName="hierChild4" presStyleCnt="0"/>
+      <dgm:spPr/>
+    </dgm:pt>
+    <dgm:pt modelId="{C2EFA0DA-E669-4D43-97FE-87E8282CCCFF}" type="pres">
+      <dgm:prSet presAssocID="{F994E838-ABA9-48EE-A704-F770E9CB0A35}" presName="Name64" presStyleLbl="parChTrans1D3" presStyleIdx="0" presStyleCnt="3"/>
+      <dgm:spPr/>
+    </dgm:pt>
+    <dgm:pt modelId="{BE075772-25CB-46E0-A9D4-61DC23D8C0DC}" type="pres">
+      <dgm:prSet presAssocID="{3BA9F0CE-464F-4D08-B095-870EE2716696}" presName="hierRoot2" presStyleCnt="0">
+        <dgm:presLayoutVars>
+          <dgm:hierBranch val="init"/>
+        </dgm:presLayoutVars>
+      </dgm:prSet>
+      <dgm:spPr/>
+    </dgm:pt>
+    <dgm:pt modelId="{0CCDD5F3-F3DE-498D-8A31-F82A29349929}" type="pres">
+      <dgm:prSet presAssocID="{3BA9F0CE-464F-4D08-B095-870EE2716696}" presName="rootComposite" presStyleCnt="0"/>
+      <dgm:spPr/>
+    </dgm:pt>
+    <dgm:pt modelId="{33CA631C-8217-45DA-B320-70E4DA859D43}" type="pres">
+      <dgm:prSet presAssocID="{3BA9F0CE-464F-4D08-B095-870EE2716696}" presName="rootText" presStyleLbl="node3" presStyleIdx="0" presStyleCnt="3">
+        <dgm:presLayoutVars>
+          <dgm:chPref val="3"/>
+        </dgm:presLayoutVars>
+      </dgm:prSet>
+      <dgm:spPr/>
+      <dgm:t>
+        <a:bodyPr/>
+        <a:lstStyle/>
+        <a:p>
+          <a:pPr latinLnBrk="1"/>
+          <a:endParaRPr lang="ko-KR" altLang="en-US"/>
+        </a:p>
+      </dgm:t>
+    </dgm:pt>
+    <dgm:pt modelId="{8806E0CF-CA6D-489E-8414-0625B5ECF630}" type="pres">
+      <dgm:prSet presAssocID="{3BA9F0CE-464F-4D08-B095-870EE2716696}" presName="rootConnector" presStyleLbl="node3" presStyleIdx="0" presStyleCnt="3"/>
+      <dgm:spPr/>
+    </dgm:pt>
+    <dgm:pt modelId="{1C06023B-5388-4BC7-AB4D-CA43C0E968BA}" type="pres">
+      <dgm:prSet presAssocID="{3BA9F0CE-464F-4D08-B095-870EE2716696}" presName="hierChild4" presStyleCnt="0"/>
+      <dgm:spPr/>
+    </dgm:pt>
+    <dgm:pt modelId="{D6336D35-8E71-452C-90F3-2716192ED5A1}" type="pres">
+      <dgm:prSet presAssocID="{99C42652-4086-4FCC-9DDC-839CB8C99C37}" presName="Name64" presStyleLbl="parChTrans1D4" presStyleIdx="0" presStyleCnt="3"/>
+      <dgm:spPr/>
+    </dgm:pt>
+    <dgm:pt modelId="{F0B7C130-7A24-40EB-A082-D093273E6B71}" type="pres">
+      <dgm:prSet presAssocID="{CC19EA30-97AD-4666-B5EB-FA20B176F9D2}" presName="hierRoot2" presStyleCnt="0">
+        <dgm:presLayoutVars>
+          <dgm:hierBranch val="init"/>
+        </dgm:presLayoutVars>
+      </dgm:prSet>
+      <dgm:spPr/>
+    </dgm:pt>
+    <dgm:pt modelId="{119B6D0C-35F0-4F61-9D6B-D1C0F4ACBC43}" type="pres">
+      <dgm:prSet presAssocID="{CC19EA30-97AD-4666-B5EB-FA20B176F9D2}" presName="rootComposite" presStyleCnt="0"/>
+      <dgm:spPr/>
+    </dgm:pt>
+    <dgm:pt modelId="{EC17D76C-5141-4283-AEC9-916C8C5A5089}" type="pres">
+      <dgm:prSet presAssocID="{CC19EA30-97AD-4666-B5EB-FA20B176F9D2}" presName="rootText" presStyleLbl="node4" presStyleIdx="0" presStyleCnt="3">
+        <dgm:presLayoutVars>
+          <dgm:chPref val="3"/>
+        </dgm:presLayoutVars>
+      </dgm:prSet>
+      <dgm:spPr/>
+      <dgm:t>
+        <a:bodyPr/>
+        <a:lstStyle/>
+        <a:p>
+          <a:pPr latinLnBrk="1"/>
+          <a:endParaRPr lang="ko-KR" altLang="en-US"/>
+        </a:p>
+      </dgm:t>
+    </dgm:pt>
+    <dgm:pt modelId="{C956C389-6315-4774-8FD8-33486B6EF996}" type="pres">
+      <dgm:prSet presAssocID="{CC19EA30-97AD-4666-B5EB-FA20B176F9D2}" presName="rootConnector" presStyleLbl="node4" presStyleIdx="0" presStyleCnt="3"/>
+      <dgm:spPr/>
+    </dgm:pt>
+    <dgm:pt modelId="{D1566E82-4EEC-40C2-9FE5-45C232D9D000}" type="pres">
+      <dgm:prSet presAssocID="{CC19EA30-97AD-4666-B5EB-FA20B176F9D2}" presName="hierChild4" presStyleCnt="0"/>
+      <dgm:spPr/>
+    </dgm:pt>
+    <dgm:pt modelId="{9C7B3D0E-5B79-4866-9BD1-66A44D85E0D2}" type="pres">
+      <dgm:prSet presAssocID="{CC19EA30-97AD-4666-B5EB-FA20B176F9D2}" presName="hierChild5" presStyleCnt="0"/>
+      <dgm:spPr/>
+    </dgm:pt>
+    <dgm:pt modelId="{2F67B304-04E7-4C9F-82E1-2B467640E5F4}" type="pres">
+      <dgm:prSet presAssocID="{3BA9F0CE-464F-4D08-B095-870EE2716696}" presName="hierChild5" presStyleCnt="0"/>
+      <dgm:spPr/>
+    </dgm:pt>
+    <dgm:pt modelId="{B11505A8-5D73-4636-A70B-125DC297E74D}" type="pres">
+      <dgm:prSet presAssocID="{145EA4E6-A87B-4697-80CB-7A6F1AEDC4CF}" presName="hierChild5" presStyleCnt="0"/>
+      <dgm:spPr/>
+    </dgm:pt>
+    <dgm:pt modelId="{EF235061-EDC5-40F9-9CBC-BEB4B459A279}" type="pres">
+      <dgm:prSet presAssocID="{06C89DC0-E64F-4BBF-A253-D1A9084EE035}" presName="Name64" presStyleLbl="parChTrans1D2" presStyleIdx="1" presStyleCnt="2"/>
+      <dgm:spPr/>
+    </dgm:pt>
+    <dgm:pt modelId="{00749139-EEC2-42CF-9F08-CA2516E8B94C}" type="pres">
+      <dgm:prSet presAssocID="{9FFDE601-AE7F-446D-8857-27411D74E445}" presName="hierRoot2" presStyleCnt="0">
+        <dgm:presLayoutVars>
+          <dgm:hierBranch val="init"/>
+        </dgm:presLayoutVars>
+      </dgm:prSet>
+      <dgm:spPr/>
+    </dgm:pt>
+    <dgm:pt modelId="{99784E54-F2A2-42A0-95FD-94EF587AEB6C}" type="pres">
+      <dgm:prSet presAssocID="{9FFDE601-AE7F-446D-8857-27411D74E445}" presName="rootComposite" presStyleCnt="0"/>
+      <dgm:spPr/>
+    </dgm:pt>
+    <dgm:pt modelId="{A9B8364E-9807-4410-A6C3-074BF7B38F11}" type="pres">
+      <dgm:prSet presAssocID="{9FFDE601-AE7F-446D-8857-27411D74E445}" presName="rootText" presStyleLbl="node2" presStyleIdx="1" presStyleCnt="2">
+        <dgm:presLayoutVars>
+          <dgm:chPref val="3"/>
+        </dgm:presLayoutVars>
+      </dgm:prSet>
+      <dgm:spPr/>
+      <dgm:t>
+        <a:bodyPr/>
+        <a:lstStyle/>
+        <a:p>
+          <a:pPr latinLnBrk="1"/>
+          <a:endParaRPr lang="ko-KR" altLang="en-US"/>
+        </a:p>
+      </dgm:t>
+    </dgm:pt>
+    <dgm:pt modelId="{097C7AB8-1D0F-4806-A67F-0BE3F06F86F7}" type="pres">
+      <dgm:prSet presAssocID="{9FFDE601-AE7F-446D-8857-27411D74E445}" presName="rootConnector" presStyleLbl="node2" presStyleIdx="1" presStyleCnt="2"/>
+      <dgm:spPr/>
+    </dgm:pt>
+    <dgm:pt modelId="{65E387C4-A552-48EC-BF3B-7C840DEC933C}" type="pres">
+      <dgm:prSet presAssocID="{9FFDE601-AE7F-446D-8857-27411D74E445}" presName="hierChild4" presStyleCnt="0"/>
+      <dgm:spPr/>
+    </dgm:pt>
+    <dgm:pt modelId="{897A3CC9-7976-4251-AED5-676641ACFFE0}" type="pres">
+      <dgm:prSet presAssocID="{821F14E4-4B79-4268-B040-9C9EC0B09C15}" presName="Name64" presStyleLbl="parChTrans1D3" presStyleIdx="1" presStyleCnt="3"/>
+      <dgm:spPr/>
+    </dgm:pt>
+    <dgm:pt modelId="{88377C31-16AE-4C54-BC09-43F2495A3503}" type="pres">
+      <dgm:prSet presAssocID="{F76DFB84-CDB7-42D1-BB61-B6B67F179447}" presName="hierRoot2" presStyleCnt="0">
+        <dgm:presLayoutVars>
+          <dgm:hierBranch val="init"/>
+        </dgm:presLayoutVars>
+      </dgm:prSet>
+      <dgm:spPr/>
+    </dgm:pt>
+    <dgm:pt modelId="{A37A7582-CB16-4F22-B811-769B516AEBC8}" type="pres">
+      <dgm:prSet presAssocID="{F76DFB84-CDB7-42D1-BB61-B6B67F179447}" presName="rootComposite" presStyleCnt="0"/>
+      <dgm:spPr/>
+    </dgm:pt>
+    <dgm:pt modelId="{C8778C51-DFE1-4EB3-B7E6-3F5921148B36}" type="pres">
+      <dgm:prSet presAssocID="{F76DFB84-CDB7-42D1-BB61-B6B67F179447}" presName="rootText" presStyleLbl="node3" presStyleIdx="1" presStyleCnt="3">
+        <dgm:presLayoutVars>
+          <dgm:chPref val="3"/>
+        </dgm:presLayoutVars>
+      </dgm:prSet>
+      <dgm:spPr/>
+      <dgm:t>
+        <a:bodyPr/>
+        <a:lstStyle/>
+        <a:p>
+          <a:pPr latinLnBrk="1"/>
+          <a:endParaRPr lang="ko-KR" altLang="en-US"/>
+        </a:p>
+      </dgm:t>
+    </dgm:pt>
+    <dgm:pt modelId="{4A986D0E-797D-4976-9118-7FD2D0E3DBCD}" type="pres">
+      <dgm:prSet presAssocID="{F76DFB84-CDB7-42D1-BB61-B6B67F179447}" presName="rootConnector" presStyleLbl="node3" presStyleIdx="1" presStyleCnt="3"/>
+      <dgm:spPr/>
+    </dgm:pt>
+    <dgm:pt modelId="{CF127AC7-7891-4A10-B08B-4376E259F2AB}" type="pres">
+      <dgm:prSet presAssocID="{F76DFB84-CDB7-42D1-BB61-B6B67F179447}" presName="hierChild4" presStyleCnt="0"/>
+      <dgm:spPr/>
+    </dgm:pt>
+    <dgm:pt modelId="{60825DC6-60F8-4083-A057-F9191E4A3EE8}" type="pres">
+      <dgm:prSet presAssocID="{CD78D335-833C-458F-B6FF-CE0FC7770422}" presName="Name64" presStyleLbl="parChTrans1D4" presStyleIdx="1" presStyleCnt="3"/>
+      <dgm:spPr/>
+    </dgm:pt>
+    <dgm:pt modelId="{C6CA1795-805C-4EEE-A693-794DB7D9D576}" type="pres">
+      <dgm:prSet presAssocID="{702CEC97-C89C-43BB-BEA9-F5EE098A0C51}" presName="hierRoot2" presStyleCnt="0">
+        <dgm:presLayoutVars>
+          <dgm:hierBranch val="init"/>
+        </dgm:presLayoutVars>
+      </dgm:prSet>
+      <dgm:spPr/>
+    </dgm:pt>
+    <dgm:pt modelId="{05D2AAAD-5441-4839-84F2-88D134E1483B}" type="pres">
+      <dgm:prSet presAssocID="{702CEC97-C89C-43BB-BEA9-F5EE098A0C51}" presName="rootComposite" presStyleCnt="0"/>
+      <dgm:spPr/>
+    </dgm:pt>
+    <dgm:pt modelId="{1A3B5699-98E7-4391-9CA0-2D14C3BC971F}" type="pres">
+      <dgm:prSet presAssocID="{702CEC97-C89C-43BB-BEA9-F5EE098A0C51}" presName="rootText" presStyleLbl="node4" presStyleIdx="1" presStyleCnt="3">
+        <dgm:presLayoutVars>
+          <dgm:chPref val="3"/>
+        </dgm:presLayoutVars>
+      </dgm:prSet>
+      <dgm:spPr/>
+      <dgm:t>
+        <a:bodyPr/>
+        <a:lstStyle/>
+        <a:p>
+          <a:pPr latinLnBrk="1"/>
+          <a:endParaRPr lang="ko-KR" altLang="en-US"/>
+        </a:p>
+      </dgm:t>
+    </dgm:pt>
+    <dgm:pt modelId="{85E0F195-A771-480E-A48E-9931B3356B05}" type="pres">
+      <dgm:prSet presAssocID="{702CEC97-C89C-43BB-BEA9-F5EE098A0C51}" presName="rootConnector" presStyleLbl="node4" presStyleIdx="1" presStyleCnt="3"/>
+      <dgm:spPr/>
+    </dgm:pt>
+    <dgm:pt modelId="{FF21D565-D329-4460-BB75-7AA3CE9F2048}" type="pres">
+      <dgm:prSet presAssocID="{702CEC97-C89C-43BB-BEA9-F5EE098A0C51}" presName="hierChild4" presStyleCnt="0"/>
+      <dgm:spPr/>
+    </dgm:pt>
+    <dgm:pt modelId="{88D44A1A-B36E-47D3-9FDA-26F196DBB92C}" type="pres">
+      <dgm:prSet presAssocID="{702CEC97-C89C-43BB-BEA9-F5EE098A0C51}" presName="hierChild5" presStyleCnt="0"/>
+      <dgm:spPr/>
+    </dgm:pt>
+    <dgm:pt modelId="{3DD28EF9-1EAE-4335-86C5-837A7894BC0E}" type="pres">
+      <dgm:prSet presAssocID="{F76DFB84-CDB7-42D1-BB61-B6B67F179447}" presName="hierChild5" presStyleCnt="0"/>
+      <dgm:spPr/>
+    </dgm:pt>
+    <dgm:pt modelId="{2174B161-C401-47DE-A8A3-A0F48E88C27E}" type="pres">
+      <dgm:prSet presAssocID="{81280D17-6DF8-46DB-9A34-4E6123D79B6E}" presName="Name64" presStyleLbl="parChTrans1D3" presStyleIdx="2" presStyleCnt="3"/>
+      <dgm:spPr/>
+    </dgm:pt>
+    <dgm:pt modelId="{7ECF76E4-D27E-4BDE-AF04-89C54C4C5458}" type="pres">
+      <dgm:prSet presAssocID="{7B97D2F1-C390-428F-8B05-920B7BCCC6F4}" presName="hierRoot2" presStyleCnt="0">
+        <dgm:presLayoutVars>
+          <dgm:hierBranch val="init"/>
+        </dgm:presLayoutVars>
+      </dgm:prSet>
+      <dgm:spPr/>
+    </dgm:pt>
+    <dgm:pt modelId="{7B6B8D79-0816-482D-AEA5-3B2861CBB29A}" type="pres">
+      <dgm:prSet presAssocID="{7B97D2F1-C390-428F-8B05-920B7BCCC6F4}" presName="rootComposite" presStyleCnt="0"/>
+      <dgm:spPr/>
+    </dgm:pt>
+    <dgm:pt modelId="{C7302221-A631-442E-BF88-76176E55E455}" type="pres">
+      <dgm:prSet presAssocID="{7B97D2F1-C390-428F-8B05-920B7BCCC6F4}" presName="rootText" presStyleLbl="node3" presStyleIdx="2" presStyleCnt="3">
+        <dgm:presLayoutVars>
+          <dgm:chPref val="3"/>
+        </dgm:presLayoutVars>
+      </dgm:prSet>
+      <dgm:spPr/>
+      <dgm:t>
+        <a:bodyPr/>
+        <a:lstStyle/>
+        <a:p>
+          <a:pPr latinLnBrk="1"/>
+          <a:endParaRPr lang="ko-KR" altLang="en-US"/>
+        </a:p>
+      </dgm:t>
+    </dgm:pt>
+    <dgm:pt modelId="{AAF95389-B959-40A0-A6C4-34670D3942EF}" type="pres">
+      <dgm:prSet presAssocID="{7B97D2F1-C390-428F-8B05-920B7BCCC6F4}" presName="rootConnector" presStyleLbl="node3" presStyleIdx="2" presStyleCnt="3"/>
+      <dgm:spPr/>
+    </dgm:pt>
+    <dgm:pt modelId="{FD3D80F1-4C59-43EA-9D60-947CF189E99C}" type="pres">
+      <dgm:prSet presAssocID="{7B97D2F1-C390-428F-8B05-920B7BCCC6F4}" presName="hierChild4" presStyleCnt="0"/>
+      <dgm:spPr/>
+    </dgm:pt>
+    <dgm:pt modelId="{DEE7905B-8203-40B2-B73D-FC16F11528CA}" type="pres">
+      <dgm:prSet presAssocID="{CD84B7CE-D46B-4DF3-8FA2-06FA0340FC31}" presName="Name64" presStyleLbl="parChTrans1D4" presStyleIdx="2" presStyleCnt="3"/>
+      <dgm:spPr/>
+    </dgm:pt>
+    <dgm:pt modelId="{A75CD26B-7956-4C03-BD58-40363A89285A}" type="pres">
+      <dgm:prSet presAssocID="{A9D3CC80-0BB2-40A6-935F-BCEDF707E3AA}" presName="hierRoot2" presStyleCnt="0">
+        <dgm:presLayoutVars>
+          <dgm:hierBranch val="init"/>
+        </dgm:presLayoutVars>
+      </dgm:prSet>
+      <dgm:spPr/>
+    </dgm:pt>
+    <dgm:pt modelId="{535AE29A-A2DA-4986-B262-3B621E03C33F}" type="pres">
+      <dgm:prSet presAssocID="{A9D3CC80-0BB2-40A6-935F-BCEDF707E3AA}" presName="rootComposite" presStyleCnt="0"/>
+      <dgm:spPr/>
+    </dgm:pt>
+    <dgm:pt modelId="{1F801878-372B-4EAB-9C8C-0AA68AD3069B}" type="pres">
+      <dgm:prSet presAssocID="{A9D3CC80-0BB2-40A6-935F-BCEDF707E3AA}" presName="rootText" presStyleLbl="node4" presStyleIdx="2" presStyleCnt="3">
+        <dgm:presLayoutVars>
+          <dgm:chPref val="3"/>
+        </dgm:presLayoutVars>
+      </dgm:prSet>
+      <dgm:spPr/>
+      <dgm:t>
+        <a:bodyPr/>
+        <a:lstStyle/>
+        <a:p>
+          <a:pPr latinLnBrk="1"/>
+          <a:endParaRPr lang="ko-KR" altLang="en-US"/>
+        </a:p>
+      </dgm:t>
+    </dgm:pt>
+    <dgm:pt modelId="{A01D903D-C256-4868-BF4A-7F5B5AF324A2}" type="pres">
+      <dgm:prSet presAssocID="{A9D3CC80-0BB2-40A6-935F-BCEDF707E3AA}" presName="rootConnector" presStyleLbl="node4" presStyleIdx="2" presStyleCnt="3"/>
+      <dgm:spPr/>
+    </dgm:pt>
+    <dgm:pt modelId="{86C1E5A7-6B5D-4F6F-91FE-68D910AB6B04}" type="pres">
+      <dgm:prSet presAssocID="{A9D3CC80-0BB2-40A6-935F-BCEDF707E3AA}" presName="hierChild4" presStyleCnt="0"/>
+      <dgm:spPr/>
+    </dgm:pt>
+    <dgm:pt modelId="{404D8712-AA5A-41E9-B1AB-140F9EE80823}" type="pres">
+      <dgm:prSet presAssocID="{A9D3CC80-0BB2-40A6-935F-BCEDF707E3AA}" presName="hierChild5" presStyleCnt="0"/>
+      <dgm:spPr/>
+    </dgm:pt>
+    <dgm:pt modelId="{C65CA24F-6FBB-47E3-8560-40211A24CF44}" type="pres">
+      <dgm:prSet presAssocID="{7B97D2F1-C390-428F-8B05-920B7BCCC6F4}" presName="hierChild5" presStyleCnt="0"/>
+      <dgm:spPr/>
+    </dgm:pt>
+    <dgm:pt modelId="{69D91F2E-7C7C-4C29-8D14-90B137113583}" type="pres">
+      <dgm:prSet presAssocID="{9FFDE601-AE7F-446D-8857-27411D74E445}" presName="hierChild5" presStyleCnt="0"/>
+      <dgm:spPr/>
+    </dgm:pt>
+    <dgm:pt modelId="{286C4913-1CFB-47BF-9DD0-86401FFBF0CA}" type="pres">
+      <dgm:prSet presAssocID="{1CC786D9-E1A8-4962-9AF0-42CB58B3BB02}" presName="hierChild3" presStyleCnt="0"/>
+      <dgm:spPr/>
+    </dgm:pt>
+  </dgm:ptLst>
+  <dgm:cxnLst>
+    <dgm:cxn modelId="{4955792D-0161-4468-B929-0DD69FD4E4E3}" type="presOf" srcId="{C3A67F30-B7C7-4935-841D-8FF2DA3DECB6}" destId="{7D1CA87A-375F-43BC-8DA9-4C010AE7A5C3}" srcOrd="0" destOrd="0" presId="urn:microsoft.com/office/officeart/2009/3/layout/HorizontalOrganizationChart"/>
+    <dgm:cxn modelId="{99D5C41F-5B41-4376-BE3A-551FDDCC285C}" type="presOf" srcId="{7B97D2F1-C390-428F-8B05-920B7BCCC6F4}" destId="{AAF95389-B959-40A0-A6C4-34670D3942EF}" srcOrd="1" destOrd="0" presId="urn:microsoft.com/office/officeart/2009/3/layout/HorizontalOrganizationChart"/>
+    <dgm:cxn modelId="{3C7C6162-DD47-4CD7-8731-B2E1DBAE84B4}" type="presOf" srcId="{99C42652-4086-4FCC-9DDC-839CB8C99C37}" destId="{D6336D35-8E71-452C-90F3-2716192ED5A1}" srcOrd="0" destOrd="0" presId="urn:microsoft.com/office/officeart/2009/3/layout/HorizontalOrganizationChart"/>
+    <dgm:cxn modelId="{606966FC-F2D2-4302-A783-32A15269196C}" type="presOf" srcId="{702CEC97-C89C-43BB-BEA9-F5EE098A0C51}" destId="{1A3B5699-98E7-4391-9CA0-2D14C3BC971F}" srcOrd="0" destOrd="0" presId="urn:microsoft.com/office/officeart/2009/3/layout/HorizontalOrganizationChart"/>
+    <dgm:cxn modelId="{116D1890-AFD2-4995-BAB9-95C1525D8012}" type="presOf" srcId="{1CC786D9-E1A8-4962-9AF0-42CB58B3BB02}" destId="{73934F9B-E65D-41E2-9BEF-ECCA6669EB63}" srcOrd="1" destOrd="0" presId="urn:microsoft.com/office/officeart/2009/3/layout/HorizontalOrganizationChart"/>
+    <dgm:cxn modelId="{3956EDB7-F262-4124-8189-CE9DF20FBDA6}" type="presOf" srcId="{CD78D335-833C-458F-B6FF-CE0FC7770422}" destId="{60825DC6-60F8-4083-A057-F9191E4A3EE8}" srcOrd="0" destOrd="0" presId="urn:microsoft.com/office/officeart/2009/3/layout/HorizontalOrganizationChart"/>
+    <dgm:cxn modelId="{3A2FC6E0-2301-47AF-8AE6-B79317E34621}" type="presOf" srcId="{06C89DC0-E64F-4BBF-A253-D1A9084EE035}" destId="{EF235061-EDC5-40F9-9CBC-BEB4B459A279}" srcOrd="0" destOrd="0" presId="urn:microsoft.com/office/officeart/2009/3/layout/HorizontalOrganizationChart"/>
+    <dgm:cxn modelId="{327ACA57-8548-4BA0-B0E3-6B31FD9BD049}" srcId="{7B97D2F1-C390-428F-8B05-920B7BCCC6F4}" destId="{A9D3CC80-0BB2-40A6-935F-BCEDF707E3AA}" srcOrd="0" destOrd="0" parTransId="{CD84B7CE-D46B-4DF3-8FA2-06FA0340FC31}" sibTransId="{EF40B86E-EA9D-452B-A2FA-73FA5B71E953}"/>
+    <dgm:cxn modelId="{C0B58848-7BBE-4AB9-BDA0-2F962D3B6234}" type="presOf" srcId="{F76DFB84-CDB7-42D1-BB61-B6B67F179447}" destId="{C8778C51-DFE1-4EB3-B7E6-3F5921148B36}" srcOrd="0" destOrd="0" presId="urn:microsoft.com/office/officeart/2009/3/layout/HorizontalOrganizationChart"/>
+    <dgm:cxn modelId="{5A78CCBB-BA75-4519-B174-41822765E5A3}" type="presOf" srcId="{A9D3CC80-0BB2-40A6-935F-BCEDF707E3AA}" destId="{A01D903D-C256-4868-BF4A-7F5B5AF324A2}" srcOrd="1" destOrd="0" presId="urn:microsoft.com/office/officeart/2009/3/layout/HorizontalOrganizationChart"/>
+    <dgm:cxn modelId="{3591A368-3E2B-49F0-98EF-233A08EFD92E}" srcId="{9FFDE601-AE7F-446D-8857-27411D74E445}" destId="{F76DFB84-CDB7-42D1-BB61-B6B67F179447}" srcOrd="0" destOrd="0" parTransId="{821F14E4-4B79-4268-B040-9C9EC0B09C15}" sibTransId="{F7279E3C-7708-4C60-8462-A67CBFE72ABC}"/>
+    <dgm:cxn modelId="{ADF6CF1B-3599-4915-A22C-39836AFA5D22}" type="presOf" srcId="{145EA4E6-A87B-4697-80CB-7A6F1AEDC4CF}" destId="{755F3B2E-BC4F-4BD0-9B5A-19EA7F9A2932}" srcOrd="1" destOrd="0" presId="urn:microsoft.com/office/officeart/2009/3/layout/HorizontalOrganizationChart"/>
+    <dgm:cxn modelId="{222540B8-2086-4549-968A-BE21BFB9DE2D}" srcId="{3BA9F0CE-464F-4D08-B095-870EE2716696}" destId="{CC19EA30-97AD-4666-B5EB-FA20B176F9D2}" srcOrd="0" destOrd="0" parTransId="{99C42652-4086-4FCC-9DDC-839CB8C99C37}" sibTransId="{DC11BC24-FFA3-489C-A07B-C40AE82D7D39}"/>
+    <dgm:cxn modelId="{60BF37EA-3D46-4232-96AC-9167E6A18860}" type="presOf" srcId="{A9D3CC80-0BB2-40A6-935F-BCEDF707E3AA}" destId="{1F801878-372B-4EAB-9C8C-0AA68AD3069B}" srcOrd="0" destOrd="0" presId="urn:microsoft.com/office/officeart/2009/3/layout/HorizontalOrganizationChart"/>
+    <dgm:cxn modelId="{BBE4932B-BCD7-4D56-A41F-10B142B173B5}" type="presOf" srcId="{CD84B7CE-D46B-4DF3-8FA2-06FA0340FC31}" destId="{DEE7905B-8203-40B2-B73D-FC16F11528CA}" srcOrd="0" destOrd="0" presId="urn:microsoft.com/office/officeart/2009/3/layout/HorizontalOrganizationChart"/>
+    <dgm:cxn modelId="{AD710383-A293-4764-914D-0FA7606EFEB7}" type="presOf" srcId="{1CC786D9-E1A8-4962-9AF0-42CB58B3BB02}" destId="{F14C34F7-C6B2-47E1-8585-59C00D5258AB}" srcOrd="0" destOrd="0" presId="urn:microsoft.com/office/officeart/2009/3/layout/HorizontalOrganizationChart"/>
+    <dgm:cxn modelId="{B033E65E-1984-4641-8934-320CB52FBDF0}" type="presOf" srcId="{9FFDE601-AE7F-446D-8857-27411D74E445}" destId="{097C7AB8-1D0F-4806-A67F-0BE3F06F86F7}" srcOrd="1" destOrd="0" presId="urn:microsoft.com/office/officeart/2009/3/layout/HorizontalOrganizationChart"/>
+    <dgm:cxn modelId="{72AD3013-EE1A-4AA9-B433-331E769F31AD}" type="presOf" srcId="{702CEC97-C89C-43BB-BEA9-F5EE098A0C51}" destId="{85E0F195-A771-480E-A48E-9931B3356B05}" srcOrd="1" destOrd="0" presId="urn:microsoft.com/office/officeart/2009/3/layout/HorizontalOrganizationChart"/>
+    <dgm:cxn modelId="{8381C047-D9E7-41AF-B329-F47843705A22}" srcId="{F76DFB84-CDB7-42D1-BB61-B6B67F179447}" destId="{702CEC97-C89C-43BB-BEA9-F5EE098A0C51}" srcOrd="0" destOrd="0" parTransId="{CD78D335-833C-458F-B6FF-CE0FC7770422}" sibTransId="{DB734E9C-B2BD-47B2-A212-35B3B5B0242B}"/>
+    <dgm:cxn modelId="{C2D0A13E-4376-4790-9ADE-CF7740CDF2AD}" srcId="{1CC786D9-E1A8-4962-9AF0-42CB58B3BB02}" destId="{9FFDE601-AE7F-446D-8857-27411D74E445}" srcOrd="1" destOrd="0" parTransId="{06C89DC0-E64F-4BBF-A253-D1A9084EE035}" sibTransId="{E1FF1DB5-A1A4-43E0-A46A-41C6A37A1C85}"/>
+    <dgm:cxn modelId="{88BAD831-D775-4FF5-BCDF-362C8DF4A01F}" type="presOf" srcId="{CC19EA30-97AD-4666-B5EB-FA20B176F9D2}" destId="{EC17D76C-5141-4283-AEC9-916C8C5A5089}" srcOrd="0" destOrd="0" presId="urn:microsoft.com/office/officeart/2009/3/layout/HorizontalOrganizationChart"/>
+    <dgm:cxn modelId="{29E90EB2-125A-4CDB-AEDD-9DDC1A5C8EA5}" srcId="{1CC786D9-E1A8-4962-9AF0-42CB58B3BB02}" destId="{145EA4E6-A87B-4697-80CB-7A6F1AEDC4CF}" srcOrd="0" destOrd="0" parTransId="{2835D590-8441-405F-AD87-039E6BA1C3B7}" sibTransId="{BB0ECC6E-6636-4E52-8DA2-678F3072D920}"/>
+    <dgm:cxn modelId="{CEF9CB27-BE20-484B-A3FE-4EC5BAD1DE35}" type="presOf" srcId="{CC19EA30-97AD-4666-B5EB-FA20B176F9D2}" destId="{C956C389-6315-4774-8FD8-33486B6EF996}" srcOrd="1" destOrd="0" presId="urn:microsoft.com/office/officeart/2009/3/layout/HorizontalOrganizationChart"/>
+    <dgm:cxn modelId="{8980A89F-A739-4C49-BF06-BCB0C41EEB13}" type="presOf" srcId="{F76DFB84-CDB7-42D1-BB61-B6B67F179447}" destId="{4A986D0E-797D-4976-9118-7FD2D0E3DBCD}" srcOrd="1" destOrd="0" presId="urn:microsoft.com/office/officeart/2009/3/layout/HorizontalOrganizationChart"/>
+    <dgm:cxn modelId="{5E321DD4-ACD0-493E-8F5F-08ED65A597B4}" type="presOf" srcId="{145EA4E6-A87B-4697-80CB-7A6F1AEDC4CF}" destId="{FB5FF5D0-6D68-4024-B5E3-3C42F62B1BFB}" srcOrd="0" destOrd="0" presId="urn:microsoft.com/office/officeart/2009/3/layout/HorizontalOrganizationChart"/>
+    <dgm:cxn modelId="{68509E48-158A-4556-9C49-662C15C163EF}" type="presOf" srcId="{9FFDE601-AE7F-446D-8857-27411D74E445}" destId="{A9B8364E-9807-4410-A6C3-074BF7B38F11}" srcOrd="0" destOrd="0" presId="urn:microsoft.com/office/officeart/2009/3/layout/HorizontalOrganizationChart"/>
+    <dgm:cxn modelId="{D62278AB-3E6E-4498-8F26-E5E762020381}" type="presOf" srcId="{3BA9F0CE-464F-4D08-B095-870EE2716696}" destId="{33CA631C-8217-45DA-B320-70E4DA859D43}" srcOrd="0" destOrd="0" presId="urn:microsoft.com/office/officeart/2009/3/layout/HorizontalOrganizationChart"/>
+    <dgm:cxn modelId="{64F40D3F-09B5-4ABA-A870-AF1DEDEF7A48}" type="presOf" srcId="{821F14E4-4B79-4268-B040-9C9EC0B09C15}" destId="{897A3CC9-7976-4251-AED5-676641ACFFE0}" srcOrd="0" destOrd="0" presId="urn:microsoft.com/office/officeart/2009/3/layout/HorizontalOrganizationChart"/>
+    <dgm:cxn modelId="{B3F92F9F-FA40-49D9-9333-FD71CAD2144B}" type="presOf" srcId="{7B97D2F1-C390-428F-8B05-920B7BCCC6F4}" destId="{C7302221-A631-442E-BF88-76176E55E455}" srcOrd="0" destOrd="0" presId="urn:microsoft.com/office/officeart/2009/3/layout/HorizontalOrganizationChart"/>
+    <dgm:cxn modelId="{838DD392-32CE-4AA0-83E0-6ABA07D16CC4}" srcId="{C3A67F30-B7C7-4935-841D-8FF2DA3DECB6}" destId="{1CC786D9-E1A8-4962-9AF0-42CB58B3BB02}" srcOrd="0" destOrd="0" parTransId="{70A8CCCA-A458-47E6-8D3D-70E49CCF8089}" sibTransId="{1F0FAA24-2705-4633-A647-A8937FF54CE7}"/>
+    <dgm:cxn modelId="{3AF1B8F9-06F2-48E2-ADAF-D37EBC30B296}" srcId="{9FFDE601-AE7F-446D-8857-27411D74E445}" destId="{7B97D2F1-C390-428F-8B05-920B7BCCC6F4}" srcOrd="1" destOrd="0" parTransId="{81280D17-6DF8-46DB-9A34-4E6123D79B6E}" sibTransId="{EE14F4E7-F922-44D1-A1BE-B327D4F33B1C}"/>
+    <dgm:cxn modelId="{792803BD-AB49-4943-95EA-4B369B0C9995}" type="presOf" srcId="{3BA9F0CE-464F-4D08-B095-870EE2716696}" destId="{8806E0CF-CA6D-489E-8414-0625B5ECF630}" srcOrd="1" destOrd="0" presId="urn:microsoft.com/office/officeart/2009/3/layout/HorizontalOrganizationChart"/>
+    <dgm:cxn modelId="{F2703D5F-6A5F-436F-8FEB-68D4F5152C2F}" type="presOf" srcId="{81280D17-6DF8-46DB-9A34-4E6123D79B6E}" destId="{2174B161-C401-47DE-A8A3-A0F48E88C27E}" srcOrd="0" destOrd="0" presId="urn:microsoft.com/office/officeart/2009/3/layout/HorizontalOrganizationChart"/>
+    <dgm:cxn modelId="{9AE92D22-DBDD-4780-9F76-4EF685BA156E}" srcId="{145EA4E6-A87B-4697-80CB-7A6F1AEDC4CF}" destId="{3BA9F0CE-464F-4D08-B095-870EE2716696}" srcOrd="0" destOrd="0" parTransId="{F994E838-ABA9-48EE-A704-F770E9CB0A35}" sibTransId="{D181721A-C771-41C2-95E0-D13D56CA5B02}"/>
+    <dgm:cxn modelId="{21639C7C-C0CA-431E-ADF7-780308ACE8B1}" type="presOf" srcId="{2835D590-8441-405F-AD87-039E6BA1C3B7}" destId="{6DBA07B6-7D65-4A79-A22D-F34B7A3702FA}" srcOrd="0" destOrd="0" presId="urn:microsoft.com/office/officeart/2009/3/layout/HorizontalOrganizationChart"/>
+    <dgm:cxn modelId="{56C4E5F5-1BC6-4C3C-AD45-1B2C9D2FAEA2}" type="presOf" srcId="{F994E838-ABA9-48EE-A704-F770E9CB0A35}" destId="{C2EFA0DA-E669-4D43-97FE-87E8282CCCFF}" srcOrd="0" destOrd="0" presId="urn:microsoft.com/office/officeart/2009/3/layout/HorizontalOrganizationChart"/>
+    <dgm:cxn modelId="{7DACB9EA-270C-407B-9FE1-FFD367B40637}" type="presParOf" srcId="{7D1CA87A-375F-43BC-8DA9-4C010AE7A5C3}" destId="{FD8B61C1-48B7-4349-A243-860D43E6941F}" srcOrd="0" destOrd="0" presId="urn:microsoft.com/office/officeart/2009/3/layout/HorizontalOrganizationChart"/>
+    <dgm:cxn modelId="{364DF82E-B8C7-4C69-BF3E-E2E1DB56E889}" type="presParOf" srcId="{FD8B61C1-48B7-4349-A243-860D43E6941F}" destId="{E52CA562-A145-499C-BF45-94E6DFD25C29}" srcOrd="0" destOrd="0" presId="urn:microsoft.com/office/officeart/2009/3/layout/HorizontalOrganizationChart"/>
+    <dgm:cxn modelId="{38D208DF-B005-445B-ABCE-E80B9E83C2C0}" type="presParOf" srcId="{E52CA562-A145-499C-BF45-94E6DFD25C29}" destId="{F14C34F7-C6B2-47E1-8585-59C00D5258AB}" srcOrd="0" destOrd="0" presId="urn:microsoft.com/office/officeart/2009/3/layout/HorizontalOrganizationChart"/>
+    <dgm:cxn modelId="{73864F00-09D0-44CF-8C01-E04717EDABD2}" type="presParOf" srcId="{E52CA562-A145-499C-BF45-94E6DFD25C29}" destId="{73934F9B-E65D-41E2-9BEF-ECCA6669EB63}" srcOrd="1" destOrd="0" presId="urn:microsoft.com/office/officeart/2009/3/layout/HorizontalOrganizationChart"/>
+    <dgm:cxn modelId="{2237DA44-9688-4CD2-A8EC-3D78D009AF62}" type="presParOf" srcId="{FD8B61C1-48B7-4349-A243-860D43E6941F}" destId="{1FA0EA3D-6849-4040-A9EF-44B18D702C86}" srcOrd="1" destOrd="0" presId="urn:microsoft.com/office/officeart/2009/3/layout/HorizontalOrganizationChart"/>
+    <dgm:cxn modelId="{B61B205A-15AD-4A84-94FB-EBB03949CB07}" type="presParOf" srcId="{1FA0EA3D-6849-4040-A9EF-44B18D702C86}" destId="{6DBA07B6-7D65-4A79-A22D-F34B7A3702FA}" srcOrd="0" destOrd="0" presId="urn:microsoft.com/office/officeart/2009/3/layout/HorizontalOrganizationChart"/>
+    <dgm:cxn modelId="{043FEAB3-245B-4294-BA58-24B7F5B4ED9C}" type="presParOf" srcId="{1FA0EA3D-6849-4040-A9EF-44B18D702C86}" destId="{DBD8B301-51DA-4ADB-A9E0-3D6FF1E00FF1}" srcOrd="1" destOrd="0" presId="urn:microsoft.com/office/officeart/2009/3/layout/HorizontalOrganizationChart"/>
+    <dgm:cxn modelId="{8C08BF75-ACF0-4A9C-B4BE-B798CCF1D8C2}" type="presParOf" srcId="{DBD8B301-51DA-4ADB-A9E0-3D6FF1E00FF1}" destId="{11799AD2-35F3-48F0-ADF6-73D6B9F56D9B}" srcOrd="0" destOrd="0" presId="urn:microsoft.com/office/officeart/2009/3/layout/HorizontalOrganizationChart"/>
+    <dgm:cxn modelId="{E0471122-1E18-480C-BCC4-C920AC56F3E1}" type="presParOf" srcId="{11799AD2-35F3-48F0-ADF6-73D6B9F56D9B}" destId="{FB5FF5D0-6D68-4024-B5E3-3C42F62B1BFB}" srcOrd="0" destOrd="0" presId="urn:microsoft.com/office/officeart/2009/3/layout/HorizontalOrganizationChart"/>
+    <dgm:cxn modelId="{0A2C7711-6042-4E19-B61B-90AAA0DD7CD8}" type="presParOf" srcId="{11799AD2-35F3-48F0-ADF6-73D6B9F56D9B}" destId="{755F3B2E-BC4F-4BD0-9B5A-19EA7F9A2932}" srcOrd="1" destOrd="0" presId="urn:microsoft.com/office/officeart/2009/3/layout/HorizontalOrganizationChart"/>
+    <dgm:cxn modelId="{92BDF22E-0D0A-4C39-9215-F50302DC2B20}" type="presParOf" srcId="{DBD8B301-51DA-4ADB-A9E0-3D6FF1E00FF1}" destId="{763E35DC-7124-48AD-951B-5BA1D688FC7A}" srcOrd="1" destOrd="0" presId="urn:microsoft.com/office/officeart/2009/3/layout/HorizontalOrganizationChart"/>
+    <dgm:cxn modelId="{F305A43C-1D0F-4D0B-B756-BAD64CC8630C}" type="presParOf" srcId="{763E35DC-7124-48AD-951B-5BA1D688FC7A}" destId="{C2EFA0DA-E669-4D43-97FE-87E8282CCCFF}" srcOrd="0" destOrd="0" presId="urn:microsoft.com/office/officeart/2009/3/layout/HorizontalOrganizationChart"/>
+    <dgm:cxn modelId="{40B123D9-5B1E-4628-ABF2-C80DFF64187B}" type="presParOf" srcId="{763E35DC-7124-48AD-951B-5BA1D688FC7A}" destId="{BE075772-25CB-46E0-A9D4-61DC23D8C0DC}" srcOrd="1" destOrd="0" presId="urn:microsoft.com/office/officeart/2009/3/layout/HorizontalOrganizationChart"/>
+    <dgm:cxn modelId="{041FD4EF-5BFE-44A8-9FA7-0AF1FEEDCE56}" type="presParOf" srcId="{BE075772-25CB-46E0-A9D4-61DC23D8C0DC}" destId="{0CCDD5F3-F3DE-498D-8A31-F82A29349929}" srcOrd="0" destOrd="0" presId="urn:microsoft.com/office/officeart/2009/3/layout/HorizontalOrganizationChart"/>
+    <dgm:cxn modelId="{4C8E0745-9E8A-436F-A418-9F009E664306}" type="presParOf" srcId="{0CCDD5F3-F3DE-498D-8A31-F82A29349929}" destId="{33CA631C-8217-45DA-B320-70E4DA859D43}" srcOrd="0" destOrd="0" presId="urn:microsoft.com/office/officeart/2009/3/layout/HorizontalOrganizationChart"/>
+    <dgm:cxn modelId="{0E25A8AF-6C05-4B8A-9ADA-D71CD444D720}" type="presParOf" srcId="{0CCDD5F3-F3DE-498D-8A31-F82A29349929}" destId="{8806E0CF-CA6D-489E-8414-0625B5ECF630}" srcOrd="1" destOrd="0" presId="urn:microsoft.com/office/officeart/2009/3/layout/HorizontalOrganizationChart"/>
+    <dgm:cxn modelId="{30D3B805-9CCA-46E4-AA6E-F41603222A55}" type="presParOf" srcId="{BE075772-25CB-46E0-A9D4-61DC23D8C0DC}" destId="{1C06023B-5388-4BC7-AB4D-CA43C0E968BA}" srcOrd="1" destOrd="0" presId="urn:microsoft.com/office/officeart/2009/3/layout/HorizontalOrganizationChart"/>
+    <dgm:cxn modelId="{7EB70BBA-9ACC-42AC-B2AC-6D10FA35EAE9}" type="presParOf" srcId="{1C06023B-5388-4BC7-AB4D-CA43C0E968BA}" destId="{D6336D35-8E71-452C-90F3-2716192ED5A1}" srcOrd="0" destOrd="0" presId="urn:microsoft.com/office/officeart/2009/3/layout/HorizontalOrganizationChart"/>
+    <dgm:cxn modelId="{6FF2EC17-F551-4E84-BA8A-C8097DBE724A}" type="presParOf" srcId="{1C06023B-5388-4BC7-AB4D-CA43C0E968BA}" destId="{F0B7C130-7A24-40EB-A082-D093273E6B71}" srcOrd="1" destOrd="0" presId="urn:microsoft.com/office/officeart/2009/3/layout/HorizontalOrganizationChart"/>
+    <dgm:cxn modelId="{6F2C64F7-EF2E-411D-B610-5A0ADA356294}" type="presParOf" srcId="{F0B7C130-7A24-40EB-A082-D093273E6B71}" destId="{119B6D0C-35F0-4F61-9D6B-D1C0F4ACBC43}" srcOrd="0" destOrd="0" presId="urn:microsoft.com/office/officeart/2009/3/layout/HorizontalOrganizationChart"/>
+    <dgm:cxn modelId="{F8C70CC4-357E-4BEF-9FDD-62916242F532}" type="presParOf" srcId="{119B6D0C-35F0-4F61-9D6B-D1C0F4ACBC43}" destId="{EC17D76C-5141-4283-AEC9-916C8C5A5089}" srcOrd="0" destOrd="0" presId="urn:microsoft.com/office/officeart/2009/3/layout/HorizontalOrganizationChart"/>
+    <dgm:cxn modelId="{AF6DCEA3-7E18-4CF0-B9BD-98CEFD75CF07}" type="presParOf" srcId="{119B6D0C-35F0-4F61-9D6B-D1C0F4ACBC43}" destId="{C956C389-6315-4774-8FD8-33486B6EF996}" srcOrd="1" destOrd="0" presId="urn:microsoft.com/office/officeart/2009/3/layout/HorizontalOrganizationChart"/>
+    <dgm:cxn modelId="{7074FCCB-FAE0-475E-B494-7DB66CFAF894}" type="presParOf" srcId="{F0B7C130-7A24-40EB-A082-D093273E6B71}" destId="{D1566E82-4EEC-40C2-9FE5-45C232D9D000}" srcOrd="1" destOrd="0" presId="urn:microsoft.com/office/officeart/2009/3/layout/HorizontalOrganizationChart"/>
+    <dgm:cxn modelId="{2730D052-7C48-40AA-84CE-45B313897B05}" type="presParOf" srcId="{F0B7C130-7A24-40EB-A082-D093273E6B71}" destId="{9C7B3D0E-5B79-4866-9BD1-66A44D85E0D2}" srcOrd="2" destOrd="0" presId="urn:microsoft.com/office/officeart/2009/3/layout/HorizontalOrganizationChart"/>
+    <dgm:cxn modelId="{453267E9-2D4F-4D75-8D97-3A96ABC57EC9}" type="presParOf" srcId="{BE075772-25CB-46E0-A9D4-61DC23D8C0DC}" destId="{2F67B304-04E7-4C9F-82E1-2B467640E5F4}" srcOrd="2" destOrd="0" presId="urn:microsoft.com/office/officeart/2009/3/layout/HorizontalOrganizationChart"/>
+    <dgm:cxn modelId="{1291592B-5398-41BF-B179-A10188245FD9}" type="presParOf" srcId="{DBD8B301-51DA-4ADB-A9E0-3D6FF1E00FF1}" destId="{B11505A8-5D73-4636-A70B-125DC297E74D}" srcOrd="2" destOrd="0" presId="urn:microsoft.com/office/officeart/2009/3/layout/HorizontalOrganizationChart"/>
+    <dgm:cxn modelId="{415B0954-2BAD-4AA8-A016-BF96EFD46CFB}" type="presParOf" srcId="{1FA0EA3D-6849-4040-A9EF-44B18D702C86}" destId="{EF235061-EDC5-40F9-9CBC-BEB4B459A279}" srcOrd="2" destOrd="0" presId="urn:microsoft.com/office/officeart/2009/3/layout/HorizontalOrganizationChart"/>
+    <dgm:cxn modelId="{1CD08C61-84F0-4810-8970-4875BCDEAB0F}" type="presParOf" srcId="{1FA0EA3D-6849-4040-A9EF-44B18D702C86}" destId="{00749139-EEC2-42CF-9F08-CA2516E8B94C}" srcOrd="3" destOrd="0" presId="urn:microsoft.com/office/officeart/2009/3/layout/HorizontalOrganizationChart"/>
+    <dgm:cxn modelId="{F8DF2365-0C9C-44A1-AB52-7D0573F89322}" type="presParOf" srcId="{00749139-EEC2-42CF-9F08-CA2516E8B94C}" destId="{99784E54-F2A2-42A0-95FD-94EF587AEB6C}" srcOrd="0" destOrd="0" presId="urn:microsoft.com/office/officeart/2009/3/layout/HorizontalOrganizationChart"/>
+    <dgm:cxn modelId="{9AB17904-83CF-4B9B-85F7-FE9FF1CB6038}" type="presParOf" srcId="{99784E54-F2A2-42A0-95FD-94EF587AEB6C}" destId="{A9B8364E-9807-4410-A6C3-074BF7B38F11}" srcOrd="0" destOrd="0" presId="urn:microsoft.com/office/officeart/2009/3/layout/HorizontalOrganizationChart"/>
+    <dgm:cxn modelId="{16D8423C-8664-4C12-9AD2-F362DE2738CE}" type="presParOf" srcId="{99784E54-F2A2-42A0-95FD-94EF587AEB6C}" destId="{097C7AB8-1D0F-4806-A67F-0BE3F06F86F7}" srcOrd="1" destOrd="0" presId="urn:microsoft.com/office/officeart/2009/3/layout/HorizontalOrganizationChart"/>
+    <dgm:cxn modelId="{A0603177-F584-4FA8-9BE1-D15B39FC1493}" type="presParOf" srcId="{00749139-EEC2-42CF-9F08-CA2516E8B94C}" destId="{65E387C4-A552-48EC-BF3B-7C840DEC933C}" srcOrd="1" destOrd="0" presId="urn:microsoft.com/office/officeart/2009/3/layout/HorizontalOrganizationChart"/>
+    <dgm:cxn modelId="{2BA77A88-1CDC-4982-AB5C-3C40F4774E32}" type="presParOf" srcId="{65E387C4-A552-48EC-BF3B-7C840DEC933C}" destId="{897A3CC9-7976-4251-AED5-676641ACFFE0}" srcOrd="0" destOrd="0" presId="urn:microsoft.com/office/officeart/2009/3/layout/HorizontalOrganizationChart"/>
+    <dgm:cxn modelId="{6CC684B6-CEE2-4BBD-B822-36A33DCE8719}" type="presParOf" srcId="{65E387C4-A552-48EC-BF3B-7C840DEC933C}" destId="{88377C31-16AE-4C54-BC09-43F2495A3503}" srcOrd="1" destOrd="0" presId="urn:microsoft.com/office/officeart/2009/3/layout/HorizontalOrganizationChart"/>
+    <dgm:cxn modelId="{8AB16398-899E-4A96-945F-B488D0B7E712}" type="presParOf" srcId="{88377C31-16AE-4C54-BC09-43F2495A3503}" destId="{A37A7582-CB16-4F22-B811-769B516AEBC8}" srcOrd="0" destOrd="0" presId="urn:microsoft.com/office/officeart/2009/3/layout/HorizontalOrganizationChart"/>
+    <dgm:cxn modelId="{B1C04763-8243-48E3-B9FD-85330807187B}" type="presParOf" srcId="{A37A7582-CB16-4F22-B811-769B516AEBC8}" destId="{C8778C51-DFE1-4EB3-B7E6-3F5921148B36}" srcOrd="0" destOrd="0" presId="urn:microsoft.com/office/officeart/2009/3/layout/HorizontalOrganizationChart"/>
+    <dgm:cxn modelId="{C8369993-99F1-4E8F-ABAE-AED4D838B7A1}" type="presParOf" srcId="{A37A7582-CB16-4F22-B811-769B516AEBC8}" destId="{4A986D0E-797D-4976-9118-7FD2D0E3DBCD}" srcOrd="1" destOrd="0" presId="urn:microsoft.com/office/officeart/2009/3/layout/HorizontalOrganizationChart"/>
+    <dgm:cxn modelId="{E1E8A990-B085-41FB-B91A-632C711DEDE6}" type="presParOf" srcId="{88377C31-16AE-4C54-BC09-43F2495A3503}" destId="{CF127AC7-7891-4A10-B08B-4376E259F2AB}" srcOrd="1" destOrd="0" presId="urn:microsoft.com/office/officeart/2009/3/layout/HorizontalOrganizationChart"/>
+    <dgm:cxn modelId="{03C6FA12-C1DB-4AD8-86BD-086574F7D8C3}" type="presParOf" srcId="{CF127AC7-7891-4A10-B08B-4376E259F2AB}" destId="{60825DC6-60F8-4083-A057-F9191E4A3EE8}" srcOrd="0" destOrd="0" presId="urn:microsoft.com/office/officeart/2009/3/layout/HorizontalOrganizationChart"/>
+    <dgm:cxn modelId="{8EE4BAEF-EB21-4D24-A006-547E1C54F1B7}" type="presParOf" srcId="{CF127AC7-7891-4A10-B08B-4376E259F2AB}" destId="{C6CA1795-805C-4EEE-A693-794DB7D9D576}" srcOrd="1" destOrd="0" presId="urn:microsoft.com/office/officeart/2009/3/layout/HorizontalOrganizationChart"/>
+    <dgm:cxn modelId="{90B30457-47E5-4763-87F2-6388C7D6013B}" type="presParOf" srcId="{C6CA1795-805C-4EEE-A693-794DB7D9D576}" destId="{05D2AAAD-5441-4839-84F2-88D134E1483B}" srcOrd="0" destOrd="0" presId="urn:microsoft.com/office/officeart/2009/3/layout/HorizontalOrganizationChart"/>
+    <dgm:cxn modelId="{F850EEEF-1DAD-466B-ABBE-EDBABCDBD7A5}" type="presParOf" srcId="{05D2AAAD-5441-4839-84F2-88D134E1483B}" destId="{1A3B5699-98E7-4391-9CA0-2D14C3BC971F}" srcOrd="0" destOrd="0" presId="urn:microsoft.com/office/officeart/2009/3/layout/HorizontalOrganizationChart"/>
+    <dgm:cxn modelId="{E7F9AEFD-CC93-47B2-948C-96A0A5866C6C}" type="presParOf" srcId="{05D2AAAD-5441-4839-84F2-88D134E1483B}" destId="{85E0F195-A771-480E-A48E-9931B3356B05}" srcOrd="1" destOrd="0" presId="urn:microsoft.com/office/officeart/2009/3/layout/HorizontalOrganizationChart"/>
+    <dgm:cxn modelId="{030A4A04-B0D0-4577-ADCF-ABA242B7DCA3}" type="presParOf" srcId="{C6CA1795-805C-4EEE-A693-794DB7D9D576}" destId="{FF21D565-D329-4460-BB75-7AA3CE9F2048}" srcOrd="1" destOrd="0" presId="urn:microsoft.com/office/officeart/2009/3/layout/HorizontalOrganizationChart"/>
+    <dgm:cxn modelId="{3789D578-35B9-42F4-9B87-0FA4BE2549CB}" type="presParOf" srcId="{C6CA1795-805C-4EEE-A693-794DB7D9D576}" destId="{88D44A1A-B36E-47D3-9FDA-26F196DBB92C}" srcOrd="2" destOrd="0" presId="urn:microsoft.com/office/officeart/2009/3/layout/HorizontalOrganizationChart"/>
+    <dgm:cxn modelId="{C5E7BE43-A880-44A0-932B-5DF158B7DE43}" type="presParOf" srcId="{88377C31-16AE-4C54-BC09-43F2495A3503}" destId="{3DD28EF9-1EAE-4335-86C5-837A7894BC0E}" srcOrd="2" destOrd="0" presId="urn:microsoft.com/office/officeart/2009/3/layout/HorizontalOrganizationChart"/>
+    <dgm:cxn modelId="{04360893-E5FB-42DB-B7F9-264982744128}" type="presParOf" srcId="{65E387C4-A552-48EC-BF3B-7C840DEC933C}" destId="{2174B161-C401-47DE-A8A3-A0F48E88C27E}" srcOrd="2" destOrd="0" presId="urn:microsoft.com/office/officeart/2009/3/layout/HorizontalOrganizationChart"/>
+    <dgm:cxn modelId="{3722DE11-EE82-415E-A796-F5173A2D18B4}" type="presParOf" srcId="{65E387C4-A552-48EC-BF3B-7C840DEC933C}" destId="{7ECF76E4-D27E-4BDE-AF04-89C54C4C5458}" srcOrd="3" destOrd="0" presId="urn:microsoft.com/office/officeart/2009/3/layout/HorizontalOrganizationChart"/>
+    <dgm:cxn modelId="{E49AEF01-2DD1-4464-9860-1112D6E0AF9B}" type="presParOf" srcId="{7ECF76E4-D27E-4BDE-AF04-89C54C4C5458}" destId="{7B6B8D79-0816-482D-AEA5-3B2861CBB29A}" srcOrd="0" destOrd="0" presId="urn:microsoft.com/office/officeart/2009/3/layout/HorizontalOrganizationChart"/>
+    <dgm:cxn modelId="{4D20C674-54EF-4EAE-8922-125F29F2C2FA}" type="presParOf" srcId="{7B6B8D79-0816-482D-AEA5-3B2861CBB29A}" destId="{C7302221-A631-442E-BF88-76176E55E455}" srcOrd="0" destOrd="0" presId="urn:microsoft.com/office/officeart/2009/3/layout/HorizontalOrganizationChart"/>
+    <dgm:cxn modelId="{2C0BFCF0-3FFB-4358-A4BC-C40C22D089CE}" type="presParOf" srcId="{7B6B8D79-0816-482D-AEA5-3B2861CBB29A}" destId="{AAF95389-B959-40A0-A6C4-34670D3942EF}" srcOrd="1" destOrd="0" presId="urn:microsoft.com/office/officeart/2009/3/layout/HorizontalOrganizationChart"/>
+    <dgm:cxn modelId="{8354105B-E360-4541-8758-6AD4F469EDBF}" type="presParOf" srcId="{7ECF76E4-D27E-4BDE-AF04-89C54C4C5458}" destId="{FD3D80F1-4C59-43EA-9D60-947CF189E99C}" srcOrd="1" destOrd="0" presId="urn:microsoft.com/office/officeart/2009/3/layout/HorizontalOrganizationChart"/>
+    <dgm:cxn modelId="{F59376A5-678A-49F3-8603-1490876748BA}" type="presParOf" srcId="{FD3D80F1-4C59-43EA-9D60-947CF189E99C}" destId="{DEE7905B-8203-40B2-B73D-FC16F11528CA}" srcOrd="0" destOrd="0" presId="urn:microsoft.com/office/officeart/2009/3/layout/HorizontalOrganizationChart"/>
+    <dgm:cxn modelId="{B314E38B-859D-4088-9885-A2EA2EE41F90}" type="presParOf" srcId="{FD3D80F1-4C59-43EA-9D60-947CF189E99C}" destId="{A75CD26B-7956-4C03-BD58-40363A89285A}" srcOrd="1" destOrd="0" presId="urn:microsoft.com/office/officeart/2009/3/layout/HorizontalOrganizationChart"/>
+    <dgm:cxn modelId="{71D47061-413A-4A67-95E0-253CD102F8CF}" type="presParOf" srcId="{A75CD26B-7956-4C03-BD58-40363A89285A}" destId="{535AE29A-A2DA-4986-B262-3B621E03C33F}" srcOrd="0" destOrd="0" presId="urn:microsoft.com/office/officeart/2009/3/layout/HorizontalOrganizationChart"/>
+    <dgm:cxn modelId="{920BE29F-0784-4B62-ACCC-EADEE8248055}" type="presParOf" srcId="{535AE29A-A2DA-4986-B262-3B621E03C33F}" destId="{1F801878-372B-4EAB-9C8C-0AA68AD3069B}" srcOrd="0" destOrd="0" presId="urn:microsoft.com/office/officeart/2009/3/layout/HorizontalOrganizationChart"/>
+    <dgm:cxn modelId="{B8397F58-1EF6-4A36-88EB-8D1A192E0050}" type="presParOf" srcId="{535AE29A-A2DA-4986-B262-3B621E03C33F}" destId="{A01D903D-C256-4868-BF4A-7F5B5AF324A2}" srcOrd="1" destOrd="0" presId="urn:microsoft.com/office/officeart/2009/3/layout/HorizontalOrganizationChart"/>
+    <dgm:cxn modelId="{00CEDA74-44F3-43CB-8632-20C5177AF164}" type="presParOf" srcId="{A75CD26B-7956-4C03-BD58-40363A89285A}" destId="{86C1E5A7-6B5D-4F6F-91FE-68D910AB6B04}" srcOrd="1" destOrd="0" presId="urn:microsoft.com/office/officeart/2009/3/layout/HorizontalOrganizationChart"/>
+    <dgm:cxn modelId="{18CA74C9-C13A-4732-BB02-5CDAF865F7D6}" type="presParOf" srcId="{A75CD26B-7956-4C03-BD58-40363A89285A}" destId="{404D8712-AA5A-41E9-B1AB-140F9EE80823}" srcOrd="2" destOrd="0" presId="urn:microsoft.com/office/officeart/2009/3/layout/HorizontalOrganizationChart"/>
+    <dgm:cxn modelId="{56DD694C-6D5E-4595-833C-E4AA8638044C}" type="presParOf" srcId="{7ECF76E4-D27E-4BDE-AF04-89C54C4C5458}" destId="{C65CA24F-6FBB-47E3-8560-40211A24CF44}" srcOrd="2" destOrd="0" presId="urn:microsoft.com/office/officeart/2009/3/layout/HorizontalOrganizationChart"/>
+    <dgm:cxn modelId="{F231CC7D-F40B-4FBB-8D27-F0A88E82F277}" type="presParOf" srcId="{00749139-EEC2-42CF-9F08-CA2516E8B94C}" destId="{69D91F2E-7C7C-4C29-8D14-90B137113583}" srcOrd="2" destOrd="0" presId="urn:microsoft.com/office/officeart/2009/3/layout/HorizontalOrganizationChart"/>
+    <dgm:cxn modelId="{3438DBD5-D82B-47C3-95B4-B89DBDACF887}" type="presParOf" srcId="{FD8B61C1-48B7-4349-A243-860D43E6941F}" destId="{286C4913-1CFB-47BF-9DD0-86401FFBF0CA}" srcOrd="2" destOrd="0" presId="urn:microsoft.com/office/officeart/2009/3/layout/HorizontalOrganizationChart"/>
+  </dgm:cxnLst>
+  <dgm:bg/>
+  <dgm:whole/>
+  <dgm:extLst>
+    <a:ext uri="http://schemas.microsoft.com/office/drawing/2008/diagram">
+      <dsp:dataModelExt xmlns:dsp="http://schemas.microsoft.com/office/drawing/2008/diagram" relId="rId7" minVer="http://schemas.openxmlformats.org/drawingml/2006/diagram"/>
+    </a:ext>
+  </dgm:extLst>
+</dgm:dataModel>
+</file>
+
+<file path=ppt/diagrams/drawing1.xml><?xml version="1.0" encoding="utf-8"?>
+<dsp:drawing xmlns:dgm="http://schemas.openxmlformats.org/drawingml/2006/diagram" xmlns:dsp="http://schemas.microsoft.com/office/drawing/2008/diagram" xmlns:a="http://schemas.openxmlformats.org/drawingml/2006/main">
+  <dsp:spTree>
+    <dsp:nvGrpSpPr>
+      <dsp:cNvPr id="0" name=""/>
+      <dsp:cNvGrpSpPr/>
+    </dsp:nvGrpSpPr>
+    <dsp:grpSpPr/>
+    <dsp:sp modelId="{DEE7905B-8203-40B2-B73D-FC16F11528CA}">
+      <dsp:nvSpPr>
+        <dsp:cNvPr id="0" name=""/>
+        <dsp:cNvSpPr/>
+      </dsp:nvSpPr>
+      <dsp:spPr>
+        <a:xfrm>
+          <a:off x="4505027" y="2555845"/>
+          <a:ext cx="264914" cy="91440"/>
+        </a:xfrm>
+        <a:custGeom>
+          <a:avLst/>
+          <a:gdLst/>
+          <a:ahLst/>
+          <a:cxnLst/>
+          <a:rect l="0" t="0" r="0" b="0"/>
+          <a:pathLst>
+            <a:path>
+              <a:moveTo>
+                <a:pt x="0" y="45720"/>
+              </a:moveTo>
+              <a:lnTo>
+                <a:pt x="264914" y="45720"/>
+              </a:lnTo>
+            </a:path>
+          </a:pathLst>
+        </a:custGeom>
+        <a:noFill/>
+        <a:ln w="25400" cap="flat" cmpd="sng" algn="ctr">
+          <a:solidFill>
+            <a:schemeClr val="dk1">
+              <a:shade val="80000"/>
+              <a:hueOff val="0"/>
+              <a:satOff val="0"/>
+              <a:lumOff val="0"/>
+              <a:alphaOff val="0"/>
+            </a:schemeClr>
+          </a:solidFill>
+          <a:prstDash val="solid"/>
+        </a:ln>
+        <a:effectLst/>
+      </dsp:spPr>
+      <dsp:style>
+        <a:lnRef idx="2">
+          <a:scrgbClr r="0" g="0" b="0"/>
+        </a:lnRef>
+        <a:fillRef idx="0">
+          <a:scrgbClr r="0" g="0" b="0"/>
+        </a:fillRef>
+        <a:effectRef idx="0">
+          <a:scrgbClr r="0" g="0" b="0"/>
+        </a:effectRef>
+        <a:fontRef idx="minor"/>
+      </dsp:style>
+    </dsp:sp>
+    <dsp:sp modelId="{2174B161-C401-47DE-A8A3-A0F48E88C27E}">
+      <dsp:nvSpPr>
+        <dsp:cNvPr id="0" name=""/>
+        <dsp:cNvSpPr/>
+      </dsp:nvSpPr>
+      <dsp:spPr>
+        <a:xfrm>
+          <a:off x="2915542" y="2316782"/>
+          <a:ext cx="264914" cy="284782"/>
+        </a:xfrm>
+        <a:custGeom>
+          <a:avLst/>
+          <a:gdLst/>
+          <a:ahLst/>
+          <a:cxnLst/>
+          <a:rect l="0" t="0" r="0" b="0"/>
+          <a:pathLst>
+            <a:path>
+              <a:moveTo>
+                <a:pt x="0" y="0"/>
+              </a:moveTo>
+              <a:lnTo>
+                <a:pt x="132457" y="0"/>
+              </a:lnTo>
+              <a:lnTo>
+                <a:pt x="132457" y="284782"/>
+              </a:lnTo>
+              <a:lnTo>
+                <a:pt x="264914" y="284782"/>
+              </a:lnTo>
+            </a:path>
+          </a:pathLst>
+        </a:custGeom>
+        <a:noFill/>
+        <a:ln w="25400" cap="flat" cmpd="sng" algn="ctr">
+          <a:solidFill>
+            <a:schemeClr val="dk1">
+              <a:shade val="80000"/>
+              <a:hueOff val="0"/>
+              <a:satOff val="0"/>
+              <a:lumOff val="0"/>
+              <a:alphaOff val="0"/>
+            </a:schemeClr>
+          </a:solidFill>
+          <a:prstDash val="solid"/>
+        </a:ln>
+        <a:effectLst/>
+      </dsp:spPr>
+      <dsp:style>
+        <a:lnRef idx="2">
+          <a:scrgbClr r="0" g="0" b="0"/>
+        </a:lnRef>
+        <a:fillRef idx="0">
+          <a:scrgbClr r="0" g="0" b="0"/>
+        </a:fillRef>
+        <a:effectRef idx="0">
+          <a:scrgbClr r="0" g="0" b="0"/>
+        </a:effectRef>
+        <a:fontRef idx="minor"/>
+      </dsp:style>
+    </dsp:sp>
+    <dsp:sp modelId="{60825DC6-60F8-4083-A057-F9191E4A3EE8}">
+      <dsp:nvSpPr>
+        <dsp:cNvPr id="0" name=""/>
+        <dsp:cNvSpPr/>
+      </dsp:nvSpPr>
+      <dsp:spPr>
+        <a:xfrm>
+          <a:off x="4505027" y="1986279"/>
+          <a:ext cx="264914" cy="91440"/>
+        </a:xfrm>
+        <a:custGeom>
+          <a:avLst/>
+          <a:gdLst/>
+          <a:ahLst/>
+          <a:cxnLst/>
+          <a:rect l="0" t="0" r="0" b="0"/>
+          <a:pathLst>
+            <a:path>
+              <a:moveTo>
+                <a:pt x="0" y="45720"/>
+              </a:moveTo>
+              <a:lnTo>
+                <a:pt x="264914" y="45720"/>
+              </a:lnTo>
+            </a:path>
+          </a:pathLst>
+        </a:custGeom>
+        <a:noFill/>
+        <a:ln w="25400" cap="flat" cmpd="sng" algn="ctr">
+          <a:solidFill>
+            <a:schemeClr val="dk1">
+              <a:shade val="80000"/>
+              <a:hueOff val="0"/>
+              <a:satOff val="0"/>
+              <a:lumOff val="0"/>
+              <a:alphaOff val="0"/>
+            </a:schemeClr>
+          </a:solidFill>
+          <a:prstDash val="solid"/>
+        </a:ln>
+        <a:effectLst/>
+      </dsp:spPr>
+      <dsp:style>
+        <a:lnRef idx="2">
+          <a:scrgbClr r="0" g="0" b="0"/>
+        </a:lnRef>
+        <a:fillRef idx="0">
+          <a:scrgbClr r="0" g="0" b="0"/>
+        </a:fillRef>
+        <a:effectRef idx="0">
+          <a:scrgbClr r="0" g="0" b="0"/>
+        </a:effectRef>
+        <a:fontRef idx="minor"/>
+      </dsp:style>
+    </dsp:sp>
+    <dsp:sp modelId="{897A3CC9-7976-4251-AED5-676641ACFFE0}">
+      <dsp:nvSpPr>
+        <dsp:cNvPr id="0" name=""/>
+        <dsp:cNvSpPr/>
+      </dsp:nvSpPr>
+      <dsp:spPr>
+        <a:xfrm>
+          <a:off x="2915542" y="2031999"/>
+          <a:ext cx="264914" cy="284782"/>
+        </a:xfrm>
+        <a:custGeom>
+          <a:avLst/>
+          <a:gdLst/>
+          <a:ahLst/>
+          <a:cxnLst/>
+          <a:rect l="0" t="0" r="0" b="0"/>
+          <a:pathLst>
+            <a:path>
+              <a:moveTo>
+                <a:pt x="0" y="284782"/>
+              </a:moveTo>
+              <a:lnTo>
+                <a:pt x="132457" y="284782"/>
+              </a:lnTo>
+              <a:lnTo>
+                <a:pt x="132457" y="0"/>
+              </a:lnTo>
+              <a:lnTo>
+                <a:pt x="264914" y="0"/>
+              </a:lnTo>
+            </a:path>
+          </a:pathLst>
+        </a:custGeom>
+        <a:noFill/>
+        <a:ln w="25400" cap="flat" cmpd="sng" algn="ctr">
+          <a:solidFill>
+            <a:schemeClr val="dk1">
+              <a:shade val="80000"/>
+              <a:hueOff val="0"/>
+              <a:satOff val="0"/>
+              <a:lumOff val="0"/>
+              <a:alphaOff val="0"/>
+            </a:schemeClr>
+          </a:solidFill>
+          <a:prstDash val="solid"/>
+        </a:ln>
+        <a:effectLst/>
+      </dsp:spPr>
+      <dsp:style>
+        <a:lnRef idx="2">
+          <a:scrgbClr r="0" g="0" b="0"/>
+        </a:lnRef>
+        <a:fillRef idx="0">
+          <a:scrgbClr r="0" g="0" b="0"/>
+        </a:fillRef>
+        <a:effectRef idx="0">
+          <a:scrgbClr r="0" g="0" b="0"/>
+        </a:effectRef>
+        <a:fontRef idx="minor"/>
+      </dsp:style>
+    </dsp:sp>
+    <dsp:sp modelId="{EF235061-EDC5-40F9-9CBC-BEB4B459A279}">
+      <dsp:nvSpPr>
+        <dsp:cNvPr id="0" name=""/>
+        <dsp:cNvSpPr/>
+      </dsp:nvSpPr>
+      <dsp:spPr>
+        <a:xfrm>
+          <a:off x="1326058" y="1889608"/>
+          <a:ext cx="264914" cy="427173"/>
+        </a:xfrm>
+        <a:custGeom>
+          <a:avLst/>
+          <a:gdLst/>
+          <a:ahLst/>
+          <a:cxnLst/>
+          <a:rect l="0" t="0" r="0" b="0"/>
+          <a:pathLst>
+            <a:path>
+              <a:moveTo>
+                <a:pt x="0" y="0"/>
+              </a:moveTo>
+              <a:lnTo>
+                <a:pt x="132457" y="0"/>
+              </a:lnTo>
+              <a:lnTo>
+                <a:pt x="132457" y="427173"/>
+              </a:lnTo>
+              <a:lnTo>
+                <a:pt x="264914" y="427173"/>
+              </a:lnTo>
+            </a:path>
+          </a:pathLst>
+        </a:custGeom>
+        <a:noFill/>
+        <a:ln w="25400" cap="flat" cmpd="sng" algn="ctr">
+          <a:solidFill>
+            <a:schemeClr val="dk1">
+              <a:shade val="60000"/>
+              <a:hueOff val="0"/>
+              <a:satOff val="0"/>
+              <a:lumOff val="0"/>
+              <a:alphaOff val="0"/>
+            </a:schemeClr>
+          </a:solidFill>
+          <a:prstDash val="solid"/>
+        </a:ln>
+        <a:effectLst/>
+      </dsp:spPr>
+      <dsp:style>
+        <a:lnRef idx="2">
+          <a:scrgbClr r="0" g="0" b="0"/>
+        </a:lnRef>
+        <a:fillRef idx="0">
+          <a:scrgbClr r="0" g="0" b="0"/>
+        </a:fillRef>
+        <a:effectRef idx="0">
+          <a:scrgbClr r="0" g="0" b="0"/>
+        </a:effectRef>
+        <a:fontRef idx="minor"/>
+      </dsp:style>
+    </dsp:sp>
+    <dsp:sp modelId="{D6336D35-8E71-452C-90F3-2716192ED5A1}">
+      <dsp:nvSpPr>
+        <dsp:cNvPr id="0" name=""/>
+        <dsp:cNvSpPr/>
+      </dsp:nvSpPr>
+      <dsp:spPr>
+        <a:xfrm>
+          <a:off x="4505027" y="1416714"/>
+          <a:ext cx="264914" cy="91440"/>
+        </a:xfrm>
+        <a:custGeom>
+          <a:avLst/>
+          <a:gdLst/>
+          <a:ahLst/>
+          <a:cxnLst/>
+          <a:rect l="0" t="0" r="0" b="0"/>
+          <a:pathLst>
+            <a:path>
+              <a:moveTo>
+                <a:pt x="0" y="45720"/>
+              </a:moveTo>
+              <a:lnTo>
+                <a:pt x="264914" y="45720"/>
+              </a:lnTo>
+            </a:path>
+          </a:pathLst>
+        </a:custGeom>
+        <a:noFill/>
+        <a:ln w="25400" cap="flat" cmpd="sng" algn="ctr">
+          <a:solidFill>
+            <a:schemeClr val="dk1">
+              <a:shade val="80000"/>
+              <a:hueOff val="0"/>
+              <a:satOff val="0"/>
+              <a:lumOff val="0"/>
+              <a:alphaOff val="0"/>
+            </a:schemeClr>
+          </a:solidFill>
+          <a:prstDash val="solid"/>
+        </a:ln>
+        <a:effectLst/>
+      </dsp:spPr>
+      <dsp:style>
+        <a:lnRef idx="2">
+          <a:scrgbClr r="0" g="0" b="0"/>
+        </a:lnRef>
+        <a:fillRef idx="0">
+          <a:scrgbClr r="0" g="0" b="0"/>
+        </a:fillRef>
+        <a:effectRef idx="0">
+          <a:scrgbClr r="0" g="0" b="0"/>
+        </a:effectRef>
+        <a:fontRef idx="minor"/>
+      </dsp:style>
+    </dsp:sp>
+    <dsp:sp modelId="{C2EFA0DA-E669-4D43-97FE-87E8282CCCFF}">
+      <dsp:nvSpPr>
+        <dsp:cNvPr id="0" name=""/>
+        <dsp:cNvSpPr/>
+      </dsp:nvSpPr>
+      <dsp:spPr>
+        <a:xfrm>
+          <a:off x="2915542" y="1416714"/>
+          <a:ext cx="264914" cy="91440"/>
+        </a:xfrm>
+        <a:custGeom>
+          <a:avLst/>
+          <a:gdLst/>
+          <a:ahLst/>
+          <a:cxnLst/>
+          <a:rect l="0" t="0" r="0" b="0"/>
+          <a:pathLst>
+            <a:path>
+              <a:moveTo>
+                <a:pt x="0" y="45720"/>
+              </a:moveTo>
+              <a:lnTo>
+                <a:pt x="264914" y="45720"/>
+              </a:lnTo>
+            </a:path>
+          </a:pathLst>
+        </a:custGeom>
+        <a:noFill/>
+        <a:ln w="25400" cap="flat" cmpd="sng" algn="ctr">
+          <a:solidFill>
+            <a:schemeClr val="dk1">
+              <a:shade val="80000"/>
+              <a:hueOff val="0"/>
+              <a:satOff val="0"/>
+              <a:lumOff val="0"/>
+              <a:alphaOff val="0"/>
+            </a:schemeClr>
+          </a:solidFill>
+          <a:prstDash val="solid"/>
+        </a:ln>
+        <a:effectLst/>
+      </dsp:spPr>
+      <dsp:style>
+        <a:lnRef idx="2">
+          <a:scrgbClr r="0" g="0" b="0"/>
+        </a:lnRef>
+        <a:fillRef idx="0">
+          <a:scrgbClr r="0" g="0" b="0"/>
+        </a:fillRef>
+        <a:effectRef idx="0">
+          <a:scrgbClr r="0" g="0" b="0"/>
+        </a:effectRef>
+        <a:fontRef idx="minor"/>
+      </dsp:style>
+    </dsp:sp>
+    <dsp:sp modelId="{6DBA07B6-7D65-4A79-A22D-F34B7A3702FA}">
+      <dsp:nvSpPr>
+        <dsp:cNvPr id="0" name=""/>
+        <dsp:cNvSpPr/>
+      </dsp:nvSpPr>
+      <dsp:spPr>
+        <a:xfrm>
+          <a:off x="1326058" y="1462434"/>
+          <a:ext cx="264914" cy="427173"/>
+        </a:xfrm>
+        <a:custGeom>
+          <a:avLst/>
+          <a:gdLst/>
+          <a:ahLst/>
+          <a:cxnLst/>
+          <a:rect l="0" t="0" r="0" b="0"/>
+          <a:pathLst>
+            <a:path>
+              <a:moveTo>
+                <a:pt x="0" y="427173"/>
+              </a:moveTo>
+              <a:lnTo>
+                <a:pt x="132457" y="427173"/>
+              </a:lnTo>
+              <a:lnTo>
+                <a:pt x="132457" y="0"/>
+              </a:lnTo>
+              <a:lnTo>
+                <a:pt x="264914" y="0"/>
+              </a:lnTo>
+            </a:path>
+          </a:pathLst>
+        </a:custGeom>
+        <a:noFill/>
+        <a:ln w="25400" cap="flat" cmpd="sng" algn="ctr">
+          <a:solidFill>
+            <a:schemeClr val="dk1">
+              <a:shade val="60000"/>
+              <a:hueOff val="0"/>
+              <a:satOff val="0"/>
+              <a:lumOff val="0"/>
+              <a:alphaOff val="0"/>
+            </a:schemeClr>
+          </a:solidFill>
+          <a:prstDash val="solid"/>
+        </a:ln>
+        <a:effectLst/>
+      </dsp:spPr>
+      <dsp:style>
+        <a:lnRef idx="2">
+          <a:scrgbClr r="0" g="0" b="0"/>
+        </a:lnRef>
+        <a:fillRef idx="0">
+          <a:scrgbClr r="0" g="0" b="0"/>
+        </a:fillRef>
+        <a:effectRef idx="0">
+          <a:scrgbClr r="0" g="0" b="0"/>
+        </a:effectRef>
+        <a:fontRef idx="minor"/>
+      </dsp:style>
+    </dsp:sp>
+    <dsp:sp modelId="{F14C34F7-C6B2-47E1-8585-59C00D5258AB}">
+      <dsp:nvSpPr>
+        <dsp:cNvPr id="0" name=""/>
+        <dsp:cNvSpPr/>
+      </dsp:nvSpPr>
+      <dsp:spPr>
+        <a:xfrm>
+          <a:off x="1488" y="1687611"/>
+          <a:ext cx="1324570" cy="403993"/>
+        </a:xfrm>
+        <a:prstGeom prst="rect">
+          <a:avLst/>
+        </a:prstGeom>
+        <a:solidFill>
+          <a:schemeClr val="lt1">
+            <a:hueOff val="0"/>
+            <a:satOff val="0"/>
+            <a:lumOff val="0"/>
+            <a:alphaOff val="0"/>
+          </a:schemeClr>
+        </a:solidFill>
+        <a:ln w="25400" cap="flat" cmpd="sng" algn="ctr">
+          <a:solidFill>
+            <a:schemeClr val="dk1">
+              <a:shade val="80000"/>
+              <a:hueOff val="0"/>
+              <a:satOff val="0"/>
+              <a:lumOff val="0"/>
+              <a:alphaOff val="0"/>
+            </a:schemeClr>
+          </a:solidFill>
+          <a:prstDash val="solid"/>
+        </a:ln>
+        <a:effectLst/>
+      </dsp:spPr>
+      <dsp:style>
+        <a:lnRef idx="2">
+          <a:scrgbClr r="0" g="0" b="0"/>
+        </a:lnRef>
+        <a:fillRef idx="1">
+          <a:scrgbClr r="0" g="0" b="0"/>
+        </a:fillRef>
+        <a:effectRef idx="0">
+          <a:scrgbClr r="0" g="0" b="0"/>
+        </a:effectRef>
+        <a:fontRef idx="minor">
+          <a:schemeClr val="lt1"/>
+        </a:fontRef>
+      </dsp:style>
+      <dsp:txBody>
+        <a:bodyPr spcFirstLastPara="0" vert="horz" wrap="square" lIns="10795" tIns="10795" rIns="10795" bIns="10795" numCol="1" spcCol="1270" anchor="ctr" anchorCtr="0">
+          <a:noAutofit/>
+        </a:bodyPr>
+        <a:lstStyle/>
+        <a:p>
+          <a:pPr lvl="0" algn="ctr" defTabSz="755650" latinLnBrk="1">
+            <a:lnSpc>
+              <a:spcPct val="90000"/>
+            </a:lnSpc>
+            <a:spcBef>
+              <a:spcPct val="0"/>
+            </a:spcBef>
+            <a:spcAft>
+              <a:spcPct val="35000"/>
+            </a:spcAft>
+          </a:pPr>
+          <a:r>
+            <a:rPr lang="en-US" altLang="ko-KR" sz="1700" kern="1200" dirty="0" smtClean="0"/>
+            <a:t>building</a:t>
+          </a:r>
+          <a:endParaRPr lang="ko-KR" altLang="en-US" sz="1700" kern="1200" dirty="0"/>
+        </a:p>
+      </dsp:txBody>
+      <dsp:txXfrm>
+        <a:off x="1488" y="1687611"/>
+        <a:ext cx="1324570" cy="403993"/>
+      </dsp:txXfrm>
+    </dsp:sp>
+    <dsp:sp modelId="{FB5FF5D0-6D68-4024-B5E3-3C42F62B1BFB}">
+      <dsp:nvSpPr>
+        <dsp:cNvPr id="0" name=""/>
+        <dsp:cNvSpPr/>
+      </dsp:nvSpPr>
+      <dsp:spPr>
+        <a:xfrm>
+          <a:off x="1590972" y="1260437"/>
+          <a:ext cx="1324570" cy="403993"/>
+        </a:xfrm>
+        <a:prstGeom prst="rect">
+          <a:avLst/>
+        </a:prstGeom>
+        <a:solidFill>
+          <a:schemeClr val="lt1">
+            <a:hueOff val="0"/>
+            <a:satOff val="0"/>
+            <a:lumOff val="0"/>
+            <a:alphaOff val="0"/>
+          </a:schemeClr>
+        </a:solidFill>
+        <a:ln w="25400" cap="flat" cmpd="sng" algn="ctr">
+          <a:solidFill>
+            <a:schemeClr val="dk1">
+              <a:shade val="80000"/>
+              <a:hueOff val="0"/>
+              <a:satOff val="0"/>
+              <a:lumOff val="0"/>
+              <a:alphaOff val="0"/>
+            </a:schemeClr>
+          </a:solidFill>
+          <a:prstDash val="solid"/>
+        </a:ln>
+        <a:effectLst/>
+      </dsp:spPr>
+      <dsp:style>
+        <a:lnRef idx="2">
+          <a:scrgbClr r="0" g="0" b="0"/>
+        </a:lnRef>
+        <a:fillRef idx="1">
+          <a:scrgbClr r="0" g="0" b="0"/>
+        </a:fillRef>
+        <a:effectRef idx="0">
+          <a:scrgbClr r="0" g="0" b="0"/>
+        </a:effectRef>
+        <a:fontRef idx="minor">
+          <a:schemeClr val="lt1"/>
+        </a:fontRef>
+      </dsp:style>
+      <dsp:txBody>
+        <a:bodyPr spcFirstLastPara="0" vert="horz" wrap="square" lIns="10795" tIns="10795" rIns="10795" bIns="10795" numCol="1" spcCol="1270" anchor="ctr" anchorCtr="0">
+          <a:noAutofit/>
+        </a:bodyPr>
+        <a:lstStyle/>
+        <a:p>
+          <a:pPr lvl="0" algn="ctr" defTabSz="755650" latinLnBrk="1">
+            <a:lnSpc>
+              <a:spcPct val="90000"/>
+            </a:lnSpc>
+            <a:spcBef>
+              <a:spcPct val="0"/>
+            </a:spcBef>
+            <a:spcAft>
+              <a:spcPct val="35000"/>
+            </a:spcAft>
+          </a:pPr>
+          <a:r>
+            <a:rPr lang="en-US" altLang="ko-KR" sz="1700" kern="1200" dirty="0" smtClean="0"/>
+            <a:t>/ground</a:t>
+          </a:r>
+          <a:endParaRPr lang="ko-KR" altLang="en-US" sz="1700" kern="1200" dirty="0"/>
+        </a:p>
+      </dsp:txBody>
+      <dsp:txXfrm>
+        <a:off x="1590972" y="1260437"/>
+        <a:ext cx="1324570" cy="403993"/>
+      </dsp:txXfrm>
+    </dsp:sp>
+    <dsp:sp modelId="{33CA631C-8217-45DA-B320-70E4DA859D43}">
+      <dsp:nvSpPr>
+        <dsp:cNvPr id="0" name=""/>
+        <dsp:cNvSpPr/>
+      </dsp:nvSpPr>
+      <dsp:spPr>
+        <a:xfrm>
+          <a:off x="3180457" y="1260437"/>
+          <a:ext cx="1324570" cy="403993"/>
+        </a:xfrm>
+        <a:prstGeom prst="rect">
+          <a:avLst/>
+        </a:prstGeom>
+        <a:solidFill>
+          <a:schemeClr val="lt1">
+            <a:hueOff val="0"/>
+            <a:satOff val="0"/>
+            <a:lumOff val="0"/>
+            <a:alphaOff val="0"/>
+          </a:schemeClr>
+        </a:solidFill>
+        <a:ln w="25400" cap="flat" cmpd="sng" algn="ctr">
+          <a:solidFill>
+            <a:schemeClr val="dk1">
+              <a:shade val="80000"/>
+              <a:hueOff val="0"/>
+              <a:satOff val="0"/>
+              <a:lumOff val="0"/>
+              <a:alphaOff val="0"/>
+            </a:schemeClr>
+          </a:solidFill>
+          <a:prstDash val="solid"/>
+        </a:ln>
+        <a:effectLst/>
+      </dsp:spPr>
+      <dsp:style>
+        <a:lnRef idx="2">
+          <a:scrgbClr r="0" g="0" b="0"/>
+        </a:lnRef>
+        <a:fillRef idx="1">
+          <a:scrgbClr r="0" g="0" b="0"/>
+        </a:fillRef>
+        <a:effectRef idx="0">
+          <a:scrgbClr r="0" g="0" b="0"/>
+        </a:effectRef>
+        <a:fontRef idx="minor">
+          <a:schemeClr val="lt1"/>
+        </a:fontRef>
+      </dsp:style>
+      <dsp:txBody>
+        <a:bodyPr spcFirstLastPara="0" vert="horz" wrap="square" lIns="10795" tIns="10795" rIns="10795" bIns="10795" numCol="1" spcCol="1270" anchor="ctr" anchorCtr="0">
+          <a:noAutofit/>
+        </a:bodyPr>
+        <a:lstStyle/>
+        <a:p>
+          <a:pPr lvl="0" algn="ctr" defTabSz="755650" latinLnBrk="1">
+            <a:lnSpc>
+              <a:spcPct val="90000"/>
+            </a:lnSpc>
+            <a:spcBef>
+              <a:spcPct val="0"/>
+            </a:spcBef>
+            <a:spcAft>
+              <a:spcPct val="35000"/>
+            </a:spcAft>
+          </a:pPr>
+          <a:r>
+            <a:rPr lang="en-US" altLang="ko-KR" sz="1700" kern="1200" dirty="0" smtClean="0"/>
+            <a:t>/store</a:t>
+          </a:r>
+          <a:endParaRPr lang="ko-KR" altLang="en-US" sz="1700" kern="1200" dirty="0"/>
+        </a:p>
+      </dsp:txBody>
+      <dsp:txXfrm>
+        <a:off x="3180457" y="1260437"/>
+        <a:ext cx="1324570" cy="403993"/>
+      </dsp:txXfrm>
+    </dsp:sp>
+    <dsp:sp modelId="{EC17D76C-5141-4283-AEC9-916C8C5A5089}">
+      <dsp:nvSpPr>
+        <dsp:cNvPr id="0" name=""/>
+        <dsp:cNvSpPr/>
+      </dsp:nvSpPr>
+      <dsp:spPr>
+        <a:xfrm>
+          <a:off x="4769941" y="1260437"/>
+          <a:ext cx="1324570" cy="403993"/>
+        </a:xfrm>
+        <a:prstGeom prst="rect">
+          <a:avLst/>
+        </a:prstGeom>
+        <a:solidFill>
+          <a:schemeClr val="lt1">
+            <a:hueOff val="0"/>
+            <a:satOff val="0"/>
+            <a:lumOff val="0"/>
+            <a:alphaOff val="0"/>
+          </a:schemeClr>
+        </a:solidFill>
+        <a:ln w="25400" cap="flat" cmpd="sng" algn="ctr">
+          <a:solidFill>
+            <a:schemeClr val="dk1">
+              <a:shade val="80000"/>
+              <a:hueOff val="0"/>
+              <a:satOff val="0"/>
+              <a:lumOff val="0"/>
+              <a:alphaOff val="0"/>
+            </a:schemeClr>
+          </a:solidFill>
+          <a:prstDash val="solid"/>
+        </a:ln>
+        <a:effectLst/>
+      </dsp:spPr>
+      <dsp:style>
+        <a:lnRef idx="2">
+          <a:scrgbClr r="0" g="0" b="0"/>
+        </a:lnRef>
+        <a:fillRef idx="1">
+          <a:scrgbClr r="0" g="0" b="0"/>
+        </a:fillRef>
+        <a:effectRef idx="0">
+          <a:scrgbClr r="0" g="0" b="0"/>
+        </a:effectRef>
+        <a:fontRef idx="minor">
+          <a:schemeClr val="lt1"/>
+        </a:fontRef>
+      </dsp:style>
+      <dsp:txBody>
+        <a:bodyPr spcFirstLastPara="0" vert="horz" wrap="square" lIns="10795" tIns="10795" rIns="10795" bIns="10795" numCol="1" spcCol="1270" anchor="ctr" anchorCtr="0">
+          <a:noAutofit/>
+        </a:bodyPr>
+        <a:lstStyle/>
+        <a:p>
+          <a:pPr lvl="0" algn="ctr" defTabSz="755650" latinLnBrk="1">
+            <a:lnSpc>
+              <a:spcPct val="90000"/>
+            </a:lnSpc>
+            <a:spcBef>
+              <a:spcPct val="0"/>
+            </a:spcBef>
+            <a:spcAft>
+              <a:spcPct val="35000"/>
+            </a:spcAft>
+          </a:pPr>
+          <a:r>
+            <a:rPr lang="en-US" altLang="ko-KR" sz="1700" kern="1200" dirty="0" smtClean="0"/>
+            <a:t>/temperature</a:t>
+          </a:r>
+          <a:endParaRPr lang="ko-KR" altLang="en-US" sz="1700" kern="1200" dirty="0"/>
+        </a:p>
+      </dsp:txBody>
+      <dsp:txXfrm>
+        <a:off x="4769941" y="1260437"/>
+        <a:ext cx="1324570" cy="403993"/>
+      </dsp:txXfrm>
+    </dsp:sp>
+    <dsp:sp modelId="{A9B8364E-9807-4410-A6C3-074BF7B38F11}">
+      <dsp:nvSpPr>
+        <dsp:cNvPr id="0" name=""/>
+        <dsp:cNvSpPr/>
+      </dsp:nvSpPr>
+      <dsp:spPr>
+        <a:xfrm>
+          <a:off x="1590972" y="2114785"/>
+          <a:ext cx="1324570" cy="403993"/>
+        </a:xfrm>
+        <a:prstGeom prst="rect">
+          <a:avLst/>
+        </a:prstGeom>
+        <a:solidFill>
+          <a:schemeClr val="lt1">
+            <a:hueOff val="0"/>
+            <a:satOff val="0"/>
+            <a:lumOff val="0"/>
+            <a:alphaOff val="0"/>
+          </a:schemeClr>
+        </a:solidFill>
+        <a:ln w="25400" cap="flat" cmpd="sng" algn="ctr">
+          <a:solidFill>
+            <a:schemeClr val="dk1">
+              <a:shade val="80000"/>
+              <a:hueOff val="0"/>
+              <a:satOff val="0"/>
+              <a:lumOff val="0"/>
+              <a:alphaOff val="0"/>
+            </a:schemeClr>
+          </a:solidFill>
+          <a:prstDash val="solid"/>
+        </a:ln>
+        <a:effectLst/>
+      </dsp:spPr>
+      <dsp:style>
+        <a:lnRef idx="2">
+          <a:scrgbClr r="0" g="0" b="0"/>
+        </a:lnRef>
+        <a:fillRef idx="1">
+          <a:scrgbClr r="0" g="0" b="0"/>
+        </a:fillRef>
+        <a:effectRef idx="0">
+          <a:scrgbClr r="0" g="0" b="0"/>
+        </a:effectRef>
+        <a:fontRef idx="minor">
+          <a:schemeClr val="lt1"/>
+        </a:fontRef>
+      </dsp:style>
+      <dsp:txBody>
+        <a:bodyPr spcFirstLastPara="0" vert="horz" wrap="square" lIns="10795" tIns="10795" rIns="10795" bIns="10795" numCol="1" spcCol="1270" anchor="ctr" anchorCtr="0">
+          <a:noAutofit/>
+        </a:bodyPr>
+        <a:lstStyle/>
+        <a:p>
+          <a:pPr lvl="0" algn="ctr" defTabSz="755650" latinLnBrk="1">
+            <a:lnSpc>
+              <a:spcPct val="90000"/>
+            </a:lnSpc>
+            <a:spcBef>
+              <a:spcPct val="0"/>
+            </a:spcBef>
+            <a:spcAft>
+              <a:spcPct val="35000"/>
+            </a:spcAft>
+          </a:pPr>
+          <a:r>
+            <a:rPr lang="en-US" altLang="ko-KR" sz="1700" kern="1200" dirty="0" smtClean="0"/>
+            <a:t>/first</a:t>
+          </a:r>
+          <a:endParaRPr lang="ko-KR" altLang="en-US" sz="1700" kern="1200" dirty="0"/>
+        </a:p>
+      </dsp:txBody>
+      <dsp:txXfrm>
+        <a:off x="1590972" y="2114785"/>
+        <a:ext cx="1324570" cy="403993"/>
+      </dsp:txXfrm>
+    </dsp:sp>
+    <dsp:sp modelId="{C8778C51-DFE1-4EB3-B7E6-3F5921148B36}">
+      <dsp:nvSpPr>
+        <dsp:cNvPr id="0" name=""/>
+        <dsp:cNvSpPr/>
+      </dsp:nvSpPr>
+      <dsp:spPr>
+        <a:xfrm>
+          <a:off x="3180457" y="1830003"/>
+          <a:ext cx="1324570" cy="403993"/>
+        </a:xfrm>
+        <a:prstGeom prst="rect">
+          <a:avLst/>
+        </a:prstGeom>
+        <a:solidFill>
+          <a:schemeClr val="lt1">
+            <a:hueOff val="0"/>
+            <a:satOff val="0"/>
+            <a:lumOff val="0"/>
+            <a:alphaOff val="0"/>
+          </a:schemeClr>
+        </a:solidFill>
+        <a:ln w="25400" cap="flat" cmpd="sng" algn="ctr">
+          <a:solidFill>
+            <a:schemeClr val="dk1">
+              <a:shade val="80000"/>
+              <a:hueOff val="0"/>
+              <a:satOff val="0"/>
+              <a:lumOff val="0"/>
+              <a:alphaOff val="0"/>
+            </a:schemeClr>
+          </a:solidFill>
+          <a:prstDash val="solid"/>
+        </a:ln>
+        <a:effectLst/>
+      </dsp:spPr>
+      <dsp:style>
+        <a:lnRef idx="2">
+          <a:scrgbClr r="0" g="0" b="0"/>
+        </a:lnRef>
+        <a:fillRef idx="1">
+          <a:scrgbClr r="0" g="0" b="0"/>
+        </a:fillRef>
+        <a:effectRef idx="0">
+          <a:scrgbClr r="0" g="0" b="0"/>
+        </a:effectRef>
+        <a:fontRef idx="minor">
+          <a:schemeClr val="lt1"/>
+        </a:fontRef>
+      </dsp:style>
+      <dsp:txBody>
+        <a:bodyPr spcFirstLastPara="0" vert="horz" wrap="square" lIns="10795" tIns="10795" rIns="10795" bIns="10795" numCol="1" spcCol="1270" anchor="ctr" anchorCtr="0">
+          <a:noAutofit/>
+        </a:bodyPr>
+        <a:lstStyle/>
+        <a:p>
+          <a:pPr lvl="0" algn="ctr" defTabSz="755650" latinLnBrk="1">
+            <a:lnSpc>
+              <a:spcPct val="90000"/>
+            </a:lnSpc>
+            <a:spcBef>
+              <a:spcPct val="0"/>
+            </a:spcBef>
+            <a:spcAft>
+              <a:spcPct val="35000"/>
+            </a:spcAft>
+          </a:pPr>
+          <a:r>
+            <a:rPr lang="en-US" altLang="ko-KR" sz="1700" kern="1200" dirty="0" smtClean="0"/>
+            <a:t>/restaurant</a:t>
+          </a:r>
+          <a:endParaRPr lang="ko-KR" altLang="en-US" sz="1700" kern="1200" dirty="0"/>
+        </a:p>
+      </dsp:txBody>
+      <dsp:txXfrm>
+        <a:off x="3180457" y="1830003"/>
+        <a:ext cx="1324570" cy="403993"/>
+      </dsp:txXfrm>
+    </dsp:sp>
+    <dsp:sp modelId="{1A3B5699-98E7-4391-9CA0-2D14C3BC971F}">
+      <dsp:nvSpPr>
+        <dsp:cNvPr id="0" name=""/>
+        <dsp:cNvSpPr/>
+      </dsp:nvSpPr>
+      <dsp:spPr>
+        <a:xfrm>
+          <a:off x="4769941" y="1830003"/>
+          <a:ext cx="1324570" cy="403993"/>
+        </a:xfrm>
+        <a:prstGeom prst="rect">
+          <a:avLst/>
+        </a:prstGeom>
+        <a:solidFill>
+          <a:schemeClr val="lt1">
+            <a:hueOff val="0"/>
+            <a:satOff val="0"/>
+            <a:lumOff val="0"/>
+            <a:alphaOff val="0"/>
+          </a:schemeClr>
+        </a:solidFill>
+        <a:ln w="25400" cap="flat" cmpd="sng" algn="ctr">
+          <a:solidFill>
+            <a:schemeClr val="dk1">
+              <a:shade val="80000"/>
+              <a:hueOff val="0"/>
+              <a:satOff val="0"/>
+              <a:lumOff val="0"/>
+              <a:alphaOff val="0"/>
+            </a:schemeClr>
+          </a:solidFill>
+          <a:prstDash val="solid"/>
+        </a:ln>
+        <a:effectLst/>
+      </dsp:spPr>
+      <dsp:style>
+        <a:lnRef idx="2">
+          <a:scrgbClr r="0" g="0" b="0"/>
+        </a:lnRef>
+        <a:fillRef idx="1">
+          <a:scrgbClr r="0" g="0" b="0"/>
+        </a:fillRef>
+        <a:effectRef idx="0">
+          <a:scrgbClr r="0" g="0" b="0"/>
+        </a:effectRef>
+        <a:fontRef idx="minor">
+          <a:schemeClr val="lt1"/>
+        </a:fontRef>
+      </dsp:style>
+      <dsp:txBody>
+        <a:bodyPr spcFirstLastPara="0" vert="horz" wrap="square" lIns="10795" tIns="10795" rIns="10795" bIns="10795" numCol="1" spcCol="1270" anchor="ctr" anchorCtr="0">
+          <a:noAutofit/>
+        </a:bodyPr>
+        <a:lstStyle/>
+        <a:p>
+          <a:pPr lvl="0" algn="ctr" defTabSz="755650" latinLnBrk="1">
+            <a:lnSpc>
+              <a:spcPct val="90000"/>
+            </a:lnSpc>
+            <a:spcBef>
+              <a:spcPct val="0"/>
+            </a:spcBef>
+            <a:spcAft>
+              <a:spcPct val="35000"/>
+            </a:spcAft>
+          </a:pPr>
+          <a:r>
+            <a:rPr lang="en-US" altLang="ko-KR" sz="1700" kern="1200" dirty="0" smtClean="0"/>
+            <a:t>/temperature</a:t>
+          </a:r>
+          <a:endParaRPr lang="ko-KR" altLang="en-US" sz="1700" kern="1200" dirty="0"/>
+        </a:p>
+      </dsp:txBody>
+      <dsp:txXfrm>
+        <a:off x="4769941" y="1830003"/>
+        <a:ext cx="1324570" cy="403993"/>
+      </dsp:txXfrm>
+    </dsp:sp>
+    <dsp:sp modelId="{C7302221-A631-442E-BF88-76176E55E455}">
+      <dsp:nvSpPr>
+        <dsp:cNvPr id="0" name=""/>
+        <dsp:cNvSpPr/>
+      </dsp:nvSpPr>
+      <dsp:spPr>
+        <a:xfrm>
+          <a:off x="3180457" y="2399568"/>
+          <a:ext cx="1324570" cy="403993"/>
+        </a:xfrm>
+        <a:prstGeom prst="rect">
+          <a:avLst/>
+        </a:prstGeom>
+        <a:solidFill>
+          <a:schemeClr val="lt1">
+            <a:hueOff val="0"/>
+            <a:satOff val="0"/>
+            <a:lumOff val="0"/>
+            <a:alphaOff val="0"/>
+          </a:schemeClr>
+        </a:solidFill>
+        <a:ln w="25400" cap="flat" cmpd="sng" algn="ctr">
+          <a:solidFill>
+            <a:schemeClr val="dk1">
+              <a:shade val="80000"/>
+              <a:hueOff val="0"/>
+              <a:satOff val="0"/>
+              <a:lumOff val="0"/>
+              <a:alphaOff val="0"/>
+            </a:schemeClr>
+          </a:solidFill>
+          <a:prstDash val="solid"/>
+        </a:ln>
+        <a:effectLst/>
+      </dsp:spPr>
+      <dsp:style>
+        <a:lnRef idx="2">
+          <a:scrgbClr r="0" g="0" b="0"/>
+        </a:lnRef>
+        <a:fillRef idx="1">
+          <a:scrgbClr r="0" g="0" b="0"/>
+        </a:fillRef>
+        <a:effectRef idx="0">
+          <a:scrgbClr r="0" g="0" b="0"/>
+        </a:effectRef>
+        <a:fontRef idx="minor">
+          <a:schemeClr val="lt1"/>
+        </a:fontRef>
+      </dsp:style>
+      <dsp:txBody>
+        <a:bodyPr spcFirstLastPara="0" vert="horz" wrap="square" lIns="10795" tIns="10795" rIns="10795" bIns="10795" numCol="1" spcCol="1270" anchor="ctr" anchorCtr="0">
+          <a:noAutofit/>
+        </a:bodyPr>
+        <a:lstStyle/>
+        <a:p>
+          <a:pPr lvl="0" algn="ctr" defTabSz="755650" latinLnBrk="1">
+            <a:lnSpc>
+              <a:spcPct val="90000"/>
+            </a:lnSpc>
+            <a:spcBef>
+              <a:spcPct val="0"/>
+            </a:spcBef>
+            <a:spcAft>
+              <a:spcPct val="35000"/>
+            </a:spcAft>
+          </a:pPr>
+          <a:r>
+            <a:rPr lang="en-US" altLang="ko-KR" sz="1700" kern="1200" dirty="0" smtClean="0"/>
+            <a:t>/bathroom</a:t>
+          </a:r>
+          <a:endParaRPr lang="ko-KR" altLang="en-US" sz="1700" kern="1200" dirty="0"/>
+        </a:p>
+      </dsp:txBody>
+      <dsp:txXfrm>
+        <a:off x="3180457" y="2399568"/>
+        <a:ext cx="1324570" cy="403993"/>
+      </dsp:txXfrm>
+    </dsp:sp>
+    <dsp:sp modelId="{1F801878-372B-4EAB-9C8C-0AA68AD3069B}">
+      <dsp:nvSpPr>
+        <dsp:cNvPr id="0" name=""/>
+        <dsp:cNvSpPr/>
+      </dsp:nvSpPr>
+      <dsp:spPr>
+        <a:xfrm>
+          <a:off x="4769941" y="2399568"/>
+          <a:ext cx="1324570" cy="403993"/>
+        </a:xfrm>
+        <a:prstGeom prst="rect">
+          <a:avLst/>
+        </a:prstGeom>
+        <a:solidFill>
+          <a:schemeClr val="lt1">
+            <a:hueOff val="0"/>
+            <a:satOff val="0"/>
+            <a:lumOff val="0"/>
+            <a:alphaOff val="0"/>
+          </a:schemeClr>
+        </a:solidFill>
+        <a:ln w="25400" cap="flat" cmpd="sng" algn="ctr">
+          <a:solidFill>
+            <a:schemeClr val="dk1">
+              <a:shade val="80000"/>
+              <a:hueOff val="0"/>
+              <a:satOff val="0"/>
+              <a:lumOff val="0"/>
+              <a:alphaOff val="0"/>
+            </a:schemeClr>
+          </a:solidFill>
+          <a:prstDash val="solid"/>
+        </a:ln>
+        <a:effectLst/>
+      </dsp:spPr>
+      <dsp:style>
+        <a:lnRef idx="2">
+          <a:scrgbClr r="0" g="0" b="0"/>
+        </a:lnRef>
+        <a:fillRef idx="1">
+          <a:scrgbClr r="0" g="0" b="0"/>
+        </a:fillRef>
+        <a:effectRef idx="0">
+          <a:scrgbClr r="0" g="0" b="0"/>
+        </a:effectRef>
+        <a:fontRef idx="minor">
+          <a:schemeClr val="lt1"/>
+        </a:fontRef>
+      </dsp:style>
+      <dsp:txBody>
+        <a:bodyPr spcFirstLastPara="0" vert="horz" wrap="square" lIns="10795" tIns="10795" rIns="10795" bIns="10795" numCol="1" spcCol="1270" anchor="ctr" anchorCtr="0">
+          <a:noAutofit/>
+        </a:bodyPr>
+        <a:lstStyle/>
+        <a:p>
+          <a:pPr lvl="0" algn="ctr" defTabSz="755650" latinLnBrk="1">
+            <a:lnSpc>
+              <a:spcPct val="90000"/>
+            </a:lnSpc>
+            <a:spcBef>
+              <a:spcPct val="0"/>
+            </a:spcBef>
+            <a:spcAft>
+              <a:spcPct val="35000"/>
+            </a:spcAft>
+          </a:pPr>
+          <a:r>
+            <a:rPr lang="en-US" altLang="ko-KR" sz="1700" kern="1200" dirty="0" smtClean="0"/>
+            <a:t>/Humidity</a:t>
+          </a:r>
+          <a:endParaRPr lang="ko-KR" altLang="en-US" sz="1700" kern="1200" dirty="0"/>
+        </a:p>
+      </dsp:txBody>
+      <dsp:txXfrm>
+        <a:off x="4769941" y="2399568"/>
+        <a:ext cx="1324570" cy="403993"/>
+      </dsp:txXfrm>
+    </dsp:sp>
+  </dsp:spTree>
+</dsp:drawing>
+</file>
+
+<file path=ppt/diagrams/layout1.xml><?xml version="1.0" encoding="utf-8"?>
+<dgm:layoutDef xmlns:dgm="http://schemas.openxmlformats.org/drawingml/2006/diagram" xmlns:a="http://schemas.openxmlformats.org/drawingml/2006/main" uniqueId="urn:microsoft.com/office/officeart/2009/3/layout/HorizontalOrganizationChart">
+  <dgm:title val=""/>
+  <dgm:desc val=""/>
+  <dgm:catLst>
+    <dgm:cat type="hierarchy" pri="4300"/>
+  </dgm:catLst>
+  <dgm:sampData>
+    <dgm:dataModel>
+      <dgm:ptLst>
+        <dgm:pt modelId="0" type="doc"/>
+        <dgm:pt modelId="1">
+          <dgm:prSet phldr="1"/>
+        </dgm:pt>
+        <dgm:pt modelId="2" type="asst">
+          <dgm:prSet phldr="1"/>
+        </dgm:pt>
+        <dgm:pt modelId="3">
+          <dgm:prSet phldr="1"/>
+        </dgm:pt>
+        <dgm:pt modelId="4">
+          <dgm:prSet phldr="1"/>
+        </dgm:pt>
+        <dgm:pt modelId="5">
+          <dgm:prSet phldr="1"/>
+        </dgm:pt>
+      </dgm:ptLst>
+      <dgm:cxnLst>
+        <dgm:cxn modelId="5" srcId="0" destId="1" srcOrd="0" destOrd="0"/>
+        <dgm:cxn modelId="6" srcId="1" destId="2" srcOrd="0" destOrd="0"/>
+        <dgm:cxn modelId="7" srcId="1" destId="3" srcOrd="1" destOrd="0"/>
+        <dgm:cxn modelId="8" srcId="1" destId="4" srcOrd="2" destOrd="0"/>
+        <dgm:cxn modelId="9" srcId="1" destId="5" srcOrd="3" destOrd="0"/>
+      </dgm:cxnLst>
+      <dgm:bg/>
+      <dgm:whole/>
+    </dgm:dataModel>
+  </dgm:sampData>
+  <dgm:styleData>
+    <dgm:dataModel>
+      <dgm:ptLst>
+        <dgm:pt modelId="0" type="doc"/>
+        <dgm:pt modelId="1"/>
+        <dgm:pt modelId="12"/>
+        <dgm:pt modelId="13"/>
+      </dgm:ptLst>
+      <dgm:cxnLst>
+        <dgm:cxn modelId="2" srcId="0" destId="1" srcOrd="0" destOrd="0"/>
+        <dgm:cxn modelId="16" srcId="1" destId="12" srcOrd="1" destOrd="0"/>
+        <dgm:cxn modelId="17" srcId="1" destId="13" srcOrd="2" destOrd="0"/>
+      </dgm:cxnLst>
+      <dgm:bg/>
+      <dgm:whole/>
+    </dgm:dataModel>
+  </dgm:styleData>
+  <dgm:clrData>
+    <dgm:dataModel>
+      <dgm:ptLst>
+        <dgm:pt modelId="0" type="doc"/>
+        <dgm:pt modelId="1"/>
+        <dgm:pt modelId="11" type="asst"/>
+        <dgm:pt modelId="12"/>
+        <dgm:pt modelId="13"/>
+        <dgm:pt modelId="14"/>
+      </dgm:ptLst>
+      <dgm:cxnLst>
+        <dgm:cxn modelId="2" srcId="0" destId="1" srcOrd="0" destOrd="0"/>
+        <dgm:cxn modelId="15" srcId="1" destId="11" srcOrd="0" destOrd="0"/>
+        <dgm:cxn modelId="16" srcId="1" destId="12" srcOrd="1" destOrd="0"/>
+        <dgm:cxn modelId="17" srcId="1" destId="13" srcOrd="2" destOrd="0"/>
+        <dgm:cxn modelId="18" srcId="1" destId="14" srcOrd="2" destOrd="0"/>
+      </dgm:cxnLst>
+      <dgm:bg/>
+      <dgm:whole/>
+    </dgm:dataModel>
+  </dgm:clrData>
+  <dgm:layoutNode name="hierChild1">
+    <dgm:varLst>
+      <dgm:orgChart val="1"/>
+      <dgm:chPref val="1"/>
+      <dgm:dir/>
+      <dgm:animOne val="branch"/>
+      <dgm:animLvl val="lvl"/>
+      <dgm:resizeHandles/>
+    </dgm:varLst>
+    <dgm:choose name="Name0">
+      <dgm:if name="Name1" func="var" arg="dir" op="equ" val="norm">
+        <dgm:alg type="hierChild">
+          <dgm:param type="linDir" val="fromT"/>
+          <dgm:param type="chAlign" val="l"/>
+        </dgm:alg>
+      </dgm:if>
+      <dgm:else name="Name2">
+        <dgm:alg type="hierChild">
+          <dgm:param type="linDir" val="fromT"/>
+          <dgm:param type="chAlign" val="r"/>
+        </dgm:alg>
+      </dgm:else>
+    </dgm:choose>
+    <dgm:shape xmlns:r="http://schemas.openxmlformats.org/officeDocument/2006/relationships" r:blip="">
+      <dgm:adjLst/>
+    </dgm:shape>
+    <dgm:presOf/>
+    <dgm:constrLst>
+      <dgm:constr type="w" for="des" forName="rootComposite1" refType="w" fact="10"/>
+      <dgm:constr type="h" for="des" forName="rootComposite1" refType="w" refFor="des" refForName="rootComposite1" fact="0.305"/>
+      <dgm:constr type="w" for="des" forName="rootComposite" refType="w" fact="10"/>
+      <dgm:constr type="h" for="des" forName="rootComposite" refType="w" refFor="des" refForName="rootComposite1" fact="0.305"/>
+      <dgm:constr type="w" for="des" forName="rootComposite3" refType="w" fact="10"/>
+      <dgm:constr type="h" for="des" forName="rootComposite3" refType="w" refFor="des" refForName="rootComposite1" fact="0.305"/>
+      <dgm:constr type="primFontSz" for="des" ptType="node" op="equ"/>
+      <dgm:constr type="sp" for="des" op="equ"/>
+      <dgm:constr type="sp" for="des" forName="hierRoot1" refType="w" refFor="des" refForName="rootComposite1" fact="0.2"/>
+      <dgm:constr type="sp" for="des" forName="hierRoot2" refType="sp" refFor="des" refForName="hierRoot1"/>
+      <dgm:constr type="sp" for="des" forName="hierRoot3" refType="sp" refFor="des" refForName="hierRoot1"/>
+      <dgm:constr type="sibSp" refType="w" refFor="des" refForName="rootComposite1" fact="0.125"/>
+      <dgm:constr type="sibSp" for="des" forName="hierChild2" refType="sibSp"/>
+      <dgm:constr type="sibSp" for="des" forName="hierChild3" refType="sibSp"/>
+      <dgm:constr type="sibSp" for="des" forName="hierChild4" refType="sibSp"/>
+      <dgm:constr type="sibSp" for="des" forName="hierChild5" refType="sibSp"/>
+      <dgm:constr type="sibSp" for="des" forName="hierChild6" refType="sibSp"/>
+      <dgm:constr type="sibSp" for="des" forName="hierChild7" refType="sibSp"/>
+      <dgm:constr type="secSibSp" refType="w" refFor="des" refForName="rootComposite1" fact="0.125"/>
+      <dgm:constr type="secSibSp" for="des" forName="hierChild2" refType="secSibSp"/>
+      <dgm:constr type="secSibSp" for="des" forName="hierChild3" refType="secSibSp"/>
+      <dgm:constr type="secSibSp" for="des" forName="hierChild4" refType="secSibSp"/>
+      <dgm:constr type="secSibSp" for="des" forName="hierChild5" refType="secSibSp"/>
+      <dgm:constr type="secSibSp" for="des" forName="hierChild6" refType="secSibSp"/>
+      <dgm:constr type="secSibSp" for="des" forName="hierChild7" refType="secSibSp"/>
+    </dgm:constrLst>
+    <dgm:ruleLst/>
+    <dgm:forEach name="Name3" axis="ch">
+      <dgm:forEach name="Name4" axis="self" ptType="node">
+        <dgm:layoutNode name="hierRoot1">
+          <dgm:varLst>
+            <dgm:hierBranch val="init"/>
+          </dgm:varLst>
+          <dgm:choose name="Name5">
+            <dgm:if name="Name6" func="var" arg="hierBranch" op="equ" val="l">
+              <dgm:choose name="Name7">
+                <dgm:if name="Name8" func="var" arg="dir" op="equ" val="norm">
+                  <dgm:alg type="hierRoot">
+                    <dgm:param type="hierAlign" val="lT"/>
+                  </dgm:alg>
+                  <dgm:constrLst>
+                    <dgm:constr type="alignOff" val="0.75"/>
+                  </dgm:constrLst>
+                </dgm:if>
+                <dgm:else name="Name9">
+                  <dgm:alg type="hierRoot">
+                    <dgm:param type="hierAlign" val="rT"/>
+                  </dgm:alg>
+                  <dgm:constrLst>
+                    <dgm:constr type="alignOff" val="0.75"/>
+                  </dgm:constrLst>
+                </dgm:else>
+              </dgm:choose>
+            </dgm:if>
+            <dgm:if name="Name10" func="var" arg="hierBranch" op="equ" val="r">
+              <dgm:choose name="Name11">
+                <dgm:if name="Name12" func="var" arg="dir" op="equ" val="norm">
+                  <dgm:alg type="hierRoot">
+                    <dgm:param type="hierAlign" val="lB"/>
+                  </dgm:alg>
+                  <dgm:constrLst>
+                    <dgm:constr type="alignOff" val="0.75"/>
+                  </dgm:constrLst>
+                </dgm:if>
+                <dgm:else name="Name13">
+                  <dgm:alg type="hierRoot">
+                    <dgm:param type="hierAlign" val="rB"/>
+                  </dgm:alg>
+                  <dgm:constrLst>
+                    <dgm:constr type="alignOff" val="0.75"/>
+                  </dgm:constrLst>
+                </dgm:else>
+              </dgm:choose>
+            </dgm:if>
+            <dgm:if name="Name14" func="var" arg="hierBranch" op="equ" val="hang">
+              <dgm:choose name="Name15">
+                <dgm:if name="Name16" func="var" arg="dir" op="equ" val="norm">
+                  <dgm:alg type="hierRoot">
+                    <dgm:param type="hierAlign" val="lCtrCh"/>
+                  </dgm:alg>
+                  <dgm:constrLst>
+                    <dgm:constr type="alignOff" val="0.65"/>
+                  </dgm:constrLst>
+                </dgm:if>
+                <dgm:else name="Name17">
+                  <dgm:alg type="hierRoot">
+                    <dgm:param type="hierAlign" val="rCtrCh"/>
+                  </dgm:alg>
+                  <dgm:constrLst>
+                    <dgm:constr type="alignOff" val="0.65"/>
+                  </dgm:constrLst>
+                </dgm:else>
+              </dgm:choose>
+            </dgm:if>
+            <dgm:else name="Name18">
+              <dgm:choose name="Name19">
+                <dgm:if name="Name20" func="var" arg="dir" op="equ" val="norm">
+                  <dgm:alg type="hierRoot">
+                    <dgm:param type="hierAlign" val="lCtrCh"/>
+                  </dgm:alg>
+                  <dgm:constrLst>
+                    <dgm:constr type="alignOff"/>
+                    <dgm:constr type="bendDist" for="des" ptType="parTrans" refType="sp" fact="0.5"/>
+                  </dgm:constrLst>
+                </dgm:if>
+                <dgm:else name="Name21">
+                  <dgm:alg type="hierRoot">
+                    <dgm:param type="hierAlign" val="rCtrCh"/>
+                  </dgm:alg>
+                  <dgm:constrLst>
+                    <dgm:constr type="alignOff"/>
+                    <dgm:constr type="bendDist" for="des" ptType="parTrans" refType="sp" fact="0.5"/>
+                  </dgm:constrLst>
+                </dgm:else>
+              </dgm:choose>
+            </dgm:else>
+          </dgm:choose>
+          <dgm:shape xmlns:r="http://schemas.openxmlformats.org/officeDocument/2006/relationships" r:blip="">
+            <dgm:adjLst/>
+          </dgm:shape>
+          <dgm:presOf/>
+          <dgm:ruleLst/>
+          <dgm:layoutNode name="rootComposite1">
+            <dgm:alg type="composite"/>
+            <dgm:shape xmlns:r="http://schemas.openxmlformats.org/officeDocument/2006/relationships" r:blip="">
+              <dgm:adjLst/>
+            </dgm:shape>
+            <dgm:presOf axis="self" ptType="node" cnt="1"/>
+            <dgm:choose name="Name22">
+              <dgm:if name="Name23" func="var" arg="hierBranch" op="equ" val="init">
+                <dgm:constrLst>
+                  <dgm:constr type="l" for="ch" forName="rootText1"/>
+                  <dgm:constr type="t" for="ch" forName="rootText1"/>
+                  <dgm:constr type="w" for="ch" forName="rootText1" refType="w"/>
+                  <dgm:constr type="h" for="ch" forName="rootText1" refType="h"/>
+                  <dgm:constr type="l" for="ch" forName="rootConnector1"/>
+                  <dgm:constr type="t" for="ch" forName="rootConnector1"/>
+                  <dgm:constr type="w" for="ch" forName="rootConnector1" refType="w" refFor="ch" refForName="rootText1" fact="0.2"/>
+                  <dgm:constr type="h" for="ch" forName="rootConnector1" refType="h" refFor="ch" refForName="rootText1"/>
+                </dgm:constrLst>
+              </dgm:if>
+              <dgm:if name="Name24" func="var" arg="hierBranch" op="equ" val="l">
+                <dgm:constrLst>
+                  <dgm:constr type="l" for="ch" forName="rootText1"/>
+                  <dgm:constr type="t" for="ch" forName="rootText1"/>
+                  <dgm:constr type="w" for="ch" forName="rootText1" refType="w"/>
+                  <dgm:constr type="h" for="ch" forName="rootText1" refType="h"/>
+                  <dgm:constr type="r" for="ch" forName="rootConnector1" refType="w"/>
+                  <dgm:constr type="t" for="ch" forName="rootConnector1"/>
+                  <dgm:constr type="w" for="ch" forName="rootConnector1" refType="w" refFor="ch" refForName="rootText1" fact="0.2"/>
+                  <dgm:constr type="h" for="ch" forName="rootConnector1" refType="h" refFor="ch" refForName="rootText1"/>
+                </dgm:constrLst>
+              </dgm:if>
+              <dgm:if name="Name25" func="var" arg="hierBranch" op="equ" val="r">
+                <dgm:constrLst>
+                  <dgm:constr type="l" for="ch" forName="rootText1"/>
+                  <dgm:constr type="t" for="ch" forName="rootText1"/>
+                  <dgm:constr type="w" for="ch" forName="rootText1" refType="w"/>
+                  <dgm:constr type="h" for="ch" forName="rootText1" refType="h"/>
+                  <dgm:constr type="l" for="ch" forName="rootConnector1"/>
+                  <dgm:constr type="t" for="ch" forName="rootConnector1"/>
+                  <dgm:constr type="w" for="ch" forName="rootConnector1" refType="w" refFor="ch" refForName="rootText1" fact="0.2"/>
+                  <dgm:constr type="h" for="ch" forName="rootConnector1" refType="h" refFor="ch" refForName="rootText1"/>
+                </dgm:constrLst>
+              </dgm:if>
+              <dgm:else name="Name26">
+                <dgm:constrLst>
+                  <dgm:constr type="l" for="ch" forName="rootText1"/>
+                  <dgm:constr type="t" for="ch" forName="rootText1"/>
+                  <dgm:constr type="w" for="ch" forName="rootText1" refType="w"/>
+                  <dgm:constr type="h" for="ch" forName="rootText1" refType="h"/>
+                  <dgm:constr type="r" for="ch" forName="rootConnector1" refType="w"/>
+                  <dgm:constr type="t" for="ch" forName="rootConnector1"/>
+                  <dgm:constr type="w" for="ch" forName="rootConnector1" refType="w" refFor="ch" refForName="rootText1" fact="0.2"/>
+                  <dgm:constr type="h" for="ch" forName="rootConnector1" refType="h" refFor="ch" refForName="rootText1"/>
+                </dgm:constrLst>
+              </dgm:else>
+            </dgm:choose>
+            <dgm:ruleLst/>
+            <dgm:layoutNode name="rootText1" styleLbl="node0">
+              <dgm:varLst>
+                <dgm:chPref val="3"/>
+              </dgm:varLst>
+              <dgm:alg type="tx"/>
+              <dgm:shape xmlns:r="http://schemas.openxmlformats.org/officeDocument/2006/relationships" type="rect" r:blip="">
+                <dgm:adjLst/>
+              </dgm:shape>
+              <dgm:presOf axis="self" ptType="node" cnt="1"/>
+              <dgm:constrLst>
+                <dgm:constr type="primFontSz" val="65"/>
+                <dgm:constr type="lMarg" refType="primFontSz" fact="0.05"/>
+                <dgm:constr type="rMarg" refType="primFontSz" fact="0.05"/>
+                <dgm:constr type="tMarg" refType="primFontSz" fact="0.05"/>
+                <dgm:constr type="bMarg" refType="primFontSz" fact="0.05"/>
+              </dgm:constrLst>
+              <dgm:ruleLst>
+                <dgm:rule type="primFontSz" val="5" fact="NaN" max="NaN"/>
+              </dgm:ruleLst>
+            </dgm:layoutNode>
+            <dgm:layoutNode name="rootConnector1" moveWith="rootText1">
+              <dgm:alg type="sp"/>
+              <dgm:shape xmlns:r="http://schemas.openxmlformats.org/officeDocument/2006/relationships" type="rect" r:blip="" hideGeom="1">
+                <dgm:adjLst/>
+              </dgm:shape>
+              <dgm:presOf axis="self" ptType="node" cnt="1"/>
+              <dgm:constrLst/>
+              <dgm:ruleLst/>
+            </dgm:layoutNode>
+          </dgm:layoutNode>
+          <dgm:layoutNode name="hierChild2">
+            <dgm:choose name="Name27">
+              <dgm:if name="Name28" func="var" arg="hierBranch" op="equ" val="l">
+                <dgm:choose name="Name29">
+                  <dgm:if name="Name30" func="var" arg="dir" op="equ" val="norm">
+                    <dgm:alg type="hierChild">
+                      <dgm:param type="chAlign" val="t"/>
+                      <dgm:param type="linDir" val="fromL"/>
+                    </dgm:alg>
+                  </dgm:if>
+                  <dgm:else name="Name31">
+                    <dgm:alg type="hierChild">
+                      <dgm:param type="chAlign" val="t"/>
+                      <dgm:param type="linDir" val="fromR"/>
+                    </dgm:alg>
+                  </dgm:else>
+                </dgm:choose>
+              </dgm:if>
+              <dgm:if name="Name32" func="var" arg="hierBranch" op="equ" val="r">
+                <dgm:choose name="Name33">
+                  <dgm:if name="Name34" func="var" arg="dir" op="equ" val="norm">
+                    <dgm:alg type="hierChild">
+                      <dgm:param type="chAlign" val="b"/>
+                      <dgm:param type="linDir" val="fromL"/>
+                    </dgm:alg>
+                  </dgm:if>
+                  <dgm:else name="Name35">
+                    <dgm:alg type="hierChild">
+                      <dgm:param type="chAlign" val="b"/>
+                      <dgm:param type="linDir" val="fromR"/>
+                    </dgm:alg>
+                  </dgm:else>
+                </dgm:choose>
+              </dgm:if>
+              <dgm:if name="Name36" func="var" arg="hierBranch" op="equ" val="hang">
+                <dgm:choose name="Name37">
+                  <dgm:if name="Name38" func="var" arg="dir" op="equ" val="norm">
+                    <dgm:alg type="hierChild">
+                      <dgm:param type="chAlign" val="l"/>
+                      <dgm:param type="linDir" val="fromT"/>
+                      <dgm:param type="secChAlign" val="t"/>
+                      <dgm:param type="secLinDir" val="fromL"/>
+                    </dgm:alg>
+                  </dgm:if>
+                  <dgm:else name="Name39">
+                    <dgm:alg type="hierChild">
+                      <dgm:param type="chAlign" val="r"/>
+                      <dgm:param type="linDir" val="fromT"/>
+                      <dgm:param type="secChAlign" val="t"/>
+                      <dgm:param type="secLinDir" val="fromR"/>
+                    </dgm:alg>
+                  </dgm:else>
+                </dgm:choose>
+              </dgm:if>
+              <dgm:else name="Name40">
+                <dgm:choose name="Name41">
+                  <dgm:if name="Name42" func="var" arg="dir" op="equ" val="norm">
+                    <dgm:alg type="hierChild">
+                      <dgm:param type="linDir" val="fromT"/>
+                      <dgm:param type="chAlign" val="l"/>
+                    </dgm:alg>
+                  </dgm:if>
+                  <dgm:else name="Name43">
+                    <dgm:alg type="hierChild">
+                      <dgm:param type="linDir" val="fromT"/>
+                      <dgm:param type="chAlign" val="r"/>
+                    </dgm:alg>
+                  </dgm:else>
+                </dgm:choose>
+              </dgm:else>
+            </dgm:choose>
+            <dgm:shape xmlns:r="http://schemas.openxmlformats.org/officeDocument/2006/relationships" r:blip="">
+              <dgm:adjLst/>
+            </dgm:shape>
+            <dgm:presOf/>
+            <dgm:constrLst/>
+            <dgm:ruleLst/>
+            <dgm:forEach name="rep2a" axis="ch" ptType="nonAsst">
+              <dgm:forEach name="Name44" axis="precedSib" ptType="parTrans" st="-1" cnt="1">
+                <dgm:choose name="Name45">
+                  <dgm:if name="Name46" func="var" arg="hierBranch" op="equ" val="hang">
+                    <dgm:layoutNode name="Name47">
+                      <dgm:choose name="Name48">
+                        <dgm:if name="Name49" func="var" arg="dir" op="equ" val="norm">
+                          <dgm:alg type="conn">
+                            <dgm:param type="connRout" val="bend"/>
+                            <dgm:param type="dim" val="1D"/>
+                            <dgm:param type="endSty" val="noArr"/>
+                            <dgm:param type="begPts" val="midR"/>
+                            <dgm:param type="endPts" val="bCtr tCtr"/>
+                          </dgm:alg>
+                        </dgm:if>
+                        <dgm:else name="Name50">
+                          <dgm:alg type="conn">
+                            <dgm:param type="connRout" val="bend"/>
+                            <dgm:param type="dim" val="1D"/>
+                            <dgm:param type="endSty" val="noArr"/>
+                            <dgm:param type="begPts" val="midL"/>
+                            <dgm:param type="endPts" val="bCtr tCtr"/>
+                          </dgm:alg>
+                        </dgm:else>
+                      </dgm:choose>
+                      <dgm:shape xmlns:r="http://schemas.openxmlformats.org/officeDocument/2006/relationships" type="conn" r:blip="" zOrderOff="-99999">
+                        <dgm:adjLst/>
+                      </dgm:shape>
+                      <dgm:presOf axis="self"/>
+                      <dgm:constrLst>
+                        <dgm:constr type="begPad"/>
+                        <dgm:constr type="endPad"/>
+                      </dgm:constrLst>
+                      <dgm:ruleLst/>
+                    </dgm:layoutNode>
+                  </dgm:if>
+                  <dgm:if name="Name51" func="var" arg="hierBranch" op="equ" val="l">
+                    <dgm:layoutNode name="Name52">
+                      <dgm:choose name="Name53">
+                        <dgm:if name="Name54" func="var" arg="dir" op="equ" val="norm">
+                          <dgm:alg type="conn">
+                            <dgm:param type="connRout" val="bend"/>
+                            <dgm:param type="dim" val="1D"/>
+                            <dgm:param type="endSty" val="noArr"/>
+                            <dgm:param type="begPts" val="midR"/>
+                            <dgm:param type="endPts" val="tCtr"/>
+                          </dgm:alg>
+                        </dgm:if>
+                        <dgm:else name="Name55">
+                          <dgm:alg type="conn">
+                            <dgm:param type="connRout" val="bend"/>
+                            <dgm:param type="dim" val="1D"/>
+                            <dgm:param type="endSty" val="noArr"/>
+                            <dgm:param type="begPts" val="midL"/>
+                            <dgm:param type="endPts" val="tCtr"/>
+                          </dgm:alg>
+                        </dgm:else>
+                      </dgm:choose>
+                      <dgm:shape xmlns:r="http://schemas.openxmlformats.org/officeDocument/2006/relationships" type="conn" r:blip="" zOrderOff="-99999">
+                        <dgm:adjLst/>
+                      </dgm:shape>
+                      <dgm:presOf axis="self"/>
+                      <dgm:constrLst>
+                        <dgm:constr type="begPad"/>
+                        <dgm:constr type="endPad"/>
+                      </dgm:constrLst>
+                      <dgm:ruleLst/>
+                    </dgm:layoutNode>
+                  </dgm:if>
+                  <dgm:if name="Name56" func="var" arg="hierBranch" op="equ" val="r">
+                    <dgm:layoutNode name="Name57">
+                      <dgm:choose name="Name58">
+                        <dgm:if name="Name59" func="var" arg="dir" op="equ" val="norm">
+                          <dgm:alg type="conn">
+                            <dgm:param type="connRout" val="bend"/>
+                            <dgm:param type="dim" val="1D"/>
+                            <dgm:param type="endSty" val="noArr"/>
+                            <dgm:param type="begPts" val="midR"/>
+                            <dgm:param type="endPts" val="bCtr"/>
+                          </dgm:alg>
+                        </dgm:if>
+                        <dgm:else name="Name60">
+                          <dgm:alg type="conn">
+                            <dgm:param type="connRout" val="bend"/>
+                            <dgm:param type="dim" val="1D"/>
+                            <dgm:param type="endSty" val="noArr"/>
+                            <dgm:param type="begPts" val="midL"/>
+                            <dgm:param type="endPts" val="bCtr"/>
+                          </dgm:alg>
+                        </dgm:else>
+                      </dgm:choose>
+                      <dgm:shape xmlns:r="http://schemas.openxmlformats.org/officeDocument/2006/relationships" type="conn" r:blip="" zOrderOff="-99999">
+                        <dgm:adjLst/>
+                      </dgm:shape>
+                      <dgm:presOf axis="self"/>
+                      <dgm:constrLst>
+                        <dgm:constr type="begPad"/>
+                        <dgm:constr type="endPad"/>
+                      </dgm:constrLst>
+                      <dgm:ruleLst/>
+                    </dgm:layoutNode>
+                  </dgm:if>
+                  <dgm:else name="Name61">
+                    <dgm:choose name="Name62">
+                      <dgm:if name="Name63" func="var" arg="dir" op="equ" val="norm">
+                        <dgm:layoutNode name="Name64">
+                          <dgm:alg type="conn">
+                            <dgm:param type="connRout" val="bend"/>
+                            <dgm:param type="dim" val="1D"/>
+                            <dgm:param type="endSty" val="noArr"/>
+                            <dgm:param type="begPts" val="midR"/>
+                            <dgm:param type="endPts" val="midL"/>
+                            <dgm:param type="bendPt" val="end"/>
+                          </dgm:alg>
+                          <dgm:shape xmlns:r="http://schemas.openxmlformats.org/officeDocument/2006/relationships" type="conn" r:blip="" zOrderOff="-99999">
+                            <dgm:adjLst/>
+                          </dgm:shape>
+                          <dgm:presOf axis="self"/>
+                          <dgm:constrLst>
+                            <dgm:constr type="begPad"/>
+                            <dgm:constr type="endPad"/>
+                          </dgm:constrLst>
+                          <dgm:ruleLst/>
+                        </dgm:layoutNode>
+                      </dgm:if>
+                      <dgm:else name="Name65">
+                        <dgm:layoutNode name="Name66">
+                          <dgm:alg type="conn">
+                            <dgm:param type="connRout" val="bend"/>
+                            <dgm:param type="dim" val="1D"/>
+                            <dgm:param type="endSty" val="noArr"/>
+                            <dgm:param type="begPts" val="midL"/>
+                            <dgm:param type="endPts" val="midR"/>
+                            <dgm:param type="bendPt" val="end"/>
+                          </dgm:alg>
+                          <dgm:shape xmlns:r="http://schemas.openxmlformats.org/officeDocument/2006/relationships" type="conn" r:blip="" zOrderOff="-99999">
+                            <dgm:adjLst/>
+                          </dgm:shape>
+                          <dgm:presOf axis="self"/>
+                          <dgm:constrLst>
+                            <dgm:constr type="begPad"/>
+                            <dgm:constr type="endPad"/>
+                          </dgm:constrLst>
+                          <dgm:ruleLst/>
+                        </dgm:layoutNode>
+                      </dgm:else>
+                    </dgm:choose>
+                  </dgm:else>
+                </dgm:choose>
+              </dgm:forEach>
+              <dgm:layoutNode name="hierRoot2">
+                <dgm:varLst>
+                  <dgm:hierBranch val="init"/>
+                </dgm:varLst>
+                <dgm:choose name="Name67">
+                  <dgm:if name="Name68" func="var" arg="hierBranch" op="equ" val="l">
+                    <dgm:choose name="Name69">
+                      <dgm:if name="Name70" func="var" arg="dir" op="equ" val="norm">
+                        <dgm:alg type="hierRoot">
+                          <dgm:param type="hierAlign" val="lT"/>
+                        </dgm:alg>
+                        <dgm:constrLst>
+                          <dgm:constr type="alignOff" val="0.75"/>
+                        </dgm:constrLst>
+                      </dgm:if>
+                      <dgm:else name="Name71">
+                        <dgm:alg type="hierRoot">
+                          <dgm:param type="hierAlign" val="rT"/>
+                        </dgm:alg>
+                        <dgm:constrLst>
+                          <dgm:constr type="alignOff" val="0.75"/>
+                        </dgm:constrLst>
+                      </dgm:else>
+                    </dgm:choose>
+                  </dgm:if>
+                  <dgm:if name="Name72" func="var" arg="hierBranch" op="equ" val="r">
+                    <dgm:choose name="Name73">
+                      <dgm:if name="Name74" func="var" arg="dir" op="equ" val="norm">
+                        <dgm:alg type="hierRoot">
+                          <dgm:param type="hierAlign" val="lB"/>
+                        </dgm:alg>
+                        <dgm:constrLst>
+                          <dgm:constr type="alignOff" val="0.75"/>
+                        </dgm:constrLst>
+                      </dgm:if>
+                      <dgm:else name="Name75">
+                        <dgm:alg type="hierRoot">
+                          <dgm:param type="hierAlign" val="rB"/>
+                        </dgm:alg>
+                        <dgm:constrLst>
+                          <dgm:constr type="alignOff" val="0.75"/>
+                        </dgm:constrLst>
+                      </dgm:else>
+                    </dgm:choose>
+                  </dgm:if>
+                  <dgm:if name="Name76" func="var" arg="hierBranch" op="equ" val="hang">
+                    <dgm:choose name="Name77">
+                      <dgm:if name="Name78" func="var" arg="dir" op="equ" val="norm">
+                        <dgm:alg type="hierRoot">
+                          <dgm:param type="hierAlign" val="lCtrCh"/>
+                        </dgm:alg>
+                        <dgm:constrLst>
+                          <dgm:constr type="alignOff" val="0.65"/>
+                        </dgm:constrLst>
+                      </dgm:if>
+                      <dgm:else name="Name79">
+                        <dgm:alg type="hierRoot">
+                          <dgm:param type="hierAlign" val="rCtrCh"/>
+                        </dgm:alg>
+                        <dgm:constrLst>
+                          <dgm:constr type="alignOff" val="0.65"/>
+                        </dgm:constrLst>
+                      </dgm:else>
+                    </dgm:choose>
+                  </dgm:if>
+                  <dgm:else name="Name80">
+                    <dgm:choose name="Name81">
+                      <dgm:if name="Name82" func="var" arg="dir" op="equ" val="norm">
+                        <dgm:alg type="hierRoot">
+                          <dgm:param type="hierAlign" val="lCtrCh"/>
+                        </dgm:alg>
+                        <dgm:constrLst>
+                          <dgm:constr type="alignOff"/>
+                          <dgm:constr type="bendDist" for="des" ptType="parTrans" refType="sp" fact="0.5"/>
+                        </dgm:constrLst>
+                      </dgm:if>
+                      <dgm:else name="Name83">
+                        <dgm:alg type="hierRoot">
+                          <dgm:param type="hierAlign" val="rCtrCh"/>
+                        </dgm:alg>
+                        <dgm:constrLst>
+                          <dgm:constr type="alignOff"/>
+                          <dgm:constr type="bendDist" for="des" ptType="parTrans" refType="sp" fact="0.5"/>
+                        </dgm:constrLst>
+                      </dgm:else>
+                    </dgm:choose>
+                  </dgm:else>
+                </dgm:choose>
+                <dgm:shape xmlns:r="http://schemas.openxmlformats.org/officeDocument/2006/relationships" r:blip="">
+                  <dgm:adjLst/>
+                </dgm:shape>
+                <dgm:presOf/>
+                <dgm:ruleLst/>
+                <dgm:layoutNode name="rootComposite">
+                  <dgm:alg type="composite"/>
+                  <dgm:shape xmlns:r="http://schemas.openxmlformats.org/officeDocument/2006/relationships" r:blip="">
+                    <dgm:adjLst/>
+                  </dgm:shape>
+                  <dgm:presOf axis="self" ptType="node" cnt="1"/>
+                  <dgm:choose name="Name84">
+                    <dgm:if name="Name85" func="var" arg="hierBranch" op="equ" val="init">
+                      <dgm:constrLst>
+                        <dgm:constr type="l" for="ch" forName="rootText"/>
+                        <dgm:constr type="t" for="ch" forName="rootText"/>
+                        <dgm:constr type="w" for="ch" forName="rootText" refType="w"/>
+                        <dgm:constr type="h" for="ch" forName="rootText" refType="h"/>
+                        <dgm:constr type="l" for="ch" forName="rootConnector"/>
+                        <dgm:constr type="t" for="ch" forName="rootConnector"/>
+                        <dgm:constr type="w" for="ch" forName="rootConnector" refType="w" refFor="ch" refForName="rootText" fact="0.2"/>
+                        <dgm:constr type="h" for="ch" forName="rootConnector" refType="h" refFor="ch" refForName="rootText"/>
+                      </dgm:constrLst>
+                    </dgm:if>
+                    <dgm:if name="Name86" func="var" arg="hierBranch" op="equ" val="l">
+                      <dgm:constrLst>
+                        <dgm:constr type="l" for="ch" forName="rootText"/>
+                        <dgm:constr type="t" for="ch" forName="rootText"/>
+                        <dgm:constr type="w" for="ch" forName="rootText" refType="w"/>
+                        <dgm:constr type="h" for="ch" forName="rootText" refType="h"/>
+                        <dgm:constr type="r" for="ch" forName="rootConnector" refType="w"/>
+                        <dgm:constr type="t" for="ch" forName="rootConnector"/>
+                        <dgm:constr type="w" for="ch" forName="rootConnector" refType="w" refFor="ch" refForName="rootText" fact="0.2"/>
+                        <dgm:constr type="h" for="ch" forName="rootConnector" refType="h" refFor="ch" refForName="rootText"/>
+                      </dgm:constrLst>
+                    </dgm:if>
+                    <dgm:if name="Name87" func="var" arg="hierBranch" op="equ" val="r">
+                      <dgm:constrLst>
+                        <dgm:constr type="l" for="ch" forName="rootText"/>
+                        <dgm:constr type="t" for="ch" forName="rootText"/>
+                        <dgm:constr type="w" for="ch" forName="rootText" refType="w"/>
+                        <dgm:constr type="h" for="ch" forName="rootText" refType="h"/>
+                        <dgm:constr type="l" for="ch" forName="rootConnector"/>
+                        <dgm:constr type="t" for="ch" forName="rootConnector"/>
+                        <dgm:constr type="w" for="ch" forName="rootConnector" refType="w" refFor="ch" refForName="rootText" fact="0.2"/>
+                        <dgm:constr type="h" for="ch" forName="rootConnector" refType="h" refFor="ch" refForName="rootText"/>
+                      </dgm:constrLst>
+                    </dgm:if>
+                    <dgm:else name="Name88">
+                      <dgm:constrLst>
+                        <dgm:constr type="l" for="ch" forName="rootText"/>
+                        <dgm:constr type="t" for="ch" forName="rootText"/>
+                        <dgm:constr type="w" for="ch" forName="rootText" refType="w"/>
+                        <dgm:constr type="h" for="ch" forName="rootText" refType="h"/>
+                        <dgm:constr type="r" for="ch" forName="rootConnector" refType="w"/>
+                        <dgm:constr type="t" for="ch" forName="rootConnector"/>
+                        <dgm:constr type="w" for="ch" forName="rootConnector" refType="w" refFor="ch" refForName="rootText" fact="0.2"/>
+                        <dgm:constr type="h" for="ch" forName="rootConnector" refType="h" refFor="ch" refForName="rootText"/>
+                      </dgm:constrLst>
+                    </dgm:else>
+                  </dgm:choose>
+                  <dgm:ruleLst/>
+                  <dgm:layoutNode name="rootText">
+                    <dgm:varLst>
+                      <dgm:chPref val="3"/>
+                    </dgm:varLst>
+                    <dgm:alg type="tx"/>
+                    <dgm:shape xmlns:r="http://schemas.openxmlformats.org/officeDocument/2006/relationships" type="rect" r:blip="">
+                      <dgm:adjLst/>
+                    </dgm:shape>
+                    <dgm:presOf axis="self" ptType="node" cnt="1"/>
+                    <dgm:constrLst>
+                      <dgm:constr type="primFontSz" val="65"/>
+                      <dgm:constr type="lMarg" refType="primFontSz" fact="0.05"/>
+                      <dgm:constr type="rMarg" refType="primFontSz" fact="0.05"/>
+                      <dgm:constr type="tMarg" refType="primFontSz" fact="0.05"/>
+                      <dgm:constr type="bMarg" refType="primFontSz" fact="0.05"/>
+                    </dgm:constrLst>
+                    <dgm:ruleLst>
+                      <dgm:rule type="primFontSz" val="5" fact="NaN" max="NaN"/>
+                    </dgm:ruleLst>
+                  </dgm:layoutNode>
+                  <dgm:layoutNode name="rootConnector" moveWith="rootText">
+                    <dgm:alg type="sp"/>
+                    <dgm:shape xmlns:r="http://schemas.openxmlformats.org/officeDocument/2006/relationships" type="rect" r:blip="" hideGeom="1">
+                      <dgm:adjLst/>
+                    </dgm:shape>
+                    <dgm:presOf axis="self" ptType="node" cnt="1"/>
+                    <dgm:constrLst/>
+                    <dgm:ruleLst/>
+                  </dgm:layoutNode>
+                </dgm:layoutNode>
+                <dgm:layoutNode name="hierChild4">
+                  <dgm:choose name="Name89">
+                    <dgm:if name="Name90" func="var" arg="hierBranch" op="equ" val="l">
+                      <dgm:choose name="Name91">
+                        <dgm:if name="Name92" func="var" arg="dir" op="equ" val="norm">
+                          <dgm:alg type="hierChild">
+                            <dgm:param type="chAlign" val="t"/>
+                            <dgm:param type="linDir" val="fromL"/>
+                          </dgm:alg>
+                        </dgm:if>
+                        <dgm:else name="Name93">
+                          <dgm:alg type="hierChild">
+                            <dgm:param type="chAlign" val="t"/>
+                            <dgm:param type="linDir" val="fromR"/>
+                          </dgm:alg>
+                        </dgm:else>
+                      </dgm:choose>
+                    </dgm:if>
+                    <dgm:if name="Name94" func="var" arg="hierBranch" op="equ" val="r">
+                      <dgm:choose name="Name95">
+                        <dgm:if name="Name96" func="var" arg="dir" op="equ" val="norm">
+                          <dgm:alg type="hierChild">
+                            <dgm:param type="chAlign" val="b"/>
+                            <dgm:param type="linDir" val="fromL"/>
+                          </dgm:alg>
+                        </dgm:if>
+                        <dgm:else name="Name97">
+                          <dgm:alg type="hierChild">
+                            <dgm:param type="chAlign" val="b"/>
+                            <dgm:param type="linDir" val="fromR"/>
+                          </dgm:alg>
+                        </dgm:else>
+                      </dgm:choose>
+                    </dgm:if>
+                    <dgm:if name="Name98" func="var" arg="hierBranch" op="equ" val="hang">
+                      <dgm:choose name="Name99">
+                        <dgm:if name="Name100" func="var" arg="dir" op="equ" val="norm">
+                          <dgm:alg type="hierChild">
+                            <dgm:param type="chAlign" val="l"/>
+                            <dgm:param type="linDir" val="fromT"/>
+                            <dgm:param type="secChAlign" val="t"/>
+                            <dgm:param type="secLinDir" val="fromL"/>
+                          </dgm:alg>
+                        </dgm:if>
+                        <dgm:else name="Name101">
+                          <dgm:alg type="hierChild">
+                            <dgm:param type="chAlign" val="r"/>
+                            <dgm:param type="linDir" val="fromT"/>
+                            <dgm:param type="secChAlign" val="t"/>
+                            <dgm:param type="secLinDir" val="fromR"/>
+                          </dgm:alg>
+                        </dgm:else>
+                      </dgm:choose>
+                    </dgm:if>
+                    <dgm:else name="Name102">
+                      <dgm:choose name="Name103">
+                        <dgm:if name="Name104" func="var" arg="dir" op="equ" val="norm">
+                          <dgm:alg type="hierChild">
+                            <dgm:param type="linDir" val="fromT"/>
+                            <dgm:param type="chAlign" val="l"/>
+                          </dgm:alg>
+                        </dgm:if>
+                        <dgm:else name="Name105">
+                          <dgm:alg type="hierChild">
+                            <dgm:param type="linDir" val="fromT"/>
+                            <dgm:param type="chAlign" val="r"/>
+                          </dgm:alg>
+                        </dgm:else>
+                      </dgm:choose>
+                    </dgm:else>
+                  </dgm:choose>
+                  <dgm:shape xmlns:r="http://schemas.openxmlformats.org/officeDocument/2006/relationships" r:blip="">
+                    <dgm:adjLst/>
+                  </dgm:shape>
+                  <dgm:presOf/>
+                  <dgm:constrLst/>
+                  <dgm:ruleLst/>
+                  <dgm:forEach name="Name106" ref="rep2a"/>
+                </dgm:layoutNode>
+                <dgm:layoutNode name="hierChild5">
+                  <dgm:choose name="Name107">
+                    <dgm:if name="Name108" func="var" arg="dir" op="equ" val="norm">
+                      <dgm:alg type="hierChild">
+                        <dgm:param type="chAlign" val="l"/>
+                        <dgm:param type="linDir" val="fromT"/>
+                        <dgm:param type="secChAlign" val="t"/>
+                        <dgm:param type="secLinDir" val="fromL"/>
+                      </dgm:alg>
+                    </dgm:if>
+                    <dgm:else name="Name109">
+                      <dgm:alg type="hierChild">
+                        <dgm:param type="chAlign" val="r"/>
+                        <dgm:param type="linDir" val="fromT"/>
+                        <dgm:param type="secChAlign" val="t"/>
+                        <dgm:param type="secLinDir" val="fromR"/>
+                      </dgm:alg>
+                    </dgm:else>
+                  </dgm:choose>
+                  <dgm:shape xmlns:r="http://schemas.openxmlformats.org/officeDocument/2006/relationships" r:blip="">
+                    <dgm:adjLst/>
+                  </dgm:shape>
+                  <dgm:presOf/>
+                  <dgm:constrLst/>
+                  <dgm:ruleLst/>
+                  <dgm:forEach name="Name110" ref="rep2b"/>
+                </dgm:layoutNode>
+              </dgm:layoutNode>
+            </dgm:forEach>
+          </dgm:layoutNode>
+          <dgm:layoutNode name="hierChild3">
+            <dgm:choose name="Name111">
+              <dgm:if name="Name112" func="var" arg="dir" op="equ" val="norm">
+                <dgm:alg type="hierChild">
+                  <dgm:param type="chAlign" val="l"/>
+                  <dgm:param type="linDir" val="fromT"/>
+                  <dgm:param type="secChAlign" val="t"/>
+                  <dgm:param type="secLinDir" val="fromL"/>
+                </dgm:alg>
+              </dgm:if>
+              <dgm:else name="Name113">
+                <dgm:alg type="hierChild">
+                  <dgm:param type="chAlign" val="r"/>
+                  <dgm:param type="linDir" val="fromT"/>
+                  <dgm:param type="secChAlign" val="t"/>
+                  <dgm:param type="secLinDir" val="fromR"/>
+                </dgm:alg>
+              </dgm:else>
+            </dgm:choose>
+            <dgm:shape xmlns:r="http://schemas.openxmlformats.org/officeDocument/2006/relationships" r:blip="">
+              <dgm:adjLst/>
+            </dgm:shape>
+            <dgm:presOf/>
+            <dgm:constrLst/>
+            <dgm:ruleLst/>
+            <dgm:forEach name="rep2b" axis="ch" ptType="asst">
+              <dgm:forEach name="Name114" axis="precedSib" ptType="parTrans" st="-1" cnt="1">
+                <dgm:layoutNode name="Name115">
+                  <dgm:choose name="Name116">
+                    <dgm:if name="Name117" func="var" arg="dir" op="equ" val="norm">
+                      <dgm:alg type="conn">
+                        <dgm:param type="connRout" val="bend"/>
+                        <dgm:param type="dim" val="1D"/>
+                        <dgm:param type="endSty" val="noArr"/>
+                        <dgm:param type="begPts" val="midR"/>
+                        <dgm:param type="endPts" val="bCtr tCtr"/>
+                      </dgm:alg>
+                    </dgm:if>
+                    <dgm:else name="Name118">
+                      <dgm:alg type="conn">
+                        <dgm:param type="connRout" val="bend"/>
+                        <dgm:param type="dim" val="1D"/>
+                        <dgm:param type="endSty" val="noArr"/>
+                        <dgm:param type="begPts" val="midL"/>
+                        <dgm:param type="endPts" val="bCtr tCtr"/>
+                      </dgm:alg>
+                    </dgm:else>
+                  </dgm:choose>
+                  <dgm:shape xmlns:r="http://schemas.openxmlformats.org/officeDocument/2006/relationships" type="conn" r:blip="" zOrderOff="-99999">
+                    <dgm:adjLst/>
+                  </dgm:shape>
+                  <dgm:presOf axis="self"/>
+                  <dgm:constrLst>
+                    <dgm:constr type="begPad"/>
+                    <dgm:constr type="endPad"/>
+                  </dgm:constrLst>
+                  <dgm:ruleLst/>
+                </dgm:layoutNode>
+              </dgm:forEach>
+              <dgm:layoutNode name="hierRoot3">
+                <dgm:varLst>
+                  <dgm:hierBranch val="init"/>
+                </dgm:varLst>
+                <dgm:choose name="Name119">
+                  <dgm:if name="Name120" func="var" arg="hierBranch" op="equ" val="l">
+                    <dgm:choose name="Name121">
+                      <dgm:if name="Name122" func="var" arg="dir" op="equ" val="norm">
+                        <dgm:alg type="hierRoot">
+                          <dgm:param type="hierAlign" val="lT"/>
+                        </dgm:alg>
+                        <dgm:constrLst>
+                          <dgm:constr type="alignOff" val="0.75"/>
+                        </dgm:constrLst>
+                      </dgm:if>
+                      <dgm:else name="Name123">
+                        <dgm:alg type="hierRoot">
+                          <dgm:param type="hierAlign" val="rT"/>
+                        </dgm:alg>
+                        <dgm:constrLst>
+                          <dgm:constr type="alignOff" val="0.75"/>
+                        </dgm:constrLst>
+                      </dgm:else>
+                    </dgm:choose>
+                  </dgm:if>
+                  <dgm:if name="Name124" func="var" arg="hierBranch" op="equ" val="r">
+                    <dgm:choose name="Name125">
+                      <dgm:if name="Name126" func="var" arg="dir" op="equ" val="norm">
+                        <dgm:alg type="hierRoot">
+                          <dgm:param type="hierAlign" val="lB"/>
+                        </dgm:alg>
+                        <dgm:constrLst>
+                          <dgm:constr type="alignOff" val="0.75"/>
+                        </dgm:constrLst>
+                      </dgm:if>
+                      <dgm:else name="Name127">
+                        <dgm:alg type="hierRoot">
+                          <dgm:param type="hierAlign" val="rB"/>
+                        </dgm:alg>
+                        <dgm:constrLst>
+                          <dgm:constr type="alignOff" val="0.75"/>
+                        </dgm:constrLst>
+                      </dgm:else>
+                    </dgm:choose>
+                  </dgm:if>
+                  <dgm:if name="Name128" func="var" arg="hierBranch" op="equ" val="hang">
+                    <dgm:choose name="Name129">
+                      <dgm:if name="Name130" func="var" arg="dir" op="equ" val="norm">
+                        <dgm:alg type="hierRoot">
+                          <dgm:param type="hierAlign" val="lCtrCh"/>
+                        </dgm:alg>
+                        <dgm:constrLst>
+                          <dgm:constr type="alignOff" val="0.65"/>
+                        </dgm:constrLst>
+                      </dgm:if>
+                      <dgm:else name="Name131">
+                        <dgm:alg type="hierRoot">
+                          <dgm:param type="hierAlign" val="rCtrCh"/>
+                        </dgm:alg>
+                        <dgm:constrLst>
+                          <dgm:constr type="alignOff" val="0.65"/>
+                        </dgm:constrLst>
+                      </dgm:else>
+                    </dgm:choose>
+                  </dgm:if>
+                  <dgm:else name="Name132">
+                    <dgm:choose name="Name133">
+                      <dgm:if name="Name134" func="var" arg="dir" op="equ" val="norm">
+                        <dgm:alg type="hierRoot">
+                          <dgm:param type="hierAlign" val="lCtrCh"/>
+                        </dgm:alg>
+                        <dgm:constrLst>
+                          <dgm:constr type="alignOff"/>
+                          <dgm:constr type="bendDist" for="des" ptType="parTrans" refType="sp" fact="0.5"/>
+                        </dgm:constrLst>
+                      </dgm:if>
+                      <dgm:else name="Name135">
+                        <dgm:alg type="hierRoot">
+                          <dgm:param type="hierAlign" val="rCtrCh"/>
+                        </dgm:alg>
+                        <dgm:constrLst>
+                          <dgm:constr type="alignOff"/>
+                          <dgm:constr type="bendDist" for="des" ptType="parTrans" refType="sp" fact="0.5"/>
+                        </dgm:constrLst>
+                      </dgm:else>
+                    </dgm:choose>
+                  </dgm:else>
+                </dgm:choose>
+                <dgm:shape xmlns:r="http://schemas.openxmlformats.org/officeDocument/2006/relationships" r:blip="">
+                  <dgm:adjLst/>
+                </dgm:shape>
+                <dgm:presOf/>
+                <dgm:ruleLst/>
+                <dgm:layoutNode name="rootComposite3">
+                  <dgm:alg type="composite"/>
+                  <dgm:shape xmlns:r="http://schemas.openxmlformats.org/officeDocument/2006/relationships" r:blip="">
+                    <dgm:adjLst/>
+                  </dgm:shape>
+                  <dgm:presOf axis="self" ptType="node" cnt="1"/>
+                  <dgm:choose name="Name136">
+                    <dgm:if name="Name137" func="var" arg="hierBranch" op="equ" val="init">
+                      <dgm:constrLst>
+                        <dgm:constr type="l" for="ch" forName="rootText3"/>
+                        <dgm:constr type="t" for="ch" forName="rootText3"/>
+                        <dgm:constr type="w" for="ch" forName="rootText3" refType="w"/>
+                        <dgm:constr type="h" for="ch" forName="rootText3" refType="h"/>
+                        <dgm:constr type="l" for="ch" forName="rootConnector3"/>
+                        <dgm:constr type="t" for="ch" forName="rootConnector3"/>
+                        <dgm:constr type="w" for="ch" forName="rootConnector3" refType="w" refFor="ch" refForName="rootText3" fact="0.2"/>
+                        <dgm:constr type="h" for="ch" forName="rootConnector3" refType="h" refFor="ch" refForName="rootText3"/>
+                      </dgm:constrLst>
+                    </dgm:if>
+                    <dgm:if name="Name138" func="var" arg="hierBranch" op="equ" val="l">
+                      <dgm:constrLst>
+                        <dgm:constr type="l" for="ch" forName="rootText3"/>
+                        <dgm:constr type="t" for="ch" forName="rootText3"/>
+                        <dgm:constr type="w" for="ch" forName="rootText3" refType="w"/>
+                        <dgm:constr type="h" for="ch" forName="rootText3" refType="h"/>
+                        <dgm:constr type="r" for="ch" forName="rootConnector3" refType="w"/>
+                        <dgm:constr type="t" for="ch" forName="rootConnector3"/>
+                        <dgm:constr type="w" for="ch" forName="rootConnector3" refType="w" refFor="ch" refForName="rootText3" fact="0.2"/>
+                        <dgm:constr type="h" for="ch" forName="rootConnector3" refType="h" refFor="ch" refForName="rootText3"/>
+                      </dgm:constrLst>
+                    </dgm:if>
+                    <dgm:if name="Name139" func="var" arg="hierBranch" op="equ" val="r">
+                      <dgm:constrLst>
+                        <dgm:constr type="l" for="ch" forName="rootText3"/>
+                        <dgm:constr type="t" for="ch" forName="rootText3"/>
+                        <dgm:constr type="w" for="ch" forName="rootText3" refType="w"/>
+                        <dgm:constr type="h" for="ch" forName="rootText3" refType="h"/>
+                        <dgm:constr type="l" for="ch" forName="rootConnector3"/>
+                        <dgm:constr type="t" for="ch" forName="rootConnector3"/>
+                        <dgm:constr type="w" for="ch" forName="rootConnector3" refType="w" refFor="ch" refForName="rootText3" fact="0.2"/>
+                        <dgm:constr type="h" for="ch" forName="rootConnector3" refType="h" refFor="ch" refForName="rootText3"/>
+                      </dgm:constrLst>
+                    </dgm:if>
+                    <dgm:else name="Name140">
+                      <dgm:constrLst>
+                        <dgm:constr type="l" for="ch" forName="rootText3"/>
+                        <dgm:constr type="t" for="ch" forName="rootText3"/>
+                        <dgm:constr type="w" for="ch" forName="rootText3" refType="w"/>
+                        <dgm:constr type="h" for="ch" forName="rootText3" refType="h"/>
+                        <dgm:constr type="r" for="ch" forName="rootConnector3" refType="w"/>
+                        <dgm:constr type="t" for="ch" forName="rootConnector3"/>
+                        <dgm:constr type="w" for="ch" forName="rootConnector3" refType="w" refFor="ch" refForName="rootText3" fact="0.2"/>
+                        <dgm:constr type="h" for="ch" forName="rootConnector3" refType="h" refFor="ch" refForName="rootText3"/>
+                      </dgm:constrLst>
+                    </dgm:else>
+                  </dgm:choose>
+                  <dgm:ruleLst/>
+                  <dgm:layoutNode name="rootText3">
+                    <dgm:varLst>
+                      <dgm:chPref val="3"/>
+                    </dgm:varLst>
+                    <dgm:alg type="tx"/>
+                    <dgm:shape xmlns:r="http://schemas.openxmlformats.org/officeDocument/2006/relationships" type="rect" r:blip="">
+                      <dgm:adjLst/>
+                    </dgm:shape>
+                    <dgm:presOf axis="self" ptType="node" cnt="1"/>
+                    <dgm:constrLst>
+                      <dgm:constr type="primFontSz" val="65"/>
+                      <dgm:constr type="lMarg" refType="primFontSz" fact="0.05"/>
+                      <dgm:constr type="rMarg" refType="primFontSz" fact="0.05"/>
+                      <dgm:constr type="tMarg" refType="primFontSz" fact="0.05"/>
+                      <dgm:constr type="bMarg" refType="primFontSz" fact="0.05"/>
+                    </dgm:constrLst>
+                    <dgm:ruleLst>
+                      <dgm:rule type="primFontSz" val="5" fact="NaN" max="NaN"/>
+                    </dgm:ruleLst>
+                  </dgm:layoutNode>
+                  <dgm:layoutNode name="rootConnector3" moveWith="rootText1">
+                    <dgm:alg type="sp"/>
+                    <dgm:shape xmlns:r="http://schemas.openxmlformats.org/officeDocument/2006/relationships" type="rect" r:blip="" hideGeom="1">
+                      <dgm:adjLst/>
+                    </dgm:shape>
+                    <dgm:presOf axis="self" ptType="node" cnt="1"/>
+                    <dgm:constrLst/>
+                    <dgm:ruleLst/>
+                  </dgm:layoutNode>
+                </dgm:layoutNode>
+                <dgm:layoutNode name="hierChild6">
+                  <dgm:choose name="Name141">
+                    <dgm:if name="Name142" func="var" arg="hierBranch" op="equ" val="l">
+                      <dgm:choose name="Name143">
+                        <dgm:if name="Name144" func="var" arg="dir" op="equ" val="norm">
+                          <dgm:alg type="hierChild">
+                            <dgm:param type="chAlign" val="t"/>
+                            <dgm:param type="linDir" val="fromL"/>
+                          </dgm:alg>
+                        </dgm:if>
+                        <dgm:else name="Name145">
+                          <dgm:alg type="hierChild">
+                            <dgm:param type="chAlign" val="t"/>
+                            <dgm:param type="linDir" val="fromR"/>
+                          </dgm:alg>
+                        </dgm:else>
+                      </dgm:choose>
+                    </dgm:if>
+                    <dgm:if name="Name146" func="var" arg="hierBranch" op="equ" val="r">
+                      <dgm:choose name="Name147">
+                        <dgm:if name="Name148" func="var" arg="dir" op="equ" val="norm">
+                          <dgm:alg type="hierChild">
+                            <dgm:param type="chAlign" val="b"/>
+                            <dgm:param type="linDir" val="fromL"/>
+                          </dgm:alg>
+                        </dgm:if>
+                        <dgm:else name="Name149">
+                          <dgm:alg type="hierChild">
+                            <dgm:param type="chAlign" val="b"/>
+                            <dgm:param type="linDir" val="fromR"/>
+                          </dgm:alg>
+                        </dgm:else>
+                      </dgm:choose>
+                    </dgm:if>
+                    <dgm:if name="Name150" func="var" arg="hierBranch" op="equ" val="hang">
+                      <dgm:choose name="Name151">
+                        <dgm:if name="Name152" func="var" arg="dir" op="equ" val="norm">
+                          <dgm:alg type="hierChild">
+                            <dgm:param type="chAlign" val="l"/>
+                            <dgm:param type="linDir" val="fromT"/>
+                            <dgm:param type="secChAlign" val="t"/>
+                            <dgm:param type="secLinDir" val="fromL"/>
+                          </dgm:alg>
+                        </dgm:if>
+                        <dgm:else name="Name153">
+                          <dgm:alg type="hierChild">
+                            <dgm:param type="chAlign" val="r"/>
+                            <dgm:param type="linDir" val="fromT"/>
+                            <dgm:param type="secChAlign" val="t"/>
+                            <dgm:param type="secLinDir" val="fromR"/>
+                          </dgm:alg>
+                        </dgm:else>
+                      </dgm:choose>
+                    </dgm:if>
+                    <dgm:else name="Name154">
+                      <dgm:choose name="Name155">
+                        <dgm:if name="Name156" func="var" arg="dir" op="equ" val="norm">
+                          <dgm:alg type="hierChild">
+                            <dgm:param type="linDir" val="fromT"/>
+                            <dgm:param type="chAlign" val="l"/>
+                          </dgm:alg>
+                        </dgm:if>
+                        <dgm:else name="Name157">
+                          <dgm:alg type="hierChild">
+                            <dgm:param type="linDir" val="fromT"/>
+                            <dgm:param type="chAlign" val="r"/>
+                          </dgm:alg>
+                        </dgm:else>
+                      </dgm:choose>
+                    </dgm:else>
+                  </dgm:choose>
+                  <dgm:shape xmlns:r="http://schemas.openxmlformats.org/officeDocument/2006/relationships" r:blip="">
+                    <dgm:adjLst/>
+                  </dgm:shape>
+                  <dgm:presOf/>
+                  <dgm:constrLst/>
+                  <dgm:ruleLst/>
+                  <dgm:forEach name="Name158" ref="rep2a"/>
+                </dgm:layoutNode>
+                <dgm:layoutNode name="hierChild7">
+                  <dgm:choose name="Name159">
+                    <dgm:if name="Name160" func="var" arg="dir" op="equ" val="norm">
+                      <dgm:alg type="hierChild">
+                        <dgm:param type="chAlign" val="l"/>
+                        <dgm:param type="linDir" val="fromT"/>
+                        <dgm:param type="secChAlign" val="t"/>
+                        <dgm:param type="secLinDir" val="fromL"/>
+                      </dgm:alg>
+                    </dgm:if>
+                    <dgm:else name="Name161">
+                      <dgm:alg type="hierChild">
+                        <dgm:param type="chAlign" val="r"/>
+                        <dgm:param type="linDir" val="fromT"/>
+                        <dgm:param type="secChAlign" val="t"/>
+                        <dgm:param type="secLinDir" val="fromR"/>
+                      </dgm:alg>
+                    </dgm:else>
+                  </dgm:choose>
+                  <dgm:shape xmlns:r="http://schemas.openxmlformats.org/officeDocument/2006/relationships" r:blip="">
+                    <dgm:adjLst/>
+                  </dgm:shape>
+                  <dgm:presOf/>
+                  <dgm:constrLst/>
+                  <dgm:ruleLst/>
+                  <dgm:forEach name="Name162" ref="rep2b"/>
+                </dgm:layoutNode>
+              </dgm:layoutNode>
+            </dgm:forEach>
+          </dgm:layoutNode>
+        </dgm:layoutNode>
+      </dgm:forEach>
+    </dgm:forEach>
+  </dgm:layoutNode>
+</dgm:layoutDef>
+</file>
+
+<file path=ppt/diagrams/quickStyle1.xml><?xml version="1.0" encoding="utf-8"?>
+<dgm:styleDef xmlns:dgm="http://schemas.openxmlformats.org/drawingml/2006/diagram" xmlns:a="http://schemas.openxmlformats.org/drawingml/2006/main" uniqueId="urn:microsoft.com/office/officeart/2005/8/quickstyle/simple1">
+  <dgm:title val=""/>
+  <dgm:desc val=""/>
+  <dgm:catLst>
+    <dgm:cat type="simple" pri="10100"/>
+  </dgm:catLst>
+  <dgm:scene3d>
+    <a:camera prst="orthographicFront"/>
+    <a:lightRig rig="threePt" dir="t"/>
+  </dgm:scene3d>
+  <dgm:styleLbl name="node0">
+    <dgm:scene3d>
+      <a:camera prst="orthographicFront"/>
+      <a:lightRig rig="threePt" dir="t"/>
+    </dgm:scene3d>
+    <dgm:sp3d/>
+    <dgm:txPr/>
+    <dgm:style>
+      <a:lnRef idx="2">
+        <a:scrgbClr r="0" g="0" b="0"/>
+      </a:lnRef>
+      <a:fillRef idx="1">
+        <a:scrgbClr r="0" g="0" b="0"/>
+      </a:fillRef>
+      <a:effectRef idx="0">
+        <a:scrgbClr r="0" g="0" b="0"/>
+      </a:effectRef>
+      <a:fontRef idx="minor">
+        <a:schemeClr val="lt1"/>
+      </a:fontRef>
+    </dgm:style>
+  </dgm:styleLbl>
+  <dgm:styleLbl name="lnNode1">
+    <dgm:scene3d>
+      <a:camera prst="orthographicFront"/>
+      <a:lightRig rig="threePt" dir="t"/>
+    </dgm:scene3d>
+    <dgm:sp3d/>
+    <dgm:txPr/>
+    <dgm:style>
+      <a:lnRef idx="2">
+        <a:scrgbClr r="0" g="0" b="0"/>
+      </a:lnRef>
+      <a:fillRef idx="1">
+        <a:scrgbClr r="0" g="0" b="0"/>
+      </a:fillRef>
+      <a:effectRef idx="0">
+        <a:scrgbClr r="0" g="0" b="0"/>
+      </a:effectRef>
+      <a:fontRef idx="minor">
+        <a:schemeClr val="lt1"/>
+      </a:fontRef>
+    </dgm:style>
+  </dgm:styleLbl>
+  <dgm:styleLbl name="vennNode1">
+    <dgm:scene3d>
+      <a:camera prst="orthographicFront"/>
+      <a:lightRig rig="threePt" dir="t"/>
+    </dgm:scene3d>
+    <dgm:sp3d/>
+    <dgm:txPr/>
+    <dgm:style>
+      <a:lnRef idx="2">
+        <a:scrgbClr r="0" g="0" b="0"/>
+      </a:lnRef>
+      <a:fillRef idx="1">
+        <a:scrgbClr r="0" g="0" b="0"/>
+      </a:fillRef>
+      <a:effectRef idx="0">
+        <a:scrgbClr r="0" g="0" b="0"/>
+      </a:effectRef>
+      <a:fontRef idx="minor">
+        <a:schemeClr val="tx1"/>
+      </a:fontRef>
+    </dgm:style>
+  </dgm:styleLbl>
+  <dgm:styleLbl name="alignNode1">
+    <dgm:scene3d>
+      <a:camera prst="orthographicFront"/>
+      <a:lightRig rig="threePt" dir="t"/>
+    </dgm:scene3d>
+    <dgm:sp3d/>
+    <dgm:txPr/>
+    <dgm:style>
+      <a:lnRef idx="2">
+        <a:scrgbClr r="0" g="0" b="0"/>
+      </a:lnRef>
+      <a:fillRef idx="1">
+        <a:scrgbClr r="0" g="0" b="0"/>
+      </a:fillRef>
+      <a:effectRef idx="0">
+        <a:scrgbClr r="0" g="0" b="0"/>
+      </a:effectRef>
+      <a:fontRef idx="minor">
+        <a:schemeClr val="lt1"/>
+      </a:fontRef>
+    </dgm:style>
+  </dgm:styleLbl>
+  <dgm:styleLbl name="node1">
+    <dgm:scene3d>
+      <a:camera prst="orthographicFront"/>
+      <a:lightRig rig="threePt" dir="t"/>
+    </dgm:scene3d>
+    <dgm:sp3d/>
+    <dgm:txPr/>
+    <dgm:style>
+      <a:lnRef idx="2">
+        <a:scrgbClr r="0" g="0" b="0"/>
+      </a:lnRef>
+      <a:fillRef idx="1">
+        <a:scrgbClr r="0" g="0" b="0"/>
+      </a:fillRef>
+      <a:effectRef idx="0">
+        <a:scrgbClr r="0" g="0" b="0"/>
+      </a:effectRef>
+      <a:fontRef idx="minor">
+        <a:schemeClr val="lt1"/>
+      </a:fontRef>
+    </dgm:style>
+  </dgm:styleLbl>
+  <dgm:styleLbl name="node2">
+    <dgm:scene3d>
+      <a:camera prst="orthographicFront"/>
+      <a:lightRig rig="threePt" dir="t"/>
+    </dgm:scene3d>
+    <dgm:sp3d/>
+    <dgm:txPr/>
+    <dgm:style>
+      <a:lnRef idx="2">
+        <a:scrgbClr r="0" g="0" b="0"/>
+      </a:lnRef>
+      <a:fillRef idx="1">
+        <a:scrgbClr r="0" g="0" b="0"/>
+      </a:fillRef>
+      <a:effectRef idx="0">
+        <a:scrgbClr r="0" g="0" b="0"/>
+      </a:effectRef>
+      <a:fontRef idx="minor">
+        <a:schemeClr val="lt1"/>
+      </a:fontRef>
+    </dgm:style>
+  </dgm:styleLbl>
+  <dgm:styleLbl name="node3">
+    <dgm:scene3d>
+      <a:camera prst="orthographicFront"/>
+      <a:lightRig rig="threePt" dir="t"/>
+    </dgm:scene3d>
+    <dgm:sp3d/>
+    <dgm:txPr/>
+    <dgm:style>
+      <a:lnRef idx="2">
+        <a:scrgbClr r="0" g="0" b="0"/>
+      </a:lnRef>
+      <a:fillRef idx="1">
+        <a:scrgbClr r="0" g="0" b="0"/>
+      </a:fillRef>
+      <a:effectRef idx="0">
+        <a:scrgbClr r="0" g="0" b="0"/>
+      </a:effectRef>
+      <a:fontRef idx="minor">
+        <a:schemeClr val="lt1"/>
+      </a:fontRef>
+    </dgm:style>
+  </dgm:styleLbl>
+  <dgm:styleLbl name="node4">
+    <dgm:scene3d>
+      <a:camera prst="orthographicFront"/>
+      <a:lightRig rig="threePt" dir="t"/>
+    </dgm:scene3d>
+    <dgm:sp3d/>
+    <dgm:txPr/>
+    <dgm:style>
+      <a:lnRef idx="2">
+        <a:scrgbClr r="0" g="0" b="0"/>
+      </a:lnRef>
+      <a:fillRef idx="1">
+        <a:scrgbClr r="0" g="0" b="0"/>
+      </a:fillRef>
+      <a:effectRef idx="0">
+        <a:scrgbClr r="0" g="0" b="0"/>
+      </a:effectRef>
+      <a:fontRef idx="minor">
+        <a:schemeClr val="lt1"/>
+      </a:fontRef>
+    </dgm:style>
+  </dgm:styleLbl>
+  <dgm:styleLbl name="fgImgPlace1">
+    <dgm:scene3d>
+      <a:camera prst="orthographicFront"/>
+      <a:lightRig rig="threePt" dir="t"/>
+    </dgm:scene3d>
+    <dgm:sp3d/>
+    <dgm:txPr/>
+    <dgm:style>
+      <a:lnRef idx="2">
+        <a:scrgbClr r="0" g="0" b="0"/>
+      </a:lnRef>
+      <a:fillRef idx="1">
+        <a:scrgbClr r="0" g="0" b="0"/>
+      </a:fillRef>
+      <a:effectRef idx="0">
+        <a:scrgbClr r="0" g="0" b="0"/>
+      </a:effectRef>
+      <a:fontRef idx="minor"/>
+    </dgm:style>
+  </dgm:styleLbl>
+  <dgm:styleLbl name="alignImgPlace1">
+    <dgm:scene3d>
+      <a:camera prst="orthographicFront"/>
+      <a:lightRig rig="threePt" dir="t"/>
+    </dgm:scene3d>
+    <dgm:sp3d/>
+    <dgm:txPr/>
+    <dgm:style>
+      <a:lnRef idx="2">
+        <a:scrgbClr r="0" g="0" b="0"/>
+      </a:lnRef>
+      <a:fillRef idx="1">
+        <a:scrgbClr r="0" g="0" b="0"/>
+      </a:fillRef>
+      <a:effectRef idx="0">
+        <a:scrgbClr r="0" g="0" b="0"/>
+      </a:effectRef>
+      <a:fontRef idx="minor"/>
+    </dgm:style>
+  </dgm:styleLbl>
+  <dgm:styleLbl name="bgImgPlace1">
+    <dgm:scene3d>
+      <a:camera prst="orthographicFront"/>
+      <a:lightRig rig="threePt" dir="t"/>
+    </dgm:scene3d>
+    <dgm:sp3d/>
+    <dgm:txPr/>
+    <dgm:style>
+      <a:lnRef idx="2">
+        <a:scrgbClr r="0" g="0" b="0"/>
+      </a:lnRef>
+      <a:fillRef idx="1">
+        <a:scrgbClr r="0" g="0" b="0"/>
+      </a:fillRef>
+      <a:effectRef idx="0">
+        <a:scrgbClr r="0" g="0" b="0"/>
+      </a:effectRef>
+      <a:fontRef idx="minor"/>
+    </dgm:style>
+  </dgm:styleLbl>
+  <dgm:styleLbl name="sibTrans2D1">
+    <dgm:scene3d>
+      <a:camera prst="orthographicFront"/>
+      <a:lightRig rig="threePt" dir="t"/>
+    </dgm:scene3d>
+    <dgm:sp3d/>
+    <dgm:txPr/>
+    <dgm:style>
+      <a:lnRef idx="0">
+        <a:scrgbClr r="0" g="0" b="0"/>
+      </a:lnRef>
+      <a:fillRef idx="1">
+        <a:scrgbClr r="0" g="0" b="0"/>
+      </a:fillRef>
+      <a:effectRef idx="0">
+        <a:scrgbClr r="0" g="0" b="0"/>
+      </a:effectRef>
+      <a:fontRef idx="minor">
+        <a:schemeClr val="lt1"/>
+      </a:fontRef>
+    </dgm:style>
+  </dgm:styleLbl>
+  <dgm:styleLbl name="fgSibTrans2D1">
+    <dgm:scene3d>
+      <a:camera prst="orthographicFront"/>
+      <a:lightRig rig="threePt" dir="t"/>
+    </dgm:scene3d>
+    <dgm:sp3d/>
+    <dgm:txPr/>
+    <dgm:style>
+      <a:lnRef idx="0">
+        <a:scrgbClr r="0" g="0" b="0"/>
+      </a:lnRef>
+      <a:fillRef idx="1">
+        <a:scrgbClr r="0" g="0" b="0"/>
+      </a:fillRef>
+      <a:effectRef idx="0">
+        <a:scrgbClr r="0" g="0" b="0"/>
+      </a:effectRef>
+      <a:fontRef idx="minor">
+        <a:schemeClr val="lt1"/>
+      </a:fontRef>
+    </dgm:style>
+  </dgm:styleLbl>
+  <dgm:styleLbl name="bgSibTrans2D1">
+    <dgm:scene3d>
+      <a:camera prst="orthographicFront"/>
+      <a:lightRig rig="threePt" dir="t"/>
+    </dgm:scene3d>
+    <dgm:sp3d/>
+    <dgm:txPr/>
+    <dgm:style>
+      <a:lnRef idx="0">
+        <a:scrgbClr r="0" g="0" b="0"/>
+      </a:lnRef>
+      <a:fillRef idx="1">
+        <a:scrgbClr r="0" g="0" b="0"/>
+      </a:fillRef>
+      <a:effectRef idx="0">
+        <a:scrgbClr r="0" g="0" b="0"/>
+      </a:effectRef>
+      <a:fontRef idx="minor">
+        <a:schemeClr val="lt1"/>
+      </a:fontRef>
+    </dgm:style>
+  </dgm:styleLbl>
+  <dgm:styleLbl name="sibTrans1D1">
+    <dgm:scene3d>
+      <a:camera prst="orthographicFront"/>
+      <a:lightRig rig="threePt" dir="t"/>
+    </dgm:scene3d>
+    <dgm:sp3d/>
+    <dgm:txPr/>
+    <dgm:style>
+      <a:lnRef idx="1">
+        <a:scrgbClr r="0" g="0" b="0"/>
+      </a:lnRef>
+      <a:fillRef idx="0">
+        <a:scrgbClr r="0" g="0" b="0"/>
+      </a:fillRef>
+      <a:effectRef idx="0">
+        <a:scrgbClr r="0" g="0" b="0"/>
+      </a:effectRef>
+      <a:fontRef idx="minor"/>
+    </dgm:style>
+  </dgm:styleLbl>
+  <dgm:styleLbl name="callout">
+    <dgm:scene3d>
+      <a:camera prst="orthographicFront"/>
+      <a:lightRig rig="threePt" dir="t"/>
+    </dgm:scene3d>
+    <dgm:sp3d/>
+    <dgm:txPr/>
+    <dgm:style>
+      <a:lnRef idx="2">
+        <a:scrgbClr r="0" g="0" b="0"/>
+      </a:lnRef>
+      <a:fillRef idx="1">
+        <a:scrgbClr r="0" g="0" b="0"/>
+      </a:fillRef>
+      <a:effectRef idx="0">
+        <a:scrgbClr r="0" g="0" b="0"/>
+      </a:effectRef>
+      <a:fontRef idx="minor"/>
+    </dgm:style>
+  </dgm:styleLbl>
+  <dgm:styleLbl name="asst0">
+    <dgm:scene3d>
+      <a:camera prst="orthographicFront"/>
+      <a:lightRig rig="threePt" dir="t"/>
+    </dgm:scene3d>
+    <dgm:sp3d/>
+    <dgm:txPr/>
+    <dgm:style>
+      <a:lnRef idx="2">
+        <a:scrgbClr r="0" g="0" b="0"/>
+      </a:lnRef>
+      <a:fillRef idx="1">
+        <a:scrgbClr r="0" g="0" b="0"/>
+      </a:fillRef>
+      <a:effectRef idx="0">
+        <a:scrgbClr r="0" g="0" b="0"/>
+      </a:effectRef>
+      <a:fontRef idx="minor">
+        <a:schemeClr val="lt1"/>
+      </a:fontRef>
+    </dgm:style>
+  </dgm:styleLbl>
+  <dgm:styleLbl name="asst1">
+    <dgm:scene3d>
+      <a:camera prst="orthographicFront"/>
+      <a:lightRig rig="threePt" dir="t"/>
+    </dgm:scene3d>
+    <dgm:sp3d/>
+    <dgm:txPr/>
+    <dgm:style>
+      <a:lnRef idx="2">
+        <a:scrgbClr r="0" g="0" b="0"/>
+      </a:lnRef>
+      <a:fillRef idx="1">
+        <a:scrgbClr r="0" g="0" b="0"/>
+      </a:fillRef>
+      <a:effectRef idx="0">
+        <a:scrgbClr r="0" g="0" b="0"/>
+      </a:effectRef>
+      <a:fontRef idx="minor">
+        <a:schemeClr val="lt1"/>
+      </a:fontRef>
+    </dgm:style>
+  </dgm:styleLbl>
+  <dgm:styleLbl name="asst2">
+    <dgm:scene3d>
+      <a:camera prst="orthographicFront"/>
+      <a:lightRig rig="threePt" dir="t"/>
+    </dgm:scene3d>
+    <dgm:sp3d/>
+    <dgm:txPr/>
+    <dgm:style>
+      <a:lnRef idx="2">
+        <a:scrgbClr r="0" g="0" b="0"/>
+      </a:lnRef>
+      <a:fillRef idx="1">
+        <a:scrgbClr r="0" g="0" b="0"/>
+      </a:fillRef>
+      <a:effectRef idx="0">
+        <a:scrgbClr r="0" g="0" b="0"/>
+      </a:effectRef>
+      <a:fontRef idx="minor">
+        <a:schemeClr val="lt1"/>
+      </a:fontRef>
+    </dgm:style>
+  </dgm:styleLbl>
+  <dgm:styleLbl name="asst3">
+    <dgm:scene3d>
+      <a:camera prst="orthographicFront"/>
+      <a:lightRig rig="threePt" dir="t"/>
+    </dgm:scene3d>
+    <dgm:sp3d/>
+    <dgm:txPr/>
+    <dgm:style>
+      <a:lnRef idx="2">
+        <a:scrgbClr r="0" g="0" b="0"/>
+      </a:lnRef>
+      <a:fillRef idx="1">
+        <a:scrgbClr r="0" g="0" b="0"/>
+      </a:fillRef>
+      <a:effectRef idx="0">
+        <a:scrgbClr r="0" g="0" b="0"/>
+      </a:effectRef>
+      <a:fontRef idx="minor">
+        <a:schemeClr val="lt1"/>
+      </a:fontRef>
+    </dgm:style>
+  </dgm:styleLbl>
+  <dgm:styleLbl name="asst4">
+    <dgm:scene3d>
+      <a:camera prst="orthographicFront"/>
+      <a:lightRig rig="threePt" dir="t"/>
+    </dgm:scene3d>
+    <dgm:sp3d/>
+    <dgm:txPr/>
+    <dgm:style>
+      <a:lnRef idx="2">
+        <a:scrgbClr r="0" g="0" b="0"/>
+      </a:lnRef>
+      <a:fillRef idx="1">
+        <a:scrgbClr r="0" g="0" b="0"/>
+      </a:fillRef>
+      <a:effectRef idx="0">
+        <a:scrgbClr r="0" g="0" b="0"/>
+      </a:effectRef>
+      <a:fontRef idx="minor">
+        <a:schemeClr val="lt1"/>
+      </a:fontRef>
+    </dgm:style>
+  </dgm:styleLbl>
+  <dgm:styleLbl name="parChTrans2D1">
+    <dgm:scene3d>
+      <a:camera prst="orthographicFront"/>
+      <a:lightRig rig="threePt" dir="t"/>
+    </dgm:scene3d>
+    <dgm:sp3d/>
+    <dgm:txPr/>
+    <dgm:style>
+      <a:lnRef idx="2">
+        <a:scrgbClr r="0" g="0" b="0"/>
+      </a:lnRef>
+      <a:fillRef idx="1">
+        <a:scrgbClr r="0" g="0" b="0"/>
+      </a:fillRef>
+      <a:effectRef idx="0">
+        <a:scrgbClr r="0" g="0" b="0"/>
+      </a:effectRef>
+      <a:fontRef idx="minor">
+        <a:schemeClr val="lt1"/>
+      </a:fontRef>
+    </dgm:style>
+  </dgm:styleLbl>
+  <dgm:styleLbl name="parChTrans2D2">
+    <dgm:scene3d>
+      <a:camera prst="orthographicFront"/>
+      <a:lightRig rig="threePt" dir="t"/>
+    </dgm:scene3d>
+    <dgm:sp3d/>
+    <dgm:txPr/>
+    <dgm:style>
+      <a:lnRef idx="2">
+        <a:scrgbClr r="0" g="0" b="0"/>
+      </a:lnRef>
+      <a:fillRef idx="1">
+        <a:scrgbClr r="0" g="0" b="0"/>
+      </a:fillRef>
+      <a:effectRef idx="0">
+        <a:scrgbClr r="0" g="0" b="0"/>
+      </a:effectRef>
+      <a:fontRef idx="minor">
+        <a:schemeClr val="lt1"/>
+      </a:fontRef>
+    </dgm:style>
+  </dgm:styleLbl>
+  <dgm:styleLbl name="parChTrans2D3">
+    <dgm:scene3d>
+      <a:camera prst="orthographicFront"/>
+      <a:lightRig rig="threePt" dir="t"/>
+    </dgm:scene3d>
+    <dgm:sp3d/>
+    <dgm:txPr/>
+    <dgm:style>
+      <a:lnRef idx="2">
+        <a:scrgbClr r="0" g="0" b="0"/>
+      </a:lnRef>
+      <a:fillRef idx="1">
+        <a:scrgbClr r="0" g="0" b="0"/>
+      </a:fillRef>
+      <a:effectRef idx="0">
+        <a:scrgbClr r="0" g="0" b="0"/>
+      </a:effectRef>
+      <a:fontRef idx="minor">
+        <a:schemeClr val="lt1"/>
+      </a:fontRef>
+    </dgm:style>
+  </dgm:styleLbl>
+  <dgm:styleLbl name="parChTrans2D4">
+    <dgm:scene3d>
+      <a:camera prst="orthographicFront"/>
+      <a:lightRig rig="threePt" dir="t"/>
+    </dgm:scene3d>
+    <dgm:sp3d/>
+    <dgm:txPr/>
+    <dgm:style>
+      <a:lnRef idx="2">
+        <a:scrgbClr r="0" g="0" b="0"/>
+      </a:lnRef>
+      <a:fillRef idx="1">
+        <a:scrgbClr r="0" g="0" b="0"/>
+      </a:fillRef>
+      <a:effectRef idx="0">
+        <a:scrgbClr r="0" g="0" b="0"/>
+      </a:effectRef>
+      <a:fontRef idx="minor">
+        <a:schemeClr val="lt1"/>
+      </a:fontRef>
+    </dgm:style>
+  </dgm:styleLbl>
+  <dgm:styleLbl name="parChTrans1D1">
+    <dgm:scene3d>
+      <a:camera prst="orthographicFront"/>
+      <a:lightRig rig="threePt" dir="t"/>
+    </dgm:scene3d>
+    <dgm:sp3d/>
+    <dgm:txPr/>
+    <dgm:style>
+      <a:lnRef idx="2">
+        <a:scrgbClr r="0" g="0" b="0"/>
+      </a:lnRef>
+      <a:fillRef idx="0">
+        <a:scrgbClr r="0" g="0" b="0"/>
+      </a:fillRef>
+      <a:effectRef idx="0">
+        <a:scrgbClr r="0" g="0" b="0"/>
+      </a:effectRef>
+      <a:fontRef idx="minor"/>
+    </dgm:style>
+  </dgm:styleLbl>
+  <dgm:styleLbl name="parChTrans1D2">
+    <dgm:scene3d>
+      <a:camera prst="orthographicFront"/>
+      <a:lightRig rig="threePt" dir="t"/>
+    </dgm:scene3d>
+    <dgm:sp3d/>
+    <dgm:txPr/>
+    <dgm:style>
+      <a:lnRef idx="2">
+        <a:scrgbClr r="0" g="0" b="0"/>
+      </a:lnRef>
+      <a:fillRef idx="0">
+        <a:scrgbClr r="0" g="0" b="0"/>
+      </a:fillRef>
+      <a:effectRef idx="0">
+        <a:scrgbClr r="0" g="0" b="0"/>
+      </a:effectRef>
+      <a:fontRef idx="minor"/>
+    </dgm:style>
+  </dgm:styleLbl>
+  <dgm:styleLbl name="parChTrans1D3">
+    <dgm:scene3d>
+      <a:camera prst="orthographicFront"/>
+      <a:lightRig rig="threePt" dir="t"/>
+    </dgm:scene3d>
+    <dgm:sp3d/>
+    <dgm:txPr/>
+    <dgm:style>
+      <a:lnRef idx="2">
+        <a:scrgbClr r="0" g="0" b="0"/>
+      </a:lnRef>
+      <a:fillRef idx="0">
+        <a:scrgbClr r="0" g="0" b="0"/>
+      </a:fillRef>
+      <a:effectRef idx="0">
+        <a:scrgbClr r="0" g="0" b="0"/>
+      </a:effectRef>
+      <a:fontRef idx="minor"/>
+    </dgm:style>
+  </dgm:styleLbl>
+  <dgm:styleLbl name="parChTrans1D4">
+    <dgm:scene3d>
+      <a:camera prst="orthographicFront"/>
+      <a:lightRig rig="threePt" dir="t"/>
+    </dgm:scene3d>
+    <dgm:sp3d/>
+    <dgm:txPr/>
+    <dgm:style>
+      <a:lnRef idx="2">
+        <a:scrgbClr r="0" g="0" b="0"/>
+      </a:lnRef>
+      <a:fillRef idx="0">
+        <a:scrgbClr r="0" g="0" b="0"/>
+      </a:fillRef>
+      <a:effectRef idx="0">
+        <a:scrgbClr r="0" g="0" b="0"/>
+      </a:effectRef>
+      <a:fontRef idx="minor"/>
+    </dgm:style>
+  </dgm:styleLbl>
+  <dgm:styleLbl name="fgAcc1">
+    <dgm:scene3d>
+      <a:camera prst="orthographicFront"/>
+      <a:lightRig rig="threePt" dir="t"/>
+    </dgm:scene3d>
+    <dgm:sp3d/>
+    <dgm:txPr/>
+    <dgm:style>
+      <a:lnRef idx="2">
+        <a:scrgbClr r="0" g="0" b="0"/>
+      </a:lnRef>
+      <a:fillRef idx="1">
+        <a:scrgbClr r="0" g="0" b="0"/>
+      </a:fillRef>
+      <a:effectRef idx="0">
+        <a:scrgbClr r="0" g="0" b="0"/>
+      </a:effectRef>
+      <a:fontRef idx="minor"/>
+    </dgm:style>
+  </dgm:styleLbl>
+  <dgm:styleLbl name="conFgAcc1">
+    <dgm:scene3d>
+      <a:camera prst="orthographicFront"/>
+      <a:lightRig rig="threePt" dir="t"/>
+    </dgm:scene3d>
+    <dgm:sp3d/>
+    <dgm:txPr/>
+    <dgm:style>
+      <a:lnRef idx="2">
+        <a:scrgbClr r="0" g="0" b="0"/>
+      </a:lnRef>
+      <a:fillRef idx="1">
+        <a:scrgbClr r="0" g="0" b="0"/>
+      </a:fillRef>
+      <a:effectRef idx="0">
+        <a:scrgbClr r="0" g="0" b="0"/>
+      </a:effectRef>
+      <a:fontRef idx="minor"/>
+    </dgm:style>
+  </dgm:styleLbl>
+  <dgm:styleLbl name="alignAcc1">
+    <dgm:scene3d>
+      <a:camera prst="orthographicFront"/>
+      <a:lightRig rig="threePt" dir="t"/>
+    </dgm:scene3d>
+    <dgm:sp3d/>
+    <dgm:txPr/>
+    <dgm:style>
+      <a:lnRef idx="2">
+        <a:scrgbClr r="0" g="0" b="0"/>
+      </a:lnRef>
+      <a:fillRef idx="1">
+        <a:scrgbClr r="0" g="0" b="0"/>
+      </a:fillRef>
+      <a:effectRef idx="0">
+        <a:scrgbClr r="0" g="0" b="0"/>
+      </a:effectRef>
+      <a:fontRef idx="minor"/>
+    </dgm:style>
+  </dgm:styleLbl>
+  <dgm:styleLbl name="trAlignAcc1">
+    <dgm:scene3d>
+      <a:camera prst="orthographicFront"/>
+      <a:lightRig rig="threePt" dir="t"/>
+    </dgm:scene3d>
+    <dgm:sp3d/>
+    <dgm:txPr/>
+    <dgm:style>
+      <a:lnRef idx="1">
+        <a:scrgbClr r="0" g="0" b="0"/>
+      </a:lnRef>
+      <a:fillRef idx="1">
+        <a:scrgbClr r="0" g="0" b="0"/>
+      </a:fillRef>
+      <a:effectRef idx="0">
+        <a:scrgbClr r="0" g="0" b="0"/>
+      </a:effectRef>
+      <a:fontRef idx="minor"/>
+    </dgm:style>
+  </dgm:styleLbl>
+  <dgm:styleLbl name="bgAcc1">
+    <dgm:scene3d>
+      <a:camera prst="orthographicFront"/>
+      <a:lightRig rig="threePt" dir="t"/>
+    </dgm:scene3d>
+    <dgm:sp3d/>
+    <dgm:txPr/>
+    <dgm:style>
+      <a:lnRef idx="2">
+        <a:scrgbClr r="0" g="0" b="0"/>
+      </a:lnRef>
+      <a:fillRef idx="1">
+        <a:scrgbClr r="0" g="0" b="0"/>
+      </a:fillRef>
+      <a:effectRef idx="0">
+        <a:scrgbClr r="0" g="0" b="0"/>
+      </a:effectRef>
+      <a:fontRef idx="minor"/>
+    </dgm:style>
+  </dgm:styleLbl>
+  <dgm:styleLbl name="solidFgAcc1">
+    <dgm:scene3d>
+      <a:camera prst="orthographicFront"/>
+      <a:lightRig rig="threePt" dir="t"/>
+    </dgm:scene3d>
+    <dgm:sp3d/>
+    <dgm:txPr/>
+    <dgm:style>
+      <a:lnRef idx="2">
+        <a:scrgbClr r="0" g="0" b="0"/>
+      </a:lnRef>
+      <a:fillRef idx="1">
+        <a:scrgbClr r="0" g="0" b="0"/>
+      </a:fillRef>
+      <a:effectRef idx="0">
+        <a:scrgbClr r="0" g="0" b="0"/>
+      </a:effectRef>
+      <a:fontRef idx="minor"/>
+    </dgm:style>
+  </dgm:styleLbl>
+  <dgm:styleLbl name="solidAlignAcc1">
+    <dgm:scene3d>
+      <a:camera prst="orthographicFront"/>
+      <a:lightRig rig="threePt" dir="t"/>
+    </dgm:scene3d>
+    <dgm:sp3d/>
+    <dgm:txPr/>
+    <dgm:style>
+      <a:lnRef idx="2">
+        <a:scrgbClr r="0" g="0" b="0"/>
+      </a:lnRef>
+      <a:fillRef idx="1">
+        <a:scrgbClr r="0" g="0" b="0"/>
+      </a:fillRef>
+      <a:effectRef idx="0">
+        <a:scrgbClr r="0" g="0" b="0"/>
+      </a:effectRef>
+      <a:fontRef idx="minor"/>
+    </dgm:style>
+  </dgm:styleLbl>
+  <dgm:styleLbl name="solidBgAcc1">
+    <dgm:scene3d>
+      <a:camera prst="orthographicFront"/>
+      <a:lightRig rig="threePt" dir="t"/>
+    </dgm:scene3d>
+    <dgm:sp3d/>
+    <dgm:txPr/>
+    <dgm:style>
+      <a:lnRef idx="2">
+        <a:scrgbClr r="0" g="0" b="0"/>
+      </a:lnRef>
+      <a:fillRef idx="1">
+        <a:scrgbClr r="0" g="0" b="0"/>
+      </a:fillRef>
+      <a:effectRef idx="0">
+        <a:scrgbClr r="0" g="0" b="0"/>
+      </a:effectRef>
+      <a:fontRef idx="minor"/>
+    </dgm:style>
+  </dgm:styleLbl>
+  <dgm:styleLbl name="fgAccFollowNode1">
+    <dgm:scene3d>
+      <a:camera prst="orthographicFront"/>
+      <a:lightRig rig="threePt" dir="t"/>
+    </dgm:scene3d>
+    <dgm:sp3d/>
+    <dgm:txPr/>
+    <dgm:style>
+      <a:lnRef idx="2">
+        <a:scrgbClr r="0" g="0" b="0"/>
+      </a:lnRef>
+      <a:fillRef idx="1">
+        <a:scrgbClr r="0" g="0" b="0"/>
+      </a:fillRef>
+      <a:effectRef idx="0">
+        <a:scrgbClr r="0" g="0" b="0"/>
+      </a:effectRef>
+      <a:fontRef idx="minor"/>
+    </dgm:style>
+  </dgm:styleLbl>
+  <dgm:styleLbl name="alignAccFollowNode1">
+    <dgm:scene3d>
+      <a:camera prst="orthographicFront"/>
+      <a:lightRig rig="threePt" dir="t"/>
+    </dgm:scene3d>
+    <dgm:sp3d/>
+    <dgm:txPr/>
+    <dgm:style>
+      <a:lnRef idx="2">
+        <a:scrgbClr r="0" g="0" b="0"/>
+      </a:lnRef>
+      <a:fillRef idx="1">
+        <a:scrgbClr r="0" g="0" b="0"/>
+      </a:fillRef>
+      <a:effectRef idx="0">
+        <a:scrgbClr r="0" g="0" b="0"/>
+      </a:effectRef>
+      <a:fontRef idx="minor"/>
+    </dgm:style>
+  </dgm:styleLbl>
+  <dgm:styleLbl name="bgAccFollowNode1">
+    <dgm:scene3d>
+      <a:camera prst="orthographicFront"/>
+      <a:lightRig rig="threePt" dir="t"/>
+    </dgm:scene3d>
+    <dgm:sp3d/>
+    <dgm:txPr/>
+    <dgm:style>
+      <a:lnRef idx="2">
+        <a:scrgbClr r="0" g="0" b="0"/>
+      </a:lnRef>
+      <a:fillRef idx="1">
+        <a:scrgbClr r="0" g="0" b="0"/>
+      </a:fillRef>
+      <a:effectRef idx="0">
+        <a:scrgbClr r="0" g="0" b="0"/>
+      </a:effectRef>
+      <a:fontRef idx="minor"/>
+    </dgm:style>
+  </dgm:styleLbl>
+  <dgm:styleLbl name="fgAcc0">
+    <dgm:scene3d>
+      <a:camera prst="orthographicFront"/>
+      <a:lightRig rig="threePt" dir="t"/>
+    </dgm:scene3d>
+    <dgm:sp3d/>
+    <dgm:txPr/>
+    <dgm:style>
+      <a:lnRef idx="2">
+        <a:scrgbClr r="0" g="0" b="0"/>
+      </a:lnRef>
+      <a:fillRef idx="1">
+        <a:scrgbClr r="0" g="0" b="0"/>
+      </a:fillRef>
+      <a:effectRef idx="0">
+        <a:scrgbClr r="0" g="0" b="0"/>
+      </a:effectRef>
+      <a:fontRef idx="minor"/>
+    </dgm:style>
+  </dgm:styleLbl>
+  <dgm:styleLbl name="fgAcc2">
+    <dgm:scene3d>
+      <a:camera prst="orthographicFront"/>
+      <a:lightRig rig="threePt" dir="t"/>
+    </dgm:scene3d>
+    <dgm:sp3d/>
+    <dgm:txPr/>
+    <dgm:style>
+      <a:lnRef idx="2">
+        <a:scrgbClr r="0" g="0" b="0"/>
+      </a:lnRef>
+      <a:fillRef idx="1">
+        <a:scrgbClr r="0" g="0" b="0"/>
+      </a:fillRef>
+      <a:effectRef idx="0">
+        <a:scrgbClr r="0" g="0" b="0"/>
+      </a:effectRef>
+      <a:fontRef idx="minor"/>
+    </dgm:style>
+  </dgm:styleLbl>
+  <dgm:styleLbl name="fgAcc3">
+    <dgm:scene3d>
+      <a:camera prst="orthographicFront"/>
+      <a:lightRig rig="threePt" dir="t"/>
+    </dgm:scene3d>
+    <dgm:sp3d/>
+    <dgm:txPr/>
+    <dgm:style>
+      <a:lnRef idx="2">
+        <a:scrgbClr r="0" g="0" b="0"/>
+      </a:lnRef>
+      <a:fillRef idx="1">
+        <a:scrgbClr r="0" g="0" b="0"/>
+      </a:fillRef>
+      <a:effectRef idx="0">
+        <a:scrgbClr r="0" g="0" b="0"/>
+      </a:effectRef>
+      <a:fontRef idx="minor"/>
+    </dgm:style>
+  </dgm:styleLbl>
+  <dgm:styleLbl name="fgAcc4">
+    <dgm:scene3d>
+      <a:camera prst="orthographicFront"/>
+      <a:lightRig rig="threePt" dir="t"/>
+    </dgm:scene3d>
+    <dgm:sp3d/>
+    <dgm:txPr/>
+    <dgm:style>
+      <a:lnRef idx="2">
+        <a:scrgbClr r="0" g="0" b="0"/>
+      </a:lnRef>
+      <a:fillRef idx="1">
+        <a:scrgbClr r="0" g="0" b="0"/>
+      </a:fillRef>
+      <a:effectRef idx="0">
+        <a:scrgbClr r="0" g="0" b="0"/>
+      </a:effectRef>
+      <a:fontRef idx="minor"/>
+    </dgm:style>
+  </dgm:styleLbl>
+  <dgm:styleLbl name="bgShp">
+    <dgm:scene3d>
+      <a:camera prst="orthographicFront"/>
+      <a:lightRig rig="threePt" dir="t"/>
+    </dgm:scene3d>
+    <dgm:sp3d/>
+    <dgm:txPr/>
+    <dgm:style>
+      <a:lnRef idx="0">
+        <a:scrgbClr r="0" g="0" b="0"/>
+      </a:lnRef>
+      <a:fillRef idx="1">
+        <a:scrgbClr r="0" g="0" b="0"/>
+      </a:fillRef>
+      <a:effectRef idx="0">
+        <a:scrgbClr r="0" g="0" b="0"/>
+      </a:effectRef>
+      <a:fontRef idx="minor"/>
+    </dgm:style>
+  </dgm:styleLbl>
+  <dgm:styleLbl name="dkBgShp">
+    <dgm:scene3d>
+      <a:camera prst="orthographicFront"/>
+      <a:lightRig rig="threePt" dir="t"/>
+    </dgm:scene3d>
+    <dgm:sp3d/>
+    <dgm:txPr/>
+    <dgm:style>
+      <a:lnRef idx="0">
+        <a:scrgbClr r="0" g="0" b="0"/>
+      </a:lnRef>
+      <a:fillRef idx="1">
+        <a:scrgbClr r="0" g="0" b="0"/>
+      </a:fillRef>
+      <a:effectRef idx="0">
+        <a:scrgbClr r="0" g="0" b="0"/>
+      </a:effectRef>
+      <a:fontRef idx="minor"/>
+    </dgm:style>
+  </dgm:styleLbl>
+  <dgm:styleLbl name="trBgShp">
+    <dgm:scene3d>
+      <a:camera prst="orthographicFront"/>
+      <a:lightRig rig="threePt" dir="t"/>
+    </dgm:scene3d>
+    <dgm:sp3d/>
+    <dgm:txPr/>
+    <dgm:style>
+      <a:lnRef idx="0">
+        <a:scrgbClr r="0" g="0" b="0"/>
+      </a:lnRef>
+      <a:fillRef idx="1">
+        <a:scrgbClr r="0" g="0" b="0"/>
+      </a:fillRef>
+      <a:effectRef idx="0">
+        <a:scrgbClr r="0" g="0" b="0"/>
+      </a:effectRef>
+      <a:fontRef idx="minor"/>
+    </dgm:style>
+  </dgm:styleLbl>
+  <dgm:styleLbl name="fgShp">
+    <dgm:scene3d>
+      <a:camera prst="orthographicFront"/>
+      <a:lightRig rig="threePt" dir="t"/>
+    </dgm:scene3d>
+    <dgm:sp3d/>
+    <dgm:txPr/>
+    <dgm:style>
+      <a:lnRef idx="2">
+        <a:scrgbClr r="0" g="0" b="0"/>
+      </a:lnRef>
+      <a:fillRef idx="1">
+        <a:scrgbClr r="0" g="0" b="0"/>
+      </a:fillRef>
+      <a:effectRef idx="0">
+        <a:scrgbClr r="0" g="0" b="0"/>
+      </a:effectRef>
+      <a:fontRef idx="minor"/>
+    </dgm:style>
+  </dgm:styleLbl>
+  <dgm:styleLbl name="revTx">
+    <dgm:scene3d>
+      <a:camera prst="orthographicFront"/>
+      <a:lightRig rig="threePt" dir="t"/>
+    </dgm:scene3d>
+    <dgm:sp3d/>
+    <dgm:txPr/>
+    <dgm:style>
+      <a:lnRef idx="0">
+        <a:scrgbClr r="0" g="0" b="0"/>
+      </a:lnRef>
+      <a:fillRef idx="0">
+        <a:scrgbClr r="0" g="0" b="0"/>
+      </a:fillRef>
+      <a:effectRef idx="0">
+        <a:scrgbClr r="0" g="0" b="0"/>
+      </a:effectRef>
+      <a:fontRef idx="minor"/>
+    </dgm:style>
+  </dgm:styleLbl>
+</dgm:styleDef>
 </file>
 
 <file path=ppt/notesMasters/notesMaster1.xml><?xml version="1.0" encoding="utf-8"?>
@@ -209,7 +5305,7 @@
           <a:p>
             <a:fld id="{6CD5550B-26C4-49A9-A5BA-636EF7BE6CE9}" type="datetimeFigureOut">
               <a:rPr lang="ko-KR" altLang="en-US" smtClean="0"/>
-              <a:t>2017-12-13</a:t>
+              <a:t>2017-12-18</a:t>
             </a:fld>
             <a:endParaRPr lang="ko-KR" altLang="en-US"/>
           </a:p>
@@ -677,6 +5773,206 @@
 </p:notes>
 </file>
 
+<file path=ppt/notesSlides/notesSlide3.xml><?xml version="1.0" encoding="utf-8"?>
+<p:notes xmlns:a="http://schemas.openxmlformats.org/drawingml/2006/main" xmlns:r="http://schemas.openxmlformats.org/officeDocument/2006/relationships" xmlns:p="http://schemas.openxmlformats.org/presentationml/2006/main">
+  <p:cSld>
+    <p:spTree>
+      <p:nvGrpSpPr>
+        <p:cNvPr id="1" name=""/>
+        <p:cNvGrpSpPr/>
+        <p:nvPr/>
+      </p:nvGrpSpPr>
+      <p:grpSpPr>
+        <a:xfrm>
+          <a:off x="0" y="0"/>
+          <a:ext cx="0" cy="0"/>
+          <a:chOff x="0" y="0"/>
+          <a:chExt cx="0" cy="0"/>
+        </a:xfrm>
+      </p:grpSpPr>
+      <p:sp>
+        <p:nvSpPr>
+          <p:cNvPr id="2" name="슬라이드 이미지 개체 틀 1"/>
+          <p:cNvSpPr>
+            <a:spLocks noGrp="1" noRot="1" noChangeAspect="1"/>
+          </p:cNvSpPr>
+          <p:nvPr>
+            <p:ph type="sldImg"/>
+          </p:nvPr>
+        </p:nvSpPr>
+        <p:spPr/>
+      </p:sp>
+      <p:sp>
+        <p:nvSpPr>
+          <p:cNvPr id="3" name="슬라이드 노트 개체 틀 2"/>
+          <p:cNvSpPr>
+            <a:spLocks noGrp="1"/>
+          </p:cNvSpPr>
+          <p:nvPr>
+            <p:ph type="body" idx="1"/>
+          </p:nvPr>
+        </p:nvSpPr>
+        <p:spPr/>
+        <p:txBody>
+          <a:bodyPr/>
+          <a:lstStyle/>
+          <a:p>
+            <a:r>
+              <a:rPr lang="en-US" altLang="ko-KR" dirty="0" smtClean="0"/>
+              <a:t>1. </a:t>
+            </a:r>
+            <a:r>
+              <a:rPr lang="en-US" altLang="ko-KR" dirty="0" err="1" smtClean="0"/>
+              <a:t>AppArmor</a:t>
+            </a:r>
+            <a:r>
+              <a:rPr lang="en-US" altLang="ko-KR" baseline="0" dirty="0" smtClean="0"/>
+              <a:t> </a:t>
+            </a:r>
+            <a:r>
+              <a:rPr lang="ko-KR" altLang="en-US" baseline="0" dirty="0" smtClean="0"/>
+              <a:t>변경 권한</a:t>
+            </a:r>
+            <a:endParaRPr lang="ko-KR" altLang="en-US" dirty="0"/>
+          </a:p>
+        </p:txBody>
+      </p:sp>
+      <p:sp>
+        <p:nvSpPr>
+          <p:cNvPr id="4" name="슬라이드 번호 개체 틀 3"/>
+          <p:cNvSpPr>
+            <a:spLocks noGrp="1"/>
+          </p:cNvSpPr>
+          <p:nvPr>
+            <p:ph type="sldNum" sz="quarter" idx="10"/>
+          </p:nvPr>
+        </p:nvSpPr>
+        <p:spPr/>
+        <p:txBody>
+          <a:bodyPr/>
+          <a:lstStyle/>
+          <a:p>
+            <a:fld id="{BA5DFA43-8D57-47FB-BC46-057616015C3B}" type="slidenum">
+              <a:rPr lang="ko-KR" altLang="en-US" smtClean="0"/>
+              <a:t>3</a:t>
+            </a:fld>
+            <a:endParaRPr lang="ko-KR" altLang="en-US"/>
+          </a:p>
+        </p:txBody>
+      </p:sp>
+    </p:spTree>
+    <p:extLst>
+      <p:ext uri="{BB962C8B-B14F-4D97-AF65-F5344CB8AC3E}">
+        <p14:creationId xmlns:p14="http://schemas.microsoft.com/office/powerpoint/2010/main" val="2887953239"/>
+      </p:ext>
+    </p:extLst>
+  </p:cSld>
+  <p:clrMapOvr>
+    <a:masterClrMapping/>
+  </p:clrMapOvr>
+</p:notes>
+</file>
+
+<file path=ppt/notesSlides/notesSlide4.xml><?xml version="1.0" encoding="utf-8"?>
+<p:notes xmlns:a="http://schemas.openxmlformats.org/drawingml/2006/main" xmlns:r="http://schemas.openxmlformats.org/officeDocument/2006/relationships" xmlns:p="http://schemas.openxmlformats.org/presentationml/2006/main">
+  <p:cSld>
+    <p:spTree>
+      <p:nvGrpSpPr>
+        <p:cNvPr id="1" name=""/>
+        <p:cNvGrpSpPr/>
+        <p:nvPr/>
+      </p:nvGrpSpPr>
+      <p:grpSpPr>
+        <a:xfrm>
+          <a:off x="0" y="0"/>
+          <a:ext cx="0" cy="0"/>
+          <a:chOff x="0" y="0"/>
+          <a:chExt cx="0" cy="0"/>
+        </a:xfrm>
+      </p:grpSpPr>
+      <p:sp>
+        <p:nvSpPr>
+          <p:cNvPr id="2" name="슬라이드 이미지 개체 틀 1"/>
+          <p:cNvSpPr>
+            <a:spLocks noGrp="1" noRot="1" noChangeAspect="1"/>
+          </p:cNvSpPr>
+          <p:nvPr>
+            <p:ph type="sldImg"/>
+          </p:nvPr>
+        </p:nvSpPr>
+        <p:spPr/>
+      </p:sp>
+      <p:sp>
+        <p:nvSpPr>
+          <p:cNvPr id="3" name="슬라이드 노트 개체 틀 2"/>
+          <p:cNvSpPr>
+            <a:spLocks noGrp="1"/>
+          </p:cNvSpPr>
+          <p:nvPr>
+            <p:ph type="body" idx="1"/>
+          </p:nvPr>
+        </p:nvSpPr>
+        <p:spPr/>
+        <p:txBody>
+          <a:bodyPr/>
+          <a:lstStyle/>
+          <a:p>
+            <a:r>
+              <a:rPr lang="en-US" altLang="ko-KR" dirty="0" smtClean="0"/>
+              <a:t>1. </a:t>
+            </a:r>
+            <a:r>
+              <a:rPr lang="en-US" altLang="ko-KR" dirty="0" err="1" smtClean="0"/>
+              <a:t>AppArmor</a:t>
+            </a:r>
+            <a:r>
+              <a:rPr lang="en-US" altLang="ko-KR" baseline="0" dirty="0" smtClean="0"/>
+              <a:t> </a:t>
+            </a:r>
+            <a:r>
+              <a:rPr lang="ko-KR" altLang="en-US" baseline="0" dirty="0" smtClean="0"/>
+              <a:t>변경 권한</a:t>
+            </a:r>
+            <a:endParaRPr lang="ko-KR" altLang="en-US" dirty="0"/>
+          </a:p>
+        </p:txBody>
+      </p:sp>
+      <p:sp>
+        <p:nvSpPr>
+          <p:cNvPr id="4" name="슬라이드 번호 개체 틀 3"/>
+          <p:cNvSpPr>
+            <a:spLocks noGrp="1"/>
+          </p:cNvSpPr>
+          <p:nvPr>
+            <p:ph type="sldNum" sz="quarter" idx="10"/>
+          </p:nvPr>
+        </p:nvSpPr>
+        <p:spPr/>
+        <p:txBody>
+          <a:bodyPr/>
+          <a:lstStyle/>
+          <a:p>
+            <a:fld id="{BA5DFA43-8D57-47FB-BC46-057616015C3B}" type="slidenum">
+              <a:rPr lang="ko-KR" altLang="en-US" smtClean="0"/>
+              <a:t>4</a:t>
+            </a:fld>
+            <a:endParaRPr lang="ko-KR" altLang="en-US"/>
+          </a:p>
+        </p:txBody>
+      </p:sp>
+    </p:spTree>
+    <p:extLst>
+      <p:ext uri="{BB962C8B-B14F-4D97-AF65-F5344CB8AC3E}">
+        <p14:creationId xmlns:p14="http://schemas.microsoft.com/office/powerpoint/2010/main" val="2887953239"/>
+      </p:ext>
+    </p:extLst>
+  </p:cSld>
+  <p:clrMapOvr>
+    <a:masterClrMapping/>
+  </p:clrMapOvr>
+</p:notes>
+</file>
+
 <file path=ppt/slideLayouts/slideLayout1.xml><?xml version="1.0" encoding="utf-8"?>
 <p:sldLayout xmlns:a="http://schemas.openxmlformats.org/drawingml/2006/main" xmlns:r="http://schemas.openxmlformats.org/officeDocument/2006/relationships" xmlns:p="http://schemas.openxmlformats.org/presentationml/2006/main" type="title" preserve="1">
   <p:cSld name="제목 슬라이드">
@@ -858,7 +6154,7 @@
           <a:p>
             <a:fld id="{FB30EDBD-1C2D-4C1E-B459-B60219FAB484}" type="datetimeFigureOut">
               <a:rPr lang="ko-KR" altLang="en-US" smtClean="0"/>
-              <a:t>2017-12-13</a:t>
+              <a:t>2017-12-18</a:t>
             </a:fld>
             <a:endParaRPr lang="ko-KR" altLang="en-US"/>
           </a:p>
@@ -1023,7 +6319,7 @@
           <a:p>
             <a:fld id="{FB30EDBD-1C2D-4C1E-B459-B60219FAB484}" type="datetimeFigureOut">
               <a:rPr lang="ko-KR" altLang="en-US" smtClean="0"/>
-              <a:t>2017-12-13</a:t>
+              <a:t>2017-12-18</a:t>
             </a:fld>
             <a:endParaRPr lang="ko-KR" altLang="en-US"/>
           </a:p>
@@ -1198,7 +6494,7 @@
           <a:p>
             <a:fld id="{FB30EDBD-1C2D-4C1E-B459-B60219FAB484}" type="datetimeFigureOut">
               <a:rPr lang="ko-KR" altLang="en-US" smtClean="0"/>
-              <a:t>2017-12-13</a:t>
+              <a:t>2017-12-18</a:t>
             </a:fld>
             <a:endParaRPr lang="ko-KR" altLang="en-US"/>
           </a:p>
@@ -1363,7 +6659,7 @@
           <a:p>
             <a:fld id="{FB30EDBD-1C2D-4C1E-B459-B60219FAB484}" type="datetimeFigureOut">
               <a:rPr lang="ko-KR" altLang="en-US" smtClean="0"/>
-              <a:t>2017-12-13</a:t>
+              <a:t>2017-12-18</a:t>
             </a:fld>
             <a:endParaRPr lang="ko-KR" altLang="en-US"/>
           </a:p>
@@ -1611,7 +6907,7 @@
           <a:p>
             <a:fld id="{FB30EDBD-1C2D-4C1E-B459-B60219FAB484}" type="datetimeFigureOut">
               <a:rPr lang="ko-KR" altLang="en-US" smtClean="0"/>
-              <a:t>2017-12-13</a:t>
+              <a:t>2017-12-18</a:t>
             </a:fld>
             <a:endParaRPr lang="ko-KR" altLang="en-US"/>
           </a:p>
@@ -1894,7 +7190,7 @@
           <a:p>
             <a:fld id="{FB30EDBD-1C2D-4C1E-B459-B60219FAB484}" type="datetimeFigureOut">
               <a:rPr lang="ko-KR" altLang="en-US" smtClean="0"/>
-              <a:t>2017-12-13</a:t>
+              <a:t>2017-12-18</a:t>
             </a:fld>
             <a:endParaRPr lang="ko-KR" altLang="en-US"/>
           </a:p>
@@ -2311,7 +7607,7 @@
           <a:p>
             <a:fld id="{FB30EDBD-1C2D-4C1E-B459-B60219FAB484}" type="datetimeFigureOut">
               <a:rPr lang="ko-KR" altLang="en-US" smtClean="0"/>
-              <a:t>2017-12-13</a:t>
+              <a:t>2017-12-18</a:t>
             </a:fld>
             <a:endParaRPr lang="ko-KR" altLang="en-US"/>
           </a:p>
@@ -2424,7 +7720,7 @@
           <a:p>
             <a:fld id="{FB30EDBD-1C2D-4C1E-B459-B60219FAB484}" type="datetimeFigureOut">
               <a:rPr lang="ko-KR" altLang="en-US" smtClean="0"/>
-              <a:t>2017-12-13</a:t>
+              <a:t>2017-12-18</a:t>
             </a:fld>
             <a:endParaRPr lang="ko-KR" altLang="en-US"/>
           </a:p>
@@ -2514,7 +7810,7 @@
           <a:p>
             <a:fld id="{FB30EDBD-1C2D-4C1E-B459-B60219FAB484}" type="datetimeFigureOut">
               <a:rPr lang="ko-KR" altLang="en-US" smtClean="0"/>
-              <a:t>2017-12-13</a:t>
+              <a:t>2017-12-18</a:t>
             </a:fld>
             <a:endParaRPr lang="ko-KR" altLang="en-US"/>
           </a:p>
@@ -2786,7 +8082,7 @@
           <a:p>
             <a:fld id="{FB30EDBD-1C2D-4C1E-B459-B60219FAB484}" type="datetimeFigureOut">
               <a:rPr lang="ko-KR" altLang="en-US" smtClean="0"/>
-              <a:t>2017-12-13</a:t>
+              <a:t>2017-12-18</a:t>
             </a:fld>
             <a:endParaRPr lang="ko-KR" altLang="en-US"/>
           </a:p>
@@ -3034,7 +8330,7 @@
           <a:p>
             <a:fld id="{FB30EDBD-1C2D-4C1E-B459-B60219FAB484}" type="datetimeFigureOut">
               <a:rPr lang="ko-KR" altLang="en-US" smtClean="0"/>
-              <a:t>2017-12-13</a:t>
+              <a:t>2017-12-18</a:t>
             </a:fld>
             <a:endParaRPr lang="ko-KR" altLang="en-US"/>
           </a:p>
@@ -3242,7 +8538,7 @@
           <a:p>
             <a:fld id="{FB30EDBD-1C2D-4C1E-B459-B60219FAB484}" type="datetimeFigureOut">
               <a:rPr lang="ko-KR" altLang="en-US" smtClean="0"/>
-              <a:t>2017-12-13</a:t>
+              <a:t>2017-12-18</a:t>
             </a:fld>
             <a:endParaRPr lang="ko-KR" altLang="en-US"/>
           </a:p>
@@ -5096,6 +10392,3048 @@
     <p:extLst>
       <p:ext uri="{BB962C8B-B14F-4D97-AF65-F5344CB8AC3E}">
         <p14:creationId xmlns:p14="http://schemas.microsoft.com/office/powerpoint/2010/main" val="2768821804"/>
+      </p:ext>
+    </p:extLst>
+  </p:cSld>
+  <p:clrMapOvr>
+    <a:masterClrMapping/>
+  </p:clrMapOvr>
+  <p:timing>
+    <p:tnLst>
+      <p:par>
+        <p:cTn id="1" dur="indefinite" restart="never" nodeType="tmRoot"/>
+      </p:par>
+    </p:tnLst>
+  </p:timing>
+</p:sld>
+</file>
+
+<file path=ppt/slides/slide3.xml><?xml version="1.0" encoding="utf-8"?>
+<p:sld xmlns:a="http://schemas.openxmlformats.org/drawingml/2006/main" xmlns:r="http://schemas.openxmlformats.org/officeDocument/2006/relationships" xmlns:p="http://schemas.openxmlformats.org/presentationml/2006/main">
+  <p:cSld>
+    <p:spTree>
+      <p:nvGrpSpPr>
+        <p:cNvPr id="1" name=""/>
+        <p:cNvGrpSpPr/>
+        <p:nvPr/>
+      </p:nvGrpSpPr>
+      <p:grpSpPr>
+        <a:xfrm>
+          <a:off x="0" y="0"/>
+          <a:ext cx="0" cy="0"/>
+          <a:chOff x="0" y="0"/>
+          <a:chExt cx="0" cy="0"/>
+        </a:xfrm>
+      </p:grpSpPr>
+      <p:sp>
+        <p:nvSpPr>
+          <p:cNvPr id="6" name="제목 1"/>
+          <p:cNvSpPr>
+            <a:spLocks noGrp="1"/>
+          </p:cNvSpPr>
+          <p:nvPr>
+            <p:ph type="title"/>
+          </p:nvPr>
+        </p:nvSpPr>
+        <p:spPr>
+          <a:xfrm>
+            <a:off x="457200" y="-20538"/>
+            <a:ext cx="8229600" cy="857250"/>
+          </a:xfrm>
+        </p:spPr>
+        <p:txBody>
+          <a:bodyPr>
+            <a:normAutofit/>
+          </a:bodyPr>
+          <a:lstStyle/>
+          <a:p>
+            <a:r>
+              <a:rPr lang="en-US" altLang="ko-KR" dirty="0" err="1" smtClean="0"/>
+              <a:t>MQTT</a:t>
+            </a:r>
+            <a:r>
+              <a:rPr lang="en-US" altLang="ko-KR" dirty="0" smtClean="0"/>
+              <a:t> Topic</a:t>
+            </a:r>
+            <a:endParaRPr lang="ko-KR" altLang="en-US" dirty="0"/>
+          </a:p>
+        </p:txBody>
+      </p:sp>
+      <p:graphicFrame>
+        <p:nvGraphicFramePr>
+          <p:cNvPr id="2" name="다이어그램 1"/>
+          <p:cNvGraphicFramePr/>
+          <p:nvPr>
+            <p:extLst>
+              <p:ext uri="{D42A27DB-BD31-4B8C-83A1-F6EECF244321}">
+                <p14:modId xmlns:p14="http://schemas.microsoft.com/office/powerpoint/2010/main" val="1807030650"/>
+              </p:ext>
+            </p:extLst>
+          </p:nvPr>
+        </p:nvGraphicFramePr>
+        <p:xfrm>
+          <a:off x="1331640" y="667990"/>
+          <a:ext cx="6096000" cy="4064000"/>
+        </p:xfrm>
+        <a:graphic>
+          <a:graphicData uri="http://schemas.openxmlformats.org/drawingml/2006/diagram">
+            <dgm:relIds xmlns:dgm="http://schemas.openxmlformats.org/drawingml/2006/diagram" xmlns:r="http://schemas.openxmlformats.org/officeDocument/2006/relationships" r:dm="rId3" r:lo="rId4" r:qs="rId5" r:cs="rId6"/>
+          </a:graphicData>
+        </a:graphic>
+      </p:graphicFrame>
+    </p:spTree>
+    <p:extLst>
+      <p:ext uri="{BB962C8B-B14F-4D97-AF65-F5344CB8AC3E}">
+        <p14:creationId xmlns:p14="http://schemas.microsoft.com/office/powerpoint/2010/main" val="1351937036"/>
+      </p:ext>
+    </p:extLst>
+  </p:cSld>
+  <p:clrMapOvr>
+    <a:masterClrMapping/>
+  </p:clrMapOvr>
+  <p:timing>
+    <p:tnLst>
+      <p:par>
+        <p:cTn id="1" dur="indefinite" restart="never" nodeType="tmRoot"/>
+      </p:par>
+    </p:tnLst>
+  </p:timing>
+</p:sld>
+</file>
+
+<file path=ppt/slides/slide4.xml><?xml version="1.0" encoding="utf-8"?>
+<p:sld xmlns:a="http://schemas.openxmlformats.org/drawingml/2006/main" xmlns:r="http://schemas.openxmlformats.org/officeDocument/2006/relationships" xmlns:p="http://schemas.openxmlformats.org/presentationml/2006/main">
+  <p:cSld>
+    <p:spTree>
+      <p:nvGrpSpPr>
+        <p:cNvPr id="1" name=""/>
+        <p:cNvGrpSpPr/>
+        <p:nvPr/>
+      </p:nvGrpSpPr>
+      <p:grpSpPr>
+        <a:xfrm>
+          <a:off x="0" y="0"/>
+          <a:ext cx="0" cy="0"/>
+          <a:chOff x="0" y="0"/>
+          <a:chExt cx="0" cy="0"/>
+        </a:xfrm>
+      </p:grpSpPr>
+      <p:sp>
+        <p:nvSpPr>
+          <p:cNvPr id="6" name="제목 1"/>
+          <p:cNvSpPr>
+            <a:spLocks noGrp="1"/>
+          </p:cNvSpPr>
+          <p:nvPr>
+            <p:ph type="title"/>
+          </p:nvPr>
+        </p:nvSpPr>
+        <p:spPr>
+          <a:xfrm>
+            <a:off x="-2700808" y="-164554"/>
+            <a:ext cx="8229600" cy="857250"/>
+          </a:xfrm>
+        </p:spPr>
+        <p:txBody>
+          <a:bodyPr>
+            <a:normAutofit/>
+          </a:bodyPr>
+          <a:lstStyle/>
+          <a:p>
+            <a:r>
+              <a:rPr lang="en-US" altLang="ko-KR" dirty="0" err="1" smtClean="0"/>
+              <a:t>MQTT</a:t>
+            </a:r>
+            <a:r>
+              <a:rPr lang="en-US" altLang="ko-KR" dirty="0" smtClean="0"/>
+              <a:t> </a:t>
+            </a:r>
+            <a:r>
+              <a:rPr lang="en-US" altLang="ko-KR" dirty="0" err="1" smtClean="0"/>
+              <a:t>QoS</a:t>
+            </a:r>
+            <a:endParaRPr lang="ko-KR" altLang="en-US" dirty="0"/>
+          </a:p>
+        </p:txBody>
+      </p:sp>
+      <p:sp>
+        <p:nvSpPr>
+          <p:cNvPr id="4" name="모서리가 둥근 직사각형 3"/>
+          <p:cNvSpPr/>
+          <p:nvPr/>
+        </p:nvSpPr>
+        <p:spPr>
+          <a:xfrm>
+            <a:off x="2757135" y="915566"/>
+            <a:ext cx="936104" cy="288032"/>
+          </a:xfrm>
+          <a:prstGeom prst="roundRect">
+            <a:avLst/>
+          </a:prstGeom>
+        </p:spPr>
+        <p:style>
+          <a:lnRef idx="2">
+            <a:schemeClr val="dk1"/>
+          </a:lnRef>
+          <a:fillRef idx="1">
+            <a:schemeClr val="lt1"/>
+          </a:fillRef>
+          <a:effectRef idx="0">
+            <a:schemeClr val="dk1"/>
+          </a:effectRef>
+          <a:fontRef idx="minor">
+            <a:schemeClr val="dk1"/>
+          </a:fontRef>
+        </p:style>
+        <p:txBody>
+          <a:bodyPr rtlCol="0" anchor="ctr"/>
+          <a:lstStyle/>
+          <a:p>
+            <a:pPr algn="ctr"/>
+            <a:r>
+              <a:rPr lang="en-US" altLang="ko-KR" sz="1200" dirty="0" smtClean="0"/>
+              <a:t>Publisher</a:t>
+            </a:r>
+            <a:endParaRPr lang="ko-KR" altLang="en-US" sz="1600" dirty="0"/>
+          </a:p>
+        </p:txBody>
+      </p:sp>
+      <p:sp>
+        <p:nvSpPr>
+          <p:cNvPr id="5" name="모서리가 둥근 직사각형 4"/>
+          <p:cNvSpPr/>
+          <p:nvPr/>
+        </p:nvSpPr>
+        <p:spPr>
+          <a:xfrm>
+            <a:off x="4058495" y="915566"/>
+            <a:ext cx="936104" cy="288032"/>
+          </a:xfrm>
+          <a:prstGeom prst="roundRect">
+            <a:avLst/>
+          </a:prstGeom>
+        </p:spPr>
+        <p:style>
+          <a:lnRef idx="2">
+            <a:schemeClr val="dk1"/>
+          </a:lnRef>
+          <a:fillRef idx="1">
+            <a:schemeClr val="lt1"/>
+          </a:fillRef>
+          <a:effectRef idx="0">
+            <a:schemeClr val="dk1"/>
+          </a:effectRef>
+          <a:fontRef idx="minor">
+            <a:schemeClr val="dk1"/>
+          </a:fontRef>
+        </p:style>
+        <p:txBody>
+          <a:bodyPr rtlCol="0" anchor="ctr"/>
+          <a:lstStyle/>
+          <a:p>
+            <a:pPr algn="ctr"/>
+            <a:r>
+              <a:rPr lang="en-US" altLang="ko-KR" sz="1200" dirty="0" smtClean="0"/>
+              <a:t>Broker</a:t>
+            </a:r>
+            <a:endParaRPr lang="ko-KR" altLang="en-US" sz="1600" dirty="0"/>
+          </a:p>
+        </p:txBody>
+      </p:sp>
+      <p:sp>
+        <p:nvSpPr>
+          <p:cNvPr id="7" name="모서리가 둥근 직사각형 6"/>
+          <p:cNvSpPr/>
+          <p:nvPr/>
+        </p:nvSpPr>
+        <p:spPr>
+          <a:xfrm>
+            <a:off x="5370905" y="915566"/>
+            <a:ext cx="936104" cy="288032"/>
+          </a:xfrm>
+          <a:prstGeom prst="roundRect">
+            <a:avLst/>
+          </a:prstGeom>
+        </p:spPr>
+        <p:style>
+          <a:lnRef idx="2">
+            <a:schemeClr val="dk1"/>
+          </a:lnRef>
+          <a:fillRef idx="1">
+            <a:schemeClr val="lt1"/>
+          </a:fillRef>
+          <a:effectRef idx="0">
+            <a:schemeClr val="dk1"/>
+          </a:effectRef>
+          <a:fontRef idx="minor">
+            <a:schemeClr val="dk1"/>
+          </a:fontRef>
+        </p:style>
+        <p:txBody>
+          <a:bodyPr rtlCol="0" anchor="ctr"/>
+          <a:lstStyle/>
+          <a:p>
+            <a:pPr algn="ctr"/>
+            <a:r>
+              <a:rPr lang="en-US" altLang="ko-KR" sz="1200" dirty="0" smtClean="0"/>
+              <a:t>Subscriber</a:t>
+            </a:r>
+            <a:endParaRPr lang="ko-KR" altLang="en-US" sz="1600" dirty="0"/>
+          </a:p>
+        </p:txBody>
+      </p:sp>
+      <p:cxnSp>
+        <p:nvCxnSpPr>
+          <p:cNvPr id="8" name="직선 연결선 7"/>
+          <p:cNvCxnSpPr>
+            <a:stCxn id="4" idx="2"/>
+          </p:cNvCxnSpPr>
+          <p:nvPr/>
+        </p:nvCxnSpPr>
+        <p:spPr>
+          <a:xfrm>
+            <a:off x="3225187" y="1203598"/>
+            <a:ext cx="0" cy="792088"/>
+          </a:xfrm>
+          <a:prstGeom prst="line">
+            <a:avLst/>
+          </a:prstGeom>
+          <a:ln w="28575"/>
+        </p:spPr>
+        <p:style>
+          <a:lnRef idx="1">
+            <a:schemeClr val="dk1"/>
+          </a:lnRef>
+          <a:fillRef idx="0">
+            <a:schemeClr val="dk1"/>
+          </a:fillRef>
+          <a:effectRef idx="0">
+            <a:schemeClr val="dk1"/>
+          </a:effectRef>
+          <a:fontRef idx="minor">
+            <a:schemeClr val="tx1"/>
+          </a:fontRef>
+        </p:style>
+      </p:cxnSp>
+      <p:cxnSp>
+        <p:nvCxnSpPr>
+          <p:cNvPr id="10" name="직선 연결선 9"/>
+          <p:cNvCxnSpPr/>
+          <p:nvPr/>
+        </p:nvCxnSpPr>
+        <p:spPr>
+          <a:xfrm>
+            <a:off x="4518556" y="1203598"/>
+            <a:ext cx="0" cy="792088"/>
+          </a:xfrm>
+          <a:prstGeom prst="line">
+            <a:avLst/>
+          </a:prstGeom>
+          <a:ln w="28575"/>
+        </p:spPr>
+        <p:style>
+          <a:lnRef idx="1">
+            <a:schemeClr val="dk1"/>
+          </a:lnRef>
+          <a:fillRef idx="0">
+            <a:schemeClr val="dk1"/>
+          </a:fillRef>
+          <a:effectRef idx="0">
+            <a:schemeClr val="dk1"/>
+          </a:effectRef>
+          <a:fontRef idx="minor">
+            <a:schemeClr val="tx1"/>
+          </a:fontRef>
+        </p:style>
+      </p:cxnSp>
+      <p:cxnSp>
+        <p:nvCxnSpPr>
+          <p:cNvPr id="11" name="직선 연결선 10"/>
+          <p:cNvCxnSpPr/>
+          <p:nvPr/>
+        </p:nvCxnSpPr>
+        <p:spPr>
+          <a:xfrm>
+            <a:off x="5838957" y="1203598"/>
+            <a:ext cx="0" cy="792088"/>
+          </a:xfrm>
+          <a:prstGeom prst="line">
+            <a:avLst/>
+          </a:prstGeom>
+          <a:ln w="28575"/>
+        </p:spPr>
+        <p:style>
+          <a:lnRef idx="1">
+            <a:schemeClr val="dk1"/>
+          </a:lnRef>
+          <a:fillRef idx="0">
+            <a:schemeClr val="dk1"/>
+          </a:fillRef>
+          <a:effectRef idx="0">
+            <a:schemeClr val="dk1"/>
+          </a:effectRef>
+          <a:fontRef idx="minor">
+            <a:schemeClr val="tx1"/>
+          </a:fontRef>
+        </p:style>
+      </p:cxnSp>
+      <p:sp>
+        <p:nvSpPr>
+          <p:cNvPr id="16" name="모서리가 둥근 직사각형 15"/>
+          <p:cNvSpPr/>
+          <p:nvPr/>
+        </p:nvSpPr>
+        <p:spPr>
+          <a:xfrm>
+            <a:off x="3878475" y="594164"/>
+            <a:ext cx="1296144" cy="360040"/>
+          </a:xfrm>
+          <a:prstGeom prst="roundRect">
+            <a:avLst/>
+          </a:prstGeom>
+          <a:noFill/>
+          <a:ln>
+            <a:noFill/>
+          </a:ln>
+        </p:spPr>
+        <p:style>
+          <a:lnRef idx="2">
+            <a:schemeClr val="dk1"/>
+          </a:lnRef>
+          <a:fillRef idx="1">
+            <a:schemeClr val="lt1"/>
+          </a:fillRef>
+          <a:effectRef idx="0">
+            <a:schemeClr val="dk1"/>
+          </a:effectRef>
+          <a:fontRef idx="minor">
+            <a:schemeClr val="dk1"/>
+          </a:fontRef>
+        </p:style>
+        <p:txBody>
+          <a:bodyPr rtlCol="0" anchor="ctr"/>
+          <a:lstStyle/>
+          <a:p>
+            <a:pPr algn="ctr"/>
+            <a:r>
+              <a:rPr lang="en-US" altLang="ko-KR" sz="1400" b="1" dirty="0" smtClean="0"/>
+              <a:t>Level 0</a:t>
+            </a:r>
+            <a:endParaRPr lang="ko-KR" altLang="en-US" sz="1400" b="1" dirty="0"/>
+          </a:p>
+        </p:txBody>
+      </p:sp>
+      <p:cxnSp>
+        <p:nvCxnSpPr>
+          <p:cNvPr id="18" name="직선 화살표 연결선 17"/>
+          <p:cNvCxnSpPr/>
+          <p:nvPr/>
+        </p:nvCxnSpPr>
+        <p:spPr>
+          <a:xfrm>
+            <a:off x="3225187" y="1491630"/>
+            <a:ext cx="1293369" cy="0"/>
+          </a:xfrm>
+          <a:prstGeom prst="straightConnector1">
+            <a:avLst/>
+          </a:prstGeom>
+          <a:ln w="19050">
+            <a:solidFill>
+              <a:schemeClr val="tx1"/>
+            </a:solidFill>
+            <a:tailEnd type="arrow"/>
+          </a:ln>
+        </p:spPr>
+        <p:style>
+          <a:lnRef idx="1">
+            <a:schemeClr val="accent1"/>
+          </a:lnRef>
+          <a:fillRef idx="0">
+            <a:schemeClr val="accent1"/>
+          </a:fillRef>
+          <a:effectRef idx="0">
+            <a:schemeClr val="accent1"/>
+          </a:effectRef>
+          <a:fontRef idx="minor">
+            <a:schemeClr val="tx1"/>
+          </a:fontRef>
+        </p:style>
+      </p:cxnSp>
+      <p:cxnSp>
+        <p:nvCxnSpPr>
+          <p:cNvPr id="19" name="직선 화살표 연결선 18"/>
+          <p:cNvCxnSpPr/>
+          <p:nvPr/>
+        </p:nvCxnSpPr>
+        <p:spPr>
+          <a:xfrm>
+            <a:off x="4518556" y="1635646"/>
+            <a:ext cx="1320401" cy="0"/>
+          </a:xfrm>
+          <a:prstGeom prst="straightConnector1">
+            <a:avLst/>
+          </a:prstGeom>
+          <a:ln w="19050">
+            <a:solidFill>
+              <a:schemeClr val="tx1"/>
+            </a:solidFill>
+            <a:tailEnd type="arrow"/>
+          </a:ln>
+        </p:spPr>
+        <p:style>
+          <a:lnRef idx="1">
+            <a:schemeClr val="accent1"/>
+          </a:lnRef>
+          <a:fillRef idx="0">
+            <a:schemeClr val="accent1"/>
+          </a:fillRef>
+          <a:effectRef idx="0">
+            <a:schemeClr val="accent1"/>
+          </a:effectRef>
+          <a:fontRef idx="minor">
+            <a:schemeClr val="tx1"/>
+          </a:fontRef>
+        </p:style>
+      </p:cxnSp>
+      <p:sp>
+        <p:nvSpPr>
+          <p:cNvPr id="21" name="모서리가 둥근 직사각형 20"/>
+          <p:cNvSpPr/>
+          <p:nvPr/>
+        </p:nvSpPr>
+        <p:spPr>
+          <a:xfrm>
+            <a:off x="3222412" y="1239602"/>
+            <a:ext cx="1296144" cy="252028"/>
+          </a:xfrm>
+          <a:prstGeom prst="roundRect">
+            <a:avLst/>
+          </a:prstGeom>
+          <a:noFill/>
+          <a:ln>
+            <a:noFill/>
+          </a:ln>
+        </p:spPr>
+        <p:style>
+          <a:lnRef idx="2">
+            <a:schemeClr val="dk1"/>
+          </a:lnRef>
+          <a:fillRef idx="1">
+            <a:schemeClr val="lt1"/>
+          </a:fillRef>
+          <a:effectRef idx="0">
+            <a:schemeClr val="dk1"/>
+          </a:effectRef>
+          <a:fontRef idx="minor">
+            <a:schemeClr val="dk1"/>
+          </a:fontRef>
+        </p:style>
+        <p:txBody>
+          <a:bodyPr rtlCol="0" anchor="ctr"/>
+          <a:lstStyle/>
+          <a:p>
+            <a:pPr algn="ctr"/>
+            <a:r>
+              <a:rPr lang="en-US" altLang="ko-KR" sz="1100" dirty="0" smtClean="0"/>
+              <a:t>PUBLISH</a:t>
+            </a:r>
+            <a:endParaRPr lang="ko-KR" altLang="en-US" sz="1100" dirty="0"/>
+          </a:p>
+        </p:txBody>
+      </p:sp>
+      <p:sp>
+        <p:nvSpPr>
+          <p:cNvPr id="22" name="모서리가 둥근 직사각형 21"/>
+          <p:cNvSpPr/>
+          <p:nvPr/>
+        </p:nvSpPr>
+        <p:spPr>
+          <a:xfrm>
+            <a:off x="4526547" y="1383618"/>
+            <a:ext cx="1296144" cy="252028"/>
+          </a:xfrm>
+          <a:prstGeom prst="roundRect">
+            <a:avLst/>
+          </a:prstGeom>
+          <a:noFill/>
+          <a:ln>
+            <a:noFill/>
+          </a:ln>
+        </p:spPr>
+        <p:style>
+          <a:lnRef idx="2">
+            <a:schemeClr val="dk1"/>
+          </a:lnRef>
+          <a:fillRef idx="1">
+            <a:schemeClr val="lt1"/>
+          </a:fillRef>
+          <a:effectRef idx="0">
+            <a:schemeClr val="dk1"/>
+          </a:effectRef>
+          <a:fontRef idx="minor">
+            <a:schemeClr val="dk1"/>
+          </a:fontRef>
+        </p:style>
+        <p:txBody>
+          <a:bodyPr rtlCol="0" anchor="ctr"/>
+          <a:lstStyle/>
+          <a:p>
+            <a:pPr algn="ctr"/>
+            <a:r>
+              <a:rPr lang="en-US" altLang="ko-KR" sz="1100" dirty="0" smtClean="0"/>
+              <a:t>PUBLISH</a:t>
+            </a:r>
+            <a:endParaRPr lang="ko-KR" altLang="en-US" sz="1100" dirty="0"/>
+          </a:p>
+        </p:txBody>
+      </p:sp>
+      <p:sp>
+        <p:nvSpPr>
+          <p:cNvPr id="24" name="자유형 23"/>
+          <p:cNvSpPr/>
+          <p:nvPr/>
+        </p:nvSpPr>
+        <p:spPr>
+          <a:xfrm>
+            <a:off x="3217086" y="1641661"/>
+            <a:ext cx="226932" cy="246955"/>
+          </a:xfrm>
+          <a:custGeom>
+            <a:avLst/>
+            <a:gdLst>
+              <a:gd name="connsiteX0" fmla="*/ 0 w 226932"/>
+              <a:gd name="connsiteY0" fmla="*/ 0 h 246955"/>
+              <a:gd name="connsiteX1" fmla="*/ 226932 w 226932"/>
+              <a:gd name="connsiteY1" fmla="*/ 0 h 246955"/>
+              <a:gd name="connsiteX2" fmla="*/ 226932 w 226932"/>
+              <a:gd name="connsiteY2" fmla="*/ 246955 h 246955"/>
+              <a:gd name="connsiteX3" fmla="*/ 6675 w 226932"/>
+              <a:gd name="connsiteY3" fmla="*/ 246955 h 246955"/>
+            </a:gdLst>
+            <a:ahLst/>
+            <a:cxnLst>
+              <a:cxn ang="0">
+                <a:pos x="connsiteX0" y="connsiteY0"/>
+              </a:cxn>
+              <a:cxn ang="0">
+                <a:pos x="connsiteX1" y="connsiteY1"/>
+              </a:cxn>
+              <a:cxn ang="0">
+                <a:pos x="connsiteX2" y="connsiteY2"/>
+              </a:cxn>
+              <a:cxn ang="0">
+                <a:pos x="connsiteX3" y="connsiteY3"/>
+              </a:cxn>
+            </a:cxnLst>
+            <a:rect l="l" t="t" r="r" b="b"/>
+            <a:pathLst>
+              <a:path w="226932" h="246955">
+                <a:moveTo>
+                  <a:pt x="0" y="0"/>
+                </a:moveTo>
+                <a:lnTo>
+                  <a:pt x="226932" y="0"/>
+                </a:lnTo>
+                <a:lnTo>
+                  <a:pt x="226932" y="246955"/>
+                </a:lnTo>
+                <a:lnTo>
+                  <a:pt x="6675" y="246955"/>
+                </a:lnTo>
+              </a:path>
+            </a:pathLst>
+          </a:custGeom>
+          <a:ln w="19050">
+            <a:solidFill>
+              <a:schemeClr val="tx1"/>
+            </a:solidFill>
+            <a:headEnd type="none" w="med" len="med"/>
+            <a:tailEnd type="arrow" w="med" len="med"/>
+          </a:ln>
+        </p:spPr>
+        <p:style>
+          <a:lnRef idx="1">
+            <a:schemeClr val="accent1"/>
+          </a:lnRef>
+          <a:fillRef idx="0">
+            <a:schemeClr val="accent1"/>
+          </a:fillRef>
+          <a:effectRef idx="0">
+            <a:schemeClr val="accent1"/>
+          </a:effectRef>
+          <a:fontRef idx="minor">
+            <a:schemeClr val="tx1"/>
+          </a:fontRef>
+        </p:style>
+        <p:txBody>
+          <a:bodyPr rtlCol="0" anchor="ctr"/>
+          <a:lstStyle/>
+          <a:p>
+            <a:pPr algn="ctr"/>
+            <a:endParaRPr lang="ko-KR" altLang="en-US"/>
+          </a:p>
+        </p:txBody>
+      </p:sp>
+      <p:sp>
+        <p:nvSpPr>
+          <p:cNvPr id="28" name="모서리가 둥근 직사각형 27"/>
+          <p:cNvSpPr/>
+          <p:nvPr/>
+        </p:nvSpPr>
+        <p:spPr>
+          <a:xfrm>
+            <a:off x="3222412" y="1635646"/>
+            <a:ext cx="1296144" cy="252028"/>
+          </a:xfrm>
+          <a:prstGeom prst="roundRect">
+            <a:avLst/>
+          </a:prstGeom>
+          <a:noFill/>
+          <a:ln>
+            <a:noFill/>
+          </a:ln>
+        </p:spPr>
+        <p:style>
+          <a:lnRef idx="2">
+            <a:schemeClr val="dk1"/>
+          </a:lnRef>
+          <a:fillRef idx="1">
+            <a:schemeClr val="lt1"/>
+          </a:fillRef>
+          <a:effectRef idx="0">
+            <a:schemeClr val="dk1"/>
+          </a:effectRef>
+          <a:fontRef idx="minor">
+            <a:schemeClr val="dk1"/>
+          </a:fontRef>
+        </p:style>
+        <p:txBody>
+          <a:bodyPr rtlCol="0" anchor="ctr"/>
+          <a:lstStyle/>
+          <a:p>
+            <a:pPr algn="ctr"/>
+            <a:r>
+              <a:rPr lang="en-US" altLang="ko-KR" sz="1100" dirty="0" smtClean="0"/>
+              <a:t>Delete </a:t>
+            </a:r>
+            <a:r>
+              <a:rPr lang="en-US" altLang="ko-KR" sz="1100" dirty="0" err="1" smtClean="0"/>
+              <a:t>Msg</a:t>
+            </a:r>
+            <a:endParaRPr lang="ko-KR" altLang="en-US" sz="1100" dirty="0"/>
+          </a:p>
+        </p:txBody>
+      </p:sp>
+      <p:sp>
+        <p:nvSpPr>
+          <p:cNvPr id="29" name="모서리가 둥근 직사각형 28"/>
+          <p:cNvSpPr/>
+          <p:nvPr/>
+        </p:nvSpPr>
+        <p:spPr>
+          <a:xfrm>
+            <a:off x="899592" y="2211710"/>
+            <a:ext cx="936104" cy="288032"/>
+          </a:xfrm>
+          <a:prstGeom prst="roundRect">
+            <a:avLst/>
+          </a:prstGeom>
+        </p:spPr>
+        <p:style>
+          <a:lnRef idx="2">
+            <a:schemeClr val="dk1"/>
+          </a:lnRef>
+          <a:fillRef idx="1">
+            <a:schemeClr val="lt1"/>
+          </a:fillRef>
+          <a:effectRef idx="0">
+            <a:schemeClr val="dk1"/>
+          </a:effectRef>
+          <a:fontRef idx="minor">
+            <a:schemeClr val="dk1"/>
+          </a:fontRef>
+        </p:style>
+        <p:txBody>
+          <a:bodyPr rtlCol="0" anchor="ctr"/>
+          <a:lstStyle/>
+          <a:p>
+            <a:pPr algn="ctr"/>
+            <a:r>
+              <a:rPr lang="en-US" altLang="ko-KR" sz="1200" dirty="0" smtClean="0"/>
+              <a:t>Publisher</a:t>
+            </a:r>
+            <a:endParaRPr lang="ko-KR" altLang="en-US" sz="1600" dirty="0"/>
+          </a:p>
+        </p:txBody>
+      </p:sp>
+      <p:sp>
+        <p:nvSpPr>
+          <p:cNvPr id="30" name="모서리가 둥근 직사각형 29"/>
+          <p:cNvSpPr/>
+          <p:nvPr/>
+        </p:nvSpPr>
+        <p:spPr>
+          <a:xfrm>
+            <a:off x="2200952" y="2211710"/>
+            <a:ext cx="936104" cy="288032"/>
+          </a:xfrm>
+          <a:prstGeom prst="roundRect">
+            <a:avLst/>
+          </a:prstGeom>
+        </p:spPr>
+        <p:style>
+          <a:lnRef idx="2">
+            <a:schemeClr val="dk1"/>
+          </a:lnRef>
+          <a:fillRef idx="1">
+            <a:schemeClr val="lt1"/>
+          </a:fillRef>
+          <a:effectRef idx="0">
+            <a:schemeClr val="dk1"/>
+          </a:effectRef>
+          <a:fontRef idx="minor">
+            <a:schemeClr val="dk1"/>
+          </a:fontRef>
+        </p:style>
+        <p:txBody>
+          <a:bodyPr rtlCol="0" anchor="ctr"/>
+          <a:lstStyle/>
+          <a:p>
+            <a:pPr algn="ctr"/>
+            <a:r>
+              <a:rPr lang="en-US" altLang="ko-KR" sz="1200" dirty="0" smtClean="0"/>
+              <a:t>Broker</a:t>
+            </a:r>
+            <a:endParaRPr lang="ko-KR" altLang="en-US" sz="1600" dirty="0"/>
+          </a:p>
+        </p:txBody>
+      </p:sp>
+      <p:sp>
+        <p:nvSpPr>
+          <p:cNvPr id="31" name="모서리가 둥근 직사각형 30"/>
+          <p:cNvSpPr/>
+          <p:nvPr/>
+        </p:nvSpPr>
+        <p:spPr>
+          <a:xfrm>
+            <a:off x="3513362" y="2211710"/>
+            <a:ext cx="936104" cy="288032"/>
+          </a:xfrm>
+          <a:prstGeom prst="roundRect">
+            <a:avLst/>
+          </a:prstGeom>
+        </p:spPr>
+        <p:style>
+          <a:lnRef idx="2">
+            <a:schemeClr val="dk1"/>
+          </a:lnRef>
+          <a:fillRef idx="1">
+            <a:schemeClr val="lt1"/>
+          </a:fillRef>
+          <a:effectRef idx="0">
+            <a:schemeClr val="dk1"/>
+          </a:effectRef>
+          <a:fontRef idx="minor">
+            <a:schemeClr val="dk1"/>
+          </a:fontRef>
+        </p:style>
+        <p:txBody>
+          <a:bodyPr rtlCol="0" anchor="ctr"/>
+          <a:lstStyle/>
+          <a:p>
+            <a:pPr algn="ctr"/>
+            <a:r>
+              <a:rPr lang="en-US" altLang="ko-KR" sz="1200" dirty="0" smtClean="0"/>
+              <a:t>Subscriber</a:t>
+            </a:r>
+            <a:endParaRPr lang="ko-KR" altLang="en-US" sz="1600" dirty="0"/>
+          </a:p>
+        </p:txBody>
+      </p:sp>
+      <p:cxnSp>
+        <p:nvCxnSpPr>
+          <p:cNvPr id="32" name="직선 연결선 31"/>
+          <p:cNvCxnSpPr>
+            <a:stCxn id="29" idx="2"/>
+          </p:cNvCxnSpPr>
+          <p:nvPr/>
+        </p:nvCxnSpPr>
+        <p:spPr>
+          <a:xfrm>
+            <a:off x="1367644" y="2499742"/>
+            <a:ext cx="0" cy="2026104"/>
+          </a:xfrm>
+          <a:prstGeom prst="line">
+            <a:avLst/>
+          </a:prstGeom>
+          <a:ln w="28575"/>
+        </p:spPr>
+        <p:style>
+          <a:lnRef idx="1">
+            <a:schemeClr val="dk1"/>
+          </a:lnRef>
+          <a:fillRef idx="0">
+            <a:schemeClr val="dk1"/>
+          </a:fillRef>
+          <a:effectRef idx="0">
+            <a:schemeClr val="dk1"/>
+          </a:effectRef>
+          <a:fontRef idx="minor">
+            <a:schemeClr val="tx1"/>
+          </a:fontRef>
+        </p:style>
+      </p:cxnSp>
+      <p:cxnSp>
+        <p:nvCxnSpPr>
+          <p:cNvPr id="33" name="직선 연결선 32"/>
+          <p:cNvCxnSpPr/>
+          <p:nvPr/>
+        </p:nvCxnSpPr>
+        <p:spPr>
+          <a:xfrm>
+            <a:off x="2661013" y="2499742"/>
+            <a:ext cx="0" cy="2026104"/>
+          </a:xfrm>
+          <a:prstGeom prst="line">
+            <a:avLst/>
+          </a:prstGeom>
+          <a:ln w="28575"/>
+        </p:spPr>
+        <p:style>
+          <a:lnRef idx="1">
+            <a:schemeClr val="dk1"/>
+          </a:lnRef>
+          <a:fillRef idx="0">
+            <a:schemeClr val="dk1"/>
+          </a:fillRef>
+          <a:effectRef idx="0">
+            <a:schemeClr val="dk1"/>
+          </a:effectRef>
+          <a:fontRef idx="minor">
+            <a:schemeClr val="tx1"/>
+          </a:fontRef>
+        </p:style>
+      </p:cxnSp>
+      <p:cxnSp>
+        <p:nvCxnSpPr>
+          <p:cNvPr id="34" name="직선 연결선 33"/>
+          <p:cNvCxnSpPr/>
+          <p:nvPr/>
+        </p:nvCxnSpPr>
+        <p:spPr>
+          <a:xfrm>
+            <a:off x="3981414" y="2499742"/>
+            <a:ext cx="0" cy="2026104"/>
+          </a:xfrm>
+          <a:prstGeom prst="line">
+            <a:avLst/>
+          </a:prstGeom>
+          <a:ln w="28575"/>
+        </p:spPr>
+        <p:style>
+          <a:lnRef idx="1">
+            <a:schemeClr val="dk1"/>
+          </a:lnRef>
+          <a:fillRef idx="0">
+            <a:schemeClr val="dk1"/>
+          </a:fillRef>
+          <a:effectRef idx="0">
+            <a:schemeClr val="dk1"/>
+          </a:effectRef>
+          <a:fontRef idx="minor">
+            <a:schemeClr val="tx1"/>
+          </a:fontRef>
+        </p:style>
+      </p:cxnSp>
+      <p:cxnSp>
+        <p:nvCxnSpPr>
+          <p:cNvPr id="35" name="직선 화살표 연결선 34"/>
+          <p:cNvCxnSpPr/>
+          <p:nvPr/>
+        </p:nvCxnSpPr>
+        <p:spPr>
+          <a:xfrm>
+            <a:off x="1367644" y="3049682"/>
+            <a:ext cx="1293369" cy="0"/>
+          </a:xfrm>
+          <a:prstGeom prst="straightConnector1">
+            <a:avLst/>
+          </a:prstGeom>
+          <a:ln w="19050">
+            <a:solidFill>
+              <a:schemeClr val="tx1"/>
+            </a:solidFill>
+            <a:tailEnd type="arrow"/>
+          </a:ln>
+        </p:spPr>
+        <p:style>
+          <a:lnRef idx="1">
+            <a:schemeClr val="accent1"/>
+          </a:lnRef>
+          <a:fillRef idx="0">
+            <a:schemeClr val="accent1"/>
+          </a:fillRef>
+          <a:effectRef idx="0">
+            <a:schemeClr val="accent1"/>
+          </a:effectRef>
+          <a:fontRef idx="minor">
+            <a:schemeClr val="tx1"/>
+          </a:fontRef>
+        </p:style>
+      </p:cxnSp>
+      <p:cxnSp>
+        <p:nvCxnSpPr>
+          <p:cNvPr id="36" name="직선 화살표 연결선 35"/>
+          <p:cNvCxnSpPr/>
+          <p:nvPr/>
+        </p:nvCxnSpPr>
+        <p:spPr>
+          <a:xfrm>
+            <a:off x="2661013" y="3588496"/>
+            <a:ext cx="1320401" cy="0"/>
+          </a:xfrm>
+          <a:prstGeom prst="straightConnector1">
+            <a:avLst/>
+          </a:prstGeom>
+          <a:ln w="19050">
+            <a:solidFill>
+              <a:schemeClr val="tx1"/>
+            </a:solidFill>
+            <a:tailEnd type="arrow"/>
+          </a:ln>
+        </p:spPr>
+        <p:style>
+          <a:lnRef idx="1">
+            <a:schemeClr val="accent1"/>
+          </a:lnRef>
+          <a:fillRef idx="0">
+            <a:schemeClr val="accent1"/>
+          </a:fillRef>
+          <a:effectRef idx="0">
+            <a:schemeClr val="accent1"/>
+          </a:effectRef>
+          <a:fontRef idx="minor">
+            <a:schemeClr val="tx1"/>
+          </a:fontRef>
+        </p:style>
+      </p:cxnSp>
+      <p:sp>
+        <p:nvSpPr>
+          <p:cNvPr id="37" name="모서리가 둥근 직사각형 36"/>
+          <p:cNvSpPr/>
+          <p:nvPr/>
+        </p:nvSpPr>
+        <p:spPr>
+          <a:xfrm>
+            <a:off x="1364869" y="2797654"/>
+            <a:ext cx="1296144" cy="252028"/>
+          </a:xfrm>
+          <a:prstGeom prst="roundRect">
+            <a:avLst/>
+          </a:prstGeom>
+          <a:noFill/>
+          <a:ln>
+            <a:noFill/>
+          </a:ln>
+        </p:spPr>
+        <p:style>
+          <a:lnRef idx="2">
+            <a:schemeClr val="dk1"/>
+          </a:lnRef>
+          <a:fillRef idx="1">
+            <a:schemeClr val="lt1"/>
+          </a:fillRef>
+          <a:effectRef idx="0">
+            <a:schemeClr val="dk1"/>
+          </a:effectRef>
+          <a:fontRef idx="minor">
+            <a:schemeClr val="dk1"/>
+          </a:fontRef>
+        </p:style>
+        <p:txBody>
+          <a:bodyPr rtlCol="0" anchor="ctr"/>
+          <a:lstStyle/>
+          <a:p>
+            <a:pPr algn="ctr"/>
+            <a:r>
+              <a:rPr lang="en-US" altLang="ko-KR" sz="1100" dirty="0" smtClean="0"/>
+              <a:t>PUBLISH</a:t>
+            </a:r>
+            <a:endParaRPr lang="ko-KR" altLang="en-US" sz="1100" dirty="0"/>
+          </a:p>
+        </p:txBody>
+      </p:sp>
+      <p:sp>
+        <p:nvSpPr>
+          <p:cNvPr id="38" name="모서리가 둥근 직사각형 37"/>
+          <p:cNvSpPr/>
+          <p:nvPr/>
+        </p:nvSpPr>
+        <p:spPr>
+          <a:xfrm>
+            <a:off x="2673141" y="3337714"/>
+            <a:ext cx="1296144" cy="252028"/>
+          </a:xfrm>
+          <a:prstGeom prst="roundRect">
+            <a:avLst/>
+          </a:prstGeom>
+          <a:noFill/>
+          <a:ln>
+            <a:noFill/>
+          </a:ln>
+        </p:spPr>
+        <p:style>
+          <a:lnRef idx="2">
+            <a:schemeClr val="dk1"/>
+          </a:lnRef>
+          <a:fillRef idx="1">
+            <a:schemeClr val="lt1"/>
+          </a:fillRef>
+          <a:effectRef idx="0">
+            <a:schemeClr val="dk1"/>
+          </a:effectRef>
+          <a:fontRef idx="minor">
+            <a:schemeClr val="dk1"/>
+          </a:fontRef>
+        </p:style>
+        <p:txBody>
+          <a:bodyPr rtlCol="0" anchor="ctr"/>
+          <a:lstStyle/>
+          <a:p>
+            <a:pPr algn="ctr"/>
+            <a:r>
+              <a:rPr lang="en-US" altLang="ko-KR" sz="1100" dirty="0" smtClean="0"/>
+              <a:t>PUBLISH</a:t>
+            </a:r>
+            <a:endParaRPr lang="ko-KR" altLang="en-US" sz="1100" dirty="0"/>
+          </a:p>
+        </p:txBody>
+      </p:sp>
+      <p:sp>
+        <p:nvSpPr>
+          <p:cNvPr id="39" name="자유형 38"/>
+          <p:cNvSpPr/>
+          <p:nvPr/>
+        </p:nvSpPr>
+        <p:spPr>
+          <a:xfrm>
+            <a:off x="1359543" y="2587645"/>
+            <a:ext cx="226932" cy="246955"/>
+          </a:xfrm>
+          <a:custGeom>
+            <a:avLst/>
+            <a:gdLst>
+              <a:gd name="connsiteX0" fmla="*/ 0 w 226932"/>
+              <a:gd name="connsiteY0" fmla="*/ 0 h 246955"/>
+              <a:gd name="connsiteX1" fmla="*/ 226932 w 226932"/>
+              <a:gd name="connsiteY1" fmla="*/ 0 h 246955"/>
+              <a:gd name="connsiteX2" fmla="*/ 226932 w 226932"/>
+              <a:gd name="connsiteY2" fmla="*/ 246955 h 246955"/>
+              <a:gd name="connsiteX3" fmla="*/ 6675 w 226932"/>
+              <a:gd name="connsiteY3" fmla="*/ 246955 h 246955"/>
+            </a:gdLst>
+            <a:ahLst/>
+            <a:cxnLst>
+              <a:cxn ang="0">
+                <a:pos x="connsiteX0" y="connsiteY0"/>
+              </a:cxn>
+              <a:cxn ang="0">
+                <a:pos x="connsiteX1" y="connsiteY1"/>
+              </a:cxn>
+              <a:cxn ang="0">
+                <a:pos x="connsiteX2" y="connsiteY2"/>
+              </a:cxn>
+              <a:cxn ang="0">
+                <a:pos x="connsiteX3" y="connsiteY3"/>
+              </a:cxn>
+            </a:cxnLst>
+            <a:rect l="l" t="t" r="r" b="b"/>
+            <a:pathLst>
+              <a:path w="226932" h="246955">
+                <a:moveTo>
+                  <a:pt x="0" y="0"/>
+                </a:moveTo>
+                <a:lnTo>
+                  <a:pt x="226932" y="0"/>
+                </a:lnTo>
+                <a:lnTo>
+                  <a:pt x="226932" y="246955"/>
+                </a:lnTo>
+                <a:lnTo>
+                  <a:pt x="6675" y="246955"/>
+                </a:lnTo>
+              </a:path>
+            </a:pathLst>
+          </a:custGeom>
+          <a:ln w="19050">
+            <a:solidFill>
+              <a:schemeClr val="tx1"/>
+            </a:solidFill>
+            <a:headEnd type="none" w="med" len="med"/>
+            <a:tailEnd type="arrow" w="med" len="med"/>
+          </a:ln>
+        </p:spPr>
+        <p:style>
+          <a:lnRef idx="1">
+            <a:schemeClr val="accent1"/>
+          </a:lnRef>
+          <a:fillRef idx="0">
+            <a:schemeClr val="accent1"/>
+          </a:fillRef>
+          <a:effectRef idx="0">
+            <a:schemeClr val="accent1"/>
+          </a:effectRef>
+          <a:fontRef idx="minor">
+            <a:schemeClr val="tx1"/>
+          </a:fontRef>
+        </p:style>
+        <p:txBody>
+          <a:bodyPr rtlCol="0" anchor="ctr"/>
+          <a:lstStyle/>
+          <a:p>
+            <a:pPr algn="ctr"/>
+            <a:endParaRPr lang="ko-KR" altLang="en-US"/>
+          </a:p>
+        </p:txBody>
+      </p:sp>
+      <p:sp>
+        <p:nvSpPr>
+          <p:cNvPr id="40" name="모서리가 둥근 직사각형 39"/>
+          <p:cNvSpPr/>
+          <p:nvPr/>
+        </p:nvSpPr>
+        <p:spPr>
+          <a:xfrm>
+            <a:off x="1364869" y="2581630"/>
+            <a:ext cx="1296144" cy="252028"/>
+          </a:xfrm>
+          <a:prstGeom prst="roundRect">
+            <a:avLst/>
+          </a:prstGeom>
+          <a:noFill/>
+          <a:ln>
+            <a:noFill/>
+          </a:ln>
+        </p:spPr>
+        <p:style>
+          <a:lnRef idx="2">
+            <a:schemeClr val="dk1"/>
+          </a:lnRef>
+          <a:fillRef idx="1">
+            <a:schemeClr val="lt1"/>
+          </a:fillRef>
+          <a:effectRef idx="0">
+            <a:schemeClr val="dk1"/>
+          </a:effectRef>
+          <a:fontRef idx="minor">
+            <a:schemeClr val="dk1"/>
+          </a:fontRef>
+        </p:style>
+        <p:txBody>
+          <a:bodyPr rtlCol="0" anchor="ctr"/>
+          <a:lstStyle/>
+          <a:p>
+            <a:pPr algn="ctr"/>
+            <a:r>
+              <a:rPr lang="en-US" altLang="ko-KR" sz="1100" dirty="0" smtClean="0"/>
+              <a:t>Store</a:t>
+            </a:r>
+            <a:r>
+              <a:rPr lang="en-US" altLang="ko-KR" sz="1100" dirty="0" smtClean="0"/>
+              <a:t> </a:t>
+            </a:r>
+            <a:r>
+              <a:rPr lang="en-US" altLang="ko-KR" sz="1100" dirty="0" err="1" smtClean="0"/>
+              <a:t>Msg</a:t>
+            </a:r>
+            <a:endParaRPr lang="ko-KR" altLang="en-US" sz="1100" dirty="0"/>
+          </a:p>
+        </p:txBody>
+      </p:sp>
+      <p:sp>
+        <p:nvSpPr>
+          <p:cNvPr id="41" name="모서리가 둥근 직사각형 40"/>
+          <p:cNvSpPr/>
+          <p:nvPr/>
+        </p:nvSpPr>
+        <p:spPr>
+          <a:xfrm>
+            <a:off x="2020932" y="1851670"/>
+            <a:ext cx="1296144" cy="360040"/>
+          </a:xfrm>
+          <a:prstGeom prst="roundRect">
+            <a:avLst/>
+          </a:prstGeom>
+          <a:noFill/>
+          <a:ln>
+            <a:noFill/>
+          </a:ln>
+        </p:spPr>
+        <p:style>
+          <a:lnRef idx="2">
+            <a:schemeClr val="dk1"/>
+          </a:lnRef>
+          <a:fillRef idx="1">
+            <a:schemeClr val="lt1"/>
+          </a:fillRef>
+          <a:effectRef idx="0">
+            <a:schemeClr val="dk1"/>
+          </a:effectRef>
+          <a:fontRef idx="minor">
+            <a:schemeClr val="dk1"/>
+          </a:fontRef>
+        </p:style>
+        <p:txBody>
+          <a:bodyPr rtlCol="0" anchor="ctr"/>
+          <a:lstStyle/>
+          <a:p>
+            <a:pPr algn="ctr"/>
+            <a:r>
+              <a:rPr lang="en-US" altLang="ko-KR" sz="1400" b="1" dirty="0" smtClean="0"/>
+              <a:t>Level 1</a:t>
+            </a:r>
+            <a:endParaRPr lang="ko-KR" altLang="en-US" sz="1400" b="1" dirty="0"/>
+          </a:p>
+        </p:txBody>
+      </p:sp>
+      <p:sp>
+        <p:nvSpPr>
+          <p:cNvPr id="45" name="자유형 44"/>
+          <p:cNvSpPr/>
+          <p:nvPr/>
+        </p:nvSpPr>
+        <p:spPr>
+          <a:xfrm>
+            <a:off x="2661141" y="3126763"/>
+            <a:ext cx="226932" cy="246955"/>
+          </a:xfrm>
+          <a:custGeom>
+            <a:avLst/>
+            <a:gdLst>
+              <a:gd name="connsiteX0" fmla="*/ 0 w 226932"/>
+              <a:gd name="connsiteY0" fmla="*/ 0 h 246955"/>
+              <a:gd name="connsiteX1" fmla="*/ 226932 w 226932"/>
+              <a:gd name="connsiteY1" fmla="*/ 0 h 246955"/>
+              <a:gd name="connsiteX2" fmla="*/ 226932 w 226932"/>
+              <a:gd name="connsiteY2" fmla="*/ 246955 h 246955"/>
+              <a:gd name="connsiteX3" fmla="*/ 6675 w 226932"/>
+              <a:gd name="connsiteY3" fmla="*/ 246955 h 246955"/>
+            </a:gdLst>
+            <a:ahLst/>
+            <a:cxnLst>
+              <a:cxn ang="0">
+                <a:pos x="connsiteX0" y="connsiteY0"/>
+              </a:cxn>
+              <a:cxn ang="0">
+                <a:pos x="connsiteX1" y="connsiteY1"/>
+              </a:cxn>
+              <a:cxn ang="0">
+                <a:pos x="connsiteX2" y="connsiteY2"/>
+              </a:cxn>
+              <a:cxn ang="0">
+                <a:pos x="connsiteX3" y="connsiteY3"/>
+              </a:cxn>
+            </a:cxnLst>
+            <a:rect l="l" t="t" r="r" b="b"/>
+            <a:pathLst>
+              <a:path w="226932" h="246955">
+                <a:moveTo>
+                  <a:pt x="0" y="0"/>
+                </a:moveTo>
+                <a:lnTo>
+                  <a:pt x="226932" y="0"/>
+                </a:lnTo>
+                <a:lnTo>
+                  <a:pt x="226932" y="246955"/>
+                </a:lnTo>
+                <a:lnTo>
+                  <a:pt x="6675" y="246955"/>
+                </a:lnTo>
+              </a:path>
+            </a:pathLst>
+          </a:custGeom>
+          <a:ln w="19050">
+            <a:solidFill>
+              <a:schemeClr val="tx1"/>
+            </a:solidFill>
+            <a:headEnd type="none" w="med" len="med"/>
+            <a:tailEnd type="arrow" w="med" len="med"/>
+          </a:ln>
+        </p:spPr>
+        <p:style>
+          <a:lnRef idx="1">
+            <a:schemeClr val="accent1"/>
+          </a:lnRef>
+          <a:fillRef idx="0">
+            <a:schemeClr val="accent1"/>
+          </a:fillRef>
+          <a:effectRef idx="0">
+            <a:schemeClr val="accent1"/>
+          </a:effectRef>
+          <a:fontRef idx="minor">
+            <a:schemeClr val="tx1"/>
+          </a:fontRef>
+        </p:style>
+        <p:txBody>
+          <a:bodyPr rtlCol="0" anchor="ctr"/>
+          <a:lstStyle/>
+          <a:p>
+            <a:pPr algn="ctr"/>
+            <a:endParaRPr lang="ko-KR" altLang="en-US"/>
+          </a:p>
+        </p:txBody>
+      </p:sp>
+      <p:sp>
+        <p:nvSpPr>
+          <p:cNvPr id="46" name="모서리가 둥근 직사각형 45"/>
+          <p:cNvSpPr/>
+          <p:nvPr/>
+        </p:nvSpPr>
+        <p:spPr>
+          <a:xfrm>
+            <a:off x="2666467" y="3120748"/>
+            <a:ext cx="1296144" cy="252028"/>
+          </a:xfrm>
+          <a:prstGeom prst="roundRect">
+            <a:avLst/>
+          </a:prstGeom>
+          <a:noFill/>
+          <a:ln>
+            <a:noFill/>
+          </a:ln>
+        </p:spPr>
+        <p:style>
+          <a:lnRef idx="2">
+            <a:schemeClr val="dk1"/>
+          </a:lnRef>
+          <a:fillRef idx="1">
+            <a:schemeClr val="lt1"/>
+          </a:fillRef>
+          <a:effectRef idx="0">
+            <a:schemeClr val="dk1"/>
+          </a:effectRef>
+          <a:fontRef idx="minor">
+            <a:schemeClr val="dk1"/>
+          </a:fontRef>
+        </p:style>
+        <p:txBody>
+          <a:bodyPr rtlCol="0" anchor="ctr"/>
+          <a:lstStyle/>
+          <a:p>
+            <a:pPr algn="ctr"/>
+            <a:r>
+              <a:rPr lang="en-US" altLang="ko-KR" sz="1100" dirty="0" smtClean="0"/>
+              <a:t>Store</a:t>
+            </a:r>
+            <a:r>
+              <a:rPr lang="en-US" altLang="ko-KR" sz="1100" dirty="0" smtClean="0"/>
+              <a:t> </a:t>
+            </a:r>
+            <a:r>
+              <a:rPr lang="en-US" altLang="ko-KR" sz="1100" dirty="0" err="1" smtClean="0"/>
+              <a:t>Msg</a:t>
+            </a:r>
+            <a:endParaRPr lang="ko-KR" altLang="en-US" sz="1100" dirty="0"/>
+          </a:p>
+        </p:txBody>
+      </p:sp>
+      <p:sp>
+        <p:nvSpPr>
+          <p:cNvPr id="47" name="자유형 46"/>
+          <p:cNvSpPr/>
+          <p:nvPr/>
+        </p:nvSpPr>
+        <p:spPr>
+          <a:xfrm>
+            <a:off x="2661141" y="3702827"/>
+            <a:ext cx="226932" cy="246955"/>
+          </a:xfrm>
+          <a:custGeom>
+            <a:avLst/>
+            <a:gdLst>
+              <a:gd name="connsiteX0" fmla="*/ 0 w 226932"/>
+              <a:gd name="connsiteY0" fmla="*/ 0 h 246955"/>
+              <a:gd name="connsiteX1" fmla="*/ 226932 w 226932"/>
+              <a:gd name="connsiteY1" fmla="*/ 0 h 246955"/>
+              <a:gd name="connsiteX2" fmla="*/ 226932 w 226932"/>
+              <a:gd name="connsiteY2" fmla="*/ 246955 h 246955"/>
+              <a:gd name="connsiteX3" fmla="*/ 6675 w 226932"/>
+              <a:gd name="connsiteY3" fmla="*/ 246955 h 246955"/>
+            </a:gdLst>
+            <a:ahLst/>
+            <a:cxnLst>
+              <a:cxn ang="0">
+                <a:pos x="connsiteX0" y="connsiteY0"/>
+              </a:cxn>
+              <a:cxn ang="0">
+                <a:pos x="connsiteX1" y="connsiteY1"/>
+              </a:cxn>
+              <a:cxn ang="0">
+                <a:pos x="connsiteX2" y="connsiteY2"/>
+              </a:cxn>
+              <a:cxn ang="0">
+                <a:pos x="connsiteX3" y="connsiteY3"/>
+              </a:cxn>
+            </a:cxnLst>
+            <a:rect l="l" t="t" r="r" b="b"/>
+            <a:pathLst>
+              <a:path w="226932" h="246955">
+                <a:moveTo>
+                  <a:pt x="0" y="0"/>
+                </a:moveTo>
+                <a:lnTo>
+                  <a:pt x="226932" y="0"/>
+                </a:lnTo>
+                <a:lnTo>
+                  <a:pt x="226932" y="246955"/>
+                </a:lnTo>
+                <a:lnTo>
+                  <a:pt x="6675" y="246955"/>
+                </a:lnTo>
+              </a:path>
+            </a:pathLst>
+          </a:custGeom>
+          <a:ln w="19050">
+            <a:solidFill>
+              <a:schemeClr val="tx1"/>
+            </a:solidFill>
+            <a:headEnd type="none" w="med" len="med"/>
+            <a:tailEnd type="arrow" w="med" len="med"/>
+          </a:ln>
+        </p:spPr>
+        <p:style>
+          <a:lnRef idx="1">
+            <a:schemeClr val="accent1"/>
+          </a:lnRef>
+          <a:fillRef idx="0">
+            <a:schemeClr val="accent1"/>
+          </a:fillRef>
+          <a:effectRef idx="0">
+            <a:schemeClr val="accent1"/>
+          </a:effectRef>
+          <a:fontRef idx="minor">
+            <a:schemeClr val="tx1"/>
+          </a:fontRef>
+        </p:style>
+        <p:txBody>
+          <a:bodyPr rtlCol="0" anchor="ctr"/>
+          <a:lstStyle/>
+          <a:p>
+            <a:pPr algn="ctr"/>
+            <a:endParaRPr lang="ko-KR" altLang="en-US"/>
+          </a:p>
+        </p:txBody>
+      </p:sp>
+      <p:sp>
+        <p:nvSpPr>
+          <p:cNvPr id="48" name="모서리가 둥근 직사각형 47"/>
+          <p:cNvSpPr/>
+          <p:nvPr/>
+        </p:nvSpPr>
+        <p:spPr>
+          <a:xfrm>
+            <a:off x="2666467" y="3696812"/>
+            <a:ext cx="1296144" cy="252028"/>
+          </a:xfrm>
+          <a:prstGeom prst="roundRect">
+            <a:avLst/>
+          </a:prstGeom>
+          <a:noFill/>
+          <a:ln>
+            <a:noFill/>
+          </a:ln>
+        </p:spPr>
+        <p:style>
+          <a:lnRef idx="2">
+            <a:schemeClr val="dk1"/>
+          </a:lnRef>
+          <a:fillRef idx="1">
+            <a:schemeClr val="lt1"/>
+          </a:fillRef>
+          <a:effectRef idx="0">
+            <a:schemeClr val="dk1"/>
+          </a:effectRef>
+          <a:fontRef idx="minor">
+            <a:schemeClr val="dk1"/>
+          </a:fontRef>
+        </p:style>
+        <p:txBody>
+          <a:bodyPr rtlCol="0" anchor="ctr"/>
+          <a:lstStyle/>
+          <a:p>
+            <a:pPr algn="ctr"/>
+            <a:r>
+              <a:rPr lang="en-US" altLang="ko-KR" sz="1100" dirty="0" smtClean="0"/>
+              <a:t>Delete </a:t>
+            </a:r>
+            <a:r>
+              <a:rPr lang="en-US" altLang="ko-KR" sz="1100" dirty="0" err="1" smtClean="0"/>
+              <a:t>Msg</a:t>
+            </a:r>
+            <a:endParaRPr lang="ko-KR" altLang="en-US" sz="1100" dirty="0"/>
+          </a:p>
+        </p:txBody>
+      </p:sp>
+      <p:cxnSp>
+        <p:nvCxnSpPr>
+          <p:cNvPr id="49" name="직선 화살표 연결선 48"/>
+          <p:cNvCxnSpPr/>
+          <p:nvPr/>
+        </p:nvCxnSpPr>
+        <p:spPr>
+          <a:xfrm>
+            <a:off x="1367644" y="4057794"/>
+            <a:ext cx="1293369" cy="0"/>
+          </a:xfrm>
+          <a:prstGeom prst="straightConnector1">
+            <a:avLst/>
+          </a:prstGeom>
+          <a:ln w="19050">
+            <a:solidFill>
+              <a:schemeClr val="tx1"/>
+            </a:solidFill>
+            <a:headEnd type="arrow" w="med" len="med"/>
+            <a:tailEnd type="none" w="med" len="med"/>
+          </a:ln>
+        </p:spPr>
+        <p:style>
+          <a:lnRef idx="1">
+            <a:schemeClr val="accent1"/>
+          </a:lnRef>
+          <a:fillRef idx="0">
+            <a:schemeClr val="accent1"/>
+          </a:fillRef>
+          <a:effectRef idx="0">
+            <a:schemeClr val="accent1"/>
+          </a:effectRef>
+          <a:fontRef idx="minor">
+            <a:schemeClr val="tx1"/>
+          </a:fontRef>
+        </p:style>
+      </p:cxnSp>
+      <p:sp>
+        <p:nvSpPr>
+          <p:cNvPr id="50" name="모서리가 둥근 직사각형 49"/>
+          <p:cNvSpPr/>
+          <p:nvPr/>
+        </p:nvSpPr>
+        <p:spPr>
+          <a:xfrm>
+            <a:off x="1376997" y="3805766"/>
+            <a:ext cx="1296144" cy="252028"/>
+          </a:xfrm>
+          <a:prstGeom prst="roundRect">
+            <a:avLst/>
+          </a:prstGeom>
+          <a:noFill/>
+          <a:ln>
+            <a:noFill/>
+          </a:ln>
+        </p:spPr>
+        <p:style>
+          <a:lnRef idx="2">
+            <a:schemeClr val="dk1"/>
+          </a:lnRef>
+          <a:fillRef idx="1">
+            <a:schemeClr val="lt1"/>
+          </a:fillRef>
+          <a:effectRef idx="0">
+            <a:schemeClr val="dk1"/>
+          </a:effectRef>
+          <a:fontRef idx="minor">
+            <a:schemeClr val="dk1"/>
+          </a:fontRef>
+        </p:style>
+        <p:txBody>
+          <a:bodyPr rtlCol="0" anchor="ctr"/>
+          <a:lstStyle/>
+          <a:p>
+            <a:pPr algn="ctr"/>
+            <a:r>
+              <a:rPr lang="en-US" altLang="ko-KR" sz="1100" dirty="0" err="1" smtClean="0"/>
+              <a:t>PUBACK</a:t>
+            </a:r>
+            <a:endParaRPr lang="ko-KR" altLang="en-US" sz="1100" dirty="0"/>
+          </a:p>
+        </p:txBody>
+      </p:sp>
+      <p:sp>
+        <p:nvSpPr>
+          <p:cNvPr id="51" name="자유형 50"/>
+          <p:cNvSpPr/>
+          <p:nvPr/>
+        </p:nvSpPr>
+        <p:spPr>
+          <a:xfrm>
+            <a:off x="1367534" y="4171821"/>
+            <a:ext cx="226932" cy="246955"/>
+          </a:xfrm>
+          <a:custGeom>
+            <a:avLst/>
+            <a:gdLst>
+              <a:gd name="connsiteX0" fmla="*/ 0 w 226932"/>
+              <a:gd name="connsiteY0" fmla="*/ 0 h 246955"/>
+              <a:gd name="connsiteX1" fmla="*/ 226932 w 226932"/>
+              <a:gd name="connsiteY1" fmla="*/ 0 h 246955"/>
+              <a:gd name="connsiteX2" fmla="*/ 226932 w 226932"/>
+              <a:gd name="connsiteY2" fmla="*/ 246955 h 246955"/>
+              <a:gd name="connsiteX3" fmla="*/ 6675 w 226932"/>
+              <a:gd name="connsiteY3" fmla="*/ 246955 h 246955"/>
+            </a:gdLst>
+            <a:ahLst/>
+            <a:cxnLst>
+              <a:cxn ang="0">
+                <a:pos x="connsiteX0" y="connsiteY0"/>
+              </a:cxn>
+              <a:cxn ang="0">
+                <a:pos x="connsiteX1" y="connsiteY1"/>
+              </a:cxn>
+              <a:cxn ang="0">
+                <a:pos x="connsiteX2" y="connsiteY2"/>
+              </a:cxn>
+              <a:cxn ang="0">
+                <a:pos x="connsiteX3" y="connsiteY3"/>
+              </a:cxn>
+            </a:cxnLst>
+            <a:rect l="l" t="t" r="r" b="b"/>
+            <a:pathLst>
+              <a:path w="226932" h="246955">
+                <a:moveTo>
+                  <a:pt x="0" y="0"/>
+                </a:moveTo>
+                <a:lnTo>
+                  <a:pt x="226932" y="0"/>
+                </a:lnTo>
+                <a:lnTo>
+                  <a:pt x="226932" y="246955"/>
+                </a:lnTo>
+                <a:lnTo>
+                  <a:pt x="6675" y="246955"/>
+                </a:lnTo>
+              </a:path>
+            </a:pathLst>
+          </a:custGeom>
+          <a:ln w="19050">
+            <a:solidFill>
+              <a:schemeClr val="tx1"/>
+            </a:solidFill>
+            <a:headEnd type="none" w="med" len="med"/>
+            <a:tailEnd type="arrow" w="med" len="med"/>
+          </a:ln>
+        </p:spPr>
+        <p:style>
+          <a:lnRef idx="1">
+            <a:schemeClr val="accent1"/>
+          </a:lnRef>
+          <a:fillRef idx="0">
+            <a:schemeClr val="accent1"/>
+          </a:fillRef>
+          <a:effectRef idx="0">
+            <a:schemeClr val="accent1"/>
+          </a:effectRef>
+          <a:fontRef idx="minor">
+            <a:schemeClr val="tx1"/>
+          </a:fontRef>
+        </p:style>
+        <p:txBody>
+          <a:bodyPr rtlCol="0" anchor="ctr"/>
+          <a:lstStyle/>
+          <a:p>
+            <a:pPr algn="ctr"/>
+            <a:endParaRPr lang="ko-KR" altLang="en-US"/>
+          </a:p>
+        </p:txBody>
+      </p:sp>
+      <p:sp>
+        <p:nvSpPr>
+          <p:cNvPr id="52" name="모서리가 둥근 직사각형 51"/>
+          <p:cNvSpPr/>
+          <p:nvPr/>
+        </p:nvSpPr>
+        <p:spPr>
+          <a:xfrm>
+            <a:off x="1372860" y="4165806"/>
+            <a:ext cx="1296144" cy="252028"/>
+          </a:xfrm>
+          <a:prstGeom prst="roundRect">
+            <a:avLst/>
+          </a:prstGeom>
+          <a:noFill/>
+          <a:ln>
+            <a:noFill/>
+          </a:ln>
+        </p:spPr>
+        <p:style>
+          <a:lnRef idx="2">
+            <a:schemeClr val="dk1"/>
+          </a:lnRef>
+          <a:fillRef idx="1">
+            <a:schemeClr val="lt1"/>
+          </a:fillRef>
+          <a:effectRef idx="0">
+            <a:schemeClr val="dk1"/>
+          </a:effectRef>
+          <a:fontRef idx="minor">
+            <a:schemeClr val="dk1"/>
+          </a:fontRef>
+        </p:style>
+        <p:txBody>
+          <a:bodyPr rtlCol="0" anchor="ctr"/>
+          <a:lstStyle/>
+          <a:p>
+            <a:pPr algn="ctr"/>
+            <a:r>
+              <a:rPr lang="en-US" altLang="ko-KR" sz="1100" dirty="0" smtClean="0"/>
+              <a:t>Delete </a:t>
+            </a:r>
+            <a:r>
+              <a:rPr lang="en-US" altLang="ko-KR" sz="1100" dirty="0" err="1" smtClean="0"/>
+              <a:t>Msg</a:t>
+            </a:r>
+            <a:endParaRPr lang="ko-KR" altLang="en-US" sz="1100" dirty="0"/>
+          </a:p>
+        </p:txBody>
+      </p:sp>
+      <p:sp>
+        <p:nvSpPr>
+          <p:cNvPr id="105" name="모서리가 둥근 직사각형 104"/>
+          <p:cNvSpPr/>
+          <p:nvPr/>
+        </p:nvSpPr>
+        <p:spPr>
+          <a:xfrm>
+            <a:off x="4725608" y="2211710"/>
+            <a:ext cx="936104" cy="288032"/>
+          </a:xfrm>
+          <a:prstGeom prst="roundRect">
+            <a:avLst/>
+          </a:prstGeom>
+        </p:spPr>
+        <p:style>
+          <a:lnRef idx="2">
+            <a:schemeClr val="dk1"/>
+          </a:lnRef>
+          <a:fillRef idx="1">
+            <a:schemeClr val="lt1"/>
+          </a:fillRef>
+          <a:effectRef idx="0">
+            <a:schemeClr val="dk1"/>
+          </a:effectRef>
+          <a:fontRef idx="minor">
+            <a:schemeClr val="dk1"/>
+          </a:fontRef>
+        </p:style>
+        <p:txBody>
+          <a:bodyPr rtlCol="0" anchor="ctr"/>
+          <a:lstStyle/>
+          <a:p>
+            <a:pPr algn="ctr"/>
+            <a:r>
+              <a:rPr lang="en-US" altLang="ko-KR" sz="1200" dirty="0" smtClean="0"/>
+              <a:t>Publisher</a:t>
+            </a:r>
+            <a:endParaRPr lang="ko-KR" altLang="en-US" sz="1600" dirty="0"/>
+          </a:p>
+        </p:txBody>
+      </p:sp>
+      <p:sp>
+        <p:nvSpPr>
+          <p:cNvPr id="106" name="모서리가 둥근 직사각형 105"/>
+          <p:cNvSpPr/>
+          <p:nvPr/>
+        </p:nvSpPr>
+        <p:spPr>
+          <a:xfrm>
+            <a:off x="6026968" y="2211710"/>
+            <a:ext cx="936104" cy="288032"/>
+          </a:xfrm>
+          <a:prstGeom prst="roundRect">
+            <a:avLst/>
+          </a:prstGeom>
+        </p:spPr>
+        <p:style>
+          <a:lnRef idx="2">
+            <a:schemeClr val="dk1"/>
+          </a:lnRef>
+          <a:fillRef idx="1">
+            <a:schemeClr val="lt1"/>
+          </a:fillRef>
+          <a:effectRef idx="0">
+            <a:schemeClr val="dk1"/>
+          </a:effectRef>
+          <a:fontRef idx="minor">
+            <a:schemeClr val="dk1"/>
+          </a:fontRef>
+        </p:style>
+        <p:txBody>
+          <a:bodyPr rtlCol="0" anchor="ctr"/>
+          <a:lstStyle/>
+          <a:p>
+            <a:pPr algn="ctr"/>
+            <a:r>
+              <a:rPr lang="en-US" altLang="ko-KR" sz="1200" dirty="0" smtClean="0"/>
+              <a:t>Broker</a:t>
+            </a:r>
+            <a:endParaRPr lang="ko-KR" altLang="en-US" sz="1600" dirty="0"/>
+          </a:p>
+        </p:txBody>
+      </p:sp>
+      <p:sp>
+        <p:nvSpPr>
+          <p:cNvPr id="107" name="모서리가 둥근 직사각형 106"/>
+          <p:cNvSpPr/>
+          <p:nvPr/>
+        </p:nvSpPr>
+        <p:spPr>
+          <a:xfrm>
+            <a:off x="7339378" y="2211710"/>
+            <a:ext cx="936104" cy="288032"/>
+          </a:xfrm>
+          <a:prstGeom prst="roundRect">
+            <a:avLst/>
+          </a:prstGeom>
+        </p:spPr>
+        <p:style>
+          <a:lnRef idx="2">
+            <a:schemeClr val="dk1"/>
+          </a:lnRef>
+          <a:fillRef idx="1">
+            <a:schemeClr val="lt1"/>
+          </a:fillRef>
+          <a:effectRef idx="0">
+            <a:schemeClr val="dk1"/>
+          </a:effectRef>
+          <a:fontRef idx="minor">
+            <a:schemeClr val="dk1"/>
+          </a:fontRef>
+        </p:style>
+        <p:txBody>
+          <a:bodyPr rtlCol="0" anchor="ctr"/>
+          <a:lstStyle/>
+          <a:p>
+            <a:pPr algn="ctr"/>
+            <a:r>
+              <a:rPr lang="en-US" altLang="ko-KR" sz="1200" dirty="0" smtClean="0"/>
+              <a:t>Subscriber</a:t>
+            </a:r>
+            <a:endParaRPr lang="ko-KR" altLang="en-US" sz="1600" dirty="0"/>
+          </a:p>
+        </p:txBody>
+      </p:sp>
+      <p:cxnSp>
+        <p:nvCxnSpPr>
+          <p:cNvPr id="108" name="직선 연결선 107"/>
+          <p:cNvCxnSpPr>
+            <a:stCxn id="105" idx="2"/>
+          </p:cNvCxnSpPr>
+          <p:nvPr/>
+        </p:nvCxnSpPr>
+        <p:spPr>
+          <a:xfrm>
+            <a:off x="5193660" y="2499742"/>
+            <a:ext cx="0" cy="2520280"/>
+          </a:xfrm>
+          <a:prstGeom prst="line">
+            <a:avLst/>
+          </a:prstGeom>
+          <a:ln w="28575"/>
+        </p:spPr>
+        <p:style>
+          <a:lnRef idx="1">
+            <a:schemeClr val="dk1"/>
+          </a:lnRef>
+          <a:fillRef idx="0">
+            <a:schemeClr val="dk1"/>
+          </a:fillRef>
+          <a:effectRef idx="0">
+            <a:schemeClr val="dk1"/>
+          </a:effectRef>
+          <a:fontRef idx="minor">
+            <a:schemeClr val="tx1"/>
+          </a:fontRef>
+        </p:style>
+      </p:cxnSp>
+      <p:cxnSp>
+        <p:nvCxnSpPr>
+          <p:cNvPr id="109" name="직선 연결선 108"/>
+          <p:cNvCxnSpPr/>
+          <p:nvPr/>
+        </p:nvCxnSpPr>
+        <p:spPr>
+          <a:xfrm>
+            <a:off x="6487029" y="2499742"/>
+            <a:ext cx="0" cy="2520280"/>
+          </a:xfrm>
+          <a:prstGeom prst="line">
+            <a:avLst/>
+          </a:prstGeom>
+          <a:ln w="28575"/>
+        </p:spPr>
+        <p:style>
+          <a:lnRef idx="1">
+            <a:schemeClr val="dk1"/>
+          </a:lnRef>
+          <a:fillRef idx="0">
+            <a:schemeClr val="dk1"/>
+          </a:fillRef>
+          <a:effectRef idx="0">
+            <a:schemeClr val="dk1"/>
+          </a:effectRef>
+          <a:fontRef idx="minor">
+            <a:schemeClr val="tx1"/>
+          </a:fontRef>
+        </p:style>
+      </p:cxnSp>
+      <p:cxnSp>
+        <p:nvCxnSpPr>
+          <p:cNvPr id="110" name="직선 연결선 109"/>
+          <p:cNvCxnSpPr/>
+          <p:nvPr/>
+        </p:nvCxnSpPr>
+        <p:spPr>
+          <a:xfrm>
+            <a:off x="7807430" y="2499742"/>
+            <a:ext cx="0" cy="2520280"/>
+          </a:xfrm>
+          <a:prstGeom prst="line">
+            <a:avLst/>
+          </a:prstGeom>
+          <a:ln w="28575"/>
+        </p:spPr>
+        <p:style>
+          <a:lnRef idx="1">
+            <a:schemeClr val="dk1"/>
+          </a:lnRef>
+          <a:fillRef idx="0">
+            <a:schemeClr val="dk1"/>
+          </a:fillRef>
+          <a:effectRef idx="0">
+            <a:schemeClr val="dk1"/>
+          </a:effectRef>
+          <a:fontRef idx="minor">
+            <a:schemeClr val="tx1"/>
+          </a:fontRef>
+        </p:style>
+      </p:cxnSp>
+      <p:cxnSp>
+        <p:nvCxnSpPr>
+          <p:cNvPr id="111" name="직선 화살표 연결선 110"/>
+          <p:cNvCxnSpPr/>
+          <p:nvPr/>
+        </p:nvCxnSpPr>
+        <p:spPr>
+          <a:xfrm>
+            <a:off x="5193660" y="3049682"/>
+            <a:ext cx="1293369" cy="0"/>
+          </a:xfrm>
+          <a:prstGeom prst="straightConnector1">
+            <a:avLst/>
+          </a:prstGeom>
+          <a:ln w="19050">
+            <a:solidFill>
+              <a:schemeClr val="tx1"/>
+            </a:solidFill>
+            <a:tailEnd type="arrow"/>
+          </a:ln>
+        </p:spPr>
+        <p:style>
+          <a:lnRef idx="1">
+            <a:schemeClr val="accent1"/>
+          </a:lnRef>
+          <a:fillRef idx="0">
+            <a:schemeClr val="accent1"/>
+          </a:fillRef>
+          <a:effectRef idx="0">
+            <a:schemeClr val="accent1"/>
+          </a:effectRef>
+          <a:fontRef idx="minor">
+            <a:schemeClr val="tx1"/>
+          </a:fontRef>
+        </p:style>
+      </p:cxnSp>
+      <p:cxnSp>
+        <p:nvCxnSpPr>
+          <p:cNvPr id="112" name="직선 화살표 연결선 111"/>
+          <p:cNvCxnSpPr/>
+          <p:nvPr/>
+        </p:nvCxnSpPr>
+        <p:spPr>
+          <a:xfrm>
+            <a:off x="6487029" y="3588496"/>
+            <a:ext cx="1320401" cy="0"/>
+          </a:xfrm>
+          <a:prstGeom prst="straightConnector1">
+            <a:avLst/>
+          </a:prstGeom>
+          <a:ln w="19050">
+            <a:solidFill>
+              <a:schemeClr val="tx1"/>
+            </a:solidFill>
+            <a:tailEnd type="arrow"/>
+          </a:ln>
+        </p:spPr>
+        <p:style>
+          <a:lnRef idx="1">
+            <a:schemeClr val="accent1"/>
+          </a:lnRef>
+          <a:fillRef idx="0">
+            <a:schemeClr val="accent1"/>
+          </a:fillRef>
+          <a:effectRef idx="0">
+            <a:schemeClr val="accent1"/>
+          </a:effectRef>
+          <a:fontRef idx="minor">
+            <a:schemeClr val="tx1"/>
+          </a:fontRef>
+        </p:style>
+      </p:cxnSp>
+      <p:sp>
+        <p:nvSpPr>
+          <p:cNvPr id="113" name="모서리가 둥근 직사각형 112"/>
+          <p:cNvSpPr/>
+          <p:nvPr/>
+        </p:nvSpPr>
+        <p:spPr>
+          <a:xfrm>
+            <a:off x="5190885" y="2797654"/>
+            <a:ext cx="1296144" cy="252028"/>
+          </a:xfrm>
+          <a:prstGeom prst="roundRect">
+            <a:avLst/>
+          </a:prstGeom>
+          <a:noFill/>
+          <a:ln>
+            <a:noFill/>
+          </a:ln>
+        </p:spPr>
+        <p:style>
+          <a:lnRef idx="2">
+            <a:schemeClr val="dk1"/>
+          </a:lnRef>
+          <a:fillRef idx="1">
+            <a:schemeClr val="lt1"/>
+          </a:fillRef>
+          <a:effectRef idx="0">
+            <a:schemeClr val="dk1"/>
+          </a:effectRef>
+          <a:fontRef idx="minor">
+            <a:schemeClr val="dk1"/>
+          </a:fontRef>
+        </p:style>
+        <p:txBody>
+          <a:bodyPr rtlCol="0" anchor="ctr"/>
+          <a:lstStyle/>
+          <a:p>
+            <a:pPr algn="ctr"/>
+            <a:r>
+              <a:rPr lang="en-US" altLang="ko-KR" sz="1100" dirty="0" smtClean="0"/>
+              <a:t>PUBLISH</a:t>
+            </a:r>
+            <a:endParaRPr lang="ko-KR" altLang="en-US" sz="1100" dirty="0"/>
+          </a:p>
+        </p:txBody>
+      </p:sp>
+      <p:sp>
+        <p:nvSpPr>
+          <p:cNvPr id="114" name="모서리가 둥근 직사각형 113"/>
+          <p:cNvSpPr/>
+          <p:nvPr/>
+        </p:nvSpPr>
+        <p:spPr>
+          <a:xfrm>
+            <a:off x="6499157" y="3337714"/>
+            <a:ext cx="1296144" cy="252028"/>
+          </a:xfrm>
+          <a:prstGeom prst="roundRect">
+            <a:avLst/>
+          </a:prstGeom>
+          <a:noFill/>
+          <a:ln>
+            <a:noFill/>
+          </a:ln>
+        </p:spPr>
+        <p:style>
+          <a:lnRef idx="2">
+            <a:schemeClr val="dk1"/>
+          </a:lnRef>
+          <a:fillRef idx="1">
+            <a:schemeClr val="lt1"/>
+          </a:fillRef>
+          <a:effectRef idx="0">
+            <a:schemeClr val="dk1"/>
+          </a:effectRef>
+          <a:fontRef idx="minor">
+            <a:schemeClr val="dk1"/>
+          </a:fontRef>
+        </p:style>
+        <p:txBody>
+          <a:bodyPr rtlCol="0" anchor="ctr"/>
+          <a:lstStyle/>
+          <a:p>
+            <a:pPr algn="ctr"/>
+            <a:r>
+              <a:rPr lang="en-US" altLang="ko-KR" sz="1100" dirty="0" smtClean="0"/>
+              <a:t>PUBLISH</a:t>
+            </a:r>
+            <a:endParaRPr lang="ko-KR" altLang="en-US" sz="1100" dirty="0"/>
+          </a:p>
+        </p:txBody>
+      </p:sp>
+      <p:sp>
+        <p:nvSpPr>
+          <p:cNvPr id="115" name="자유형 114"/>
+          <p:cNvSpPr/>
+          <p:nvPr/>
+        </p:nvSpPr>
+        <p:spPr>
+          <a:xfrm>
+            <a:off x="5185559" y="2587645"/>
+            <a:ext cx="226932" cy="246955"/>
+          </a:xfrm>
+          <a:custGeom>
+            <a:avLst/>
+            <a:gdLst>
+              <a:gd name="connsiteX0" fmla="*/ 0 w 226932"/>
+              <a:gd name="connsiteY0" fmla="*/ 0 h 246955"/>
+              <a:gd name="connsiteX1" fmla="*/ 226932 w 226932"/>
+              <a:gd name="connsiteY1" fmla="*/ 0 h 246955"/>
+              <a:gd name="connsiteX2" fmla="*/ 226932 w 226932"/>
+              <a:gd name="connsiteY2" fmla="*/ 246955 h 246955"/>
+              <a:gd name="connsiteX3" fmla="*/ 6675 w 226932"/>
+              <a:gd name="connsiteY3" fmla="*/ 246955 h 246955"/>
+            </a:gdLst>
+            <a:ahLst/>
+            <a:cxnLst>
+              <a:cxn ang="0">
+                <a:pos x="connsiteX0" y="connsiteY0"/>
+              </a:cxn>
+              <a:cxn ang="0">
+                <a:pos x="connsiteX1" y="connsiteY1"/>
+              </a:cxn>
+              <a:cxn ang="0">
+                <a:pos x="connsiteX2" y="connsiteY2"/>
+              </a:cxn>
+              <a:cxn ang="0">
+                <a:pos x="connsiteX3" y="connsiteY3"/>
+              </a:cxn>
+            </a:cxnLst>
+            <a:rect l="l" t="t" r="r" b="b"/>
+            <a:pathLst>
+              <a:path w="226932" h="246955">
+                <a:moveTo>
+                  <a:pt x="0" y="0"/>
+                </a:moveTo>
+                <a:lnTo>
+                  <a:pt x="226932" y="0"/>
+                </a:lnTo>
+                <a:lnTo>
+                  <a:pt x="226932" y="246955"/>
+                </a:lnTo>
+                <a:lnTo>
+                  <a:pt x="6675" y="246955"/>
+                </a:lnTo>
+              </a:path>
+            </a:pathLst>
+          </a:custGeom>
+          <a:ln w="19050">
+            <a:solidFill>
+              <a:schemeClr val="tx1"/>
+            </a:solidFill>
+            <a:headEnd type="none" w="med" len="med"/>
+            <a:tailEnd type="arrow" w="med" len="med"/>
+          </a:ln>
+        </p:spPr>
+        <p:style>
+          <a:lnRef idx="1">
+            <a:schemeClr val="accent1"/>
+          </a:lnRef>
+          <a:fillRef idx="0">
+            <a:schemeClr val="accent1"/>
+          </a:fillRef>
+          <a:effectRef idx="0">
+            <a:schemeClr val="accent1"/>
+          </a:effectRef>
+          <a:fontRef idx="minor">
+            <a:schemeClr val="tx1"/>
+          </a:fontRef>
+        </p:style>
+        <p:txBody>
+          <a:bodyPr rtlCol="0" anchor="ctr"/>
+          <a:lstStyle/>
+          <a:p>
+            <a:pPr algn="ctr"/>
+            <a:endParaRPr lang="ko-KR" altLang="en-US"/>
+          </a:p>
+        </p:txBody>
+      </p:sp>
+      <p:sp>
+        <p:nvSpPr>
+          <p:cNvPr id="116" name="모서리가 둥근 직사각형 115"/>
+          <p:cNvSpPr/>
+          <p:nvPr/>
+        </p:nvSpPr>
+        <p:spPr>
+          <a:xfrm>
+            <a:off x="5190885" y="2581630"/>
+            <a:ext cx="1296144" cy="252028"/>
+          </a:xfrm>
+          <a:prstGeom prst="roundRect">
+            <a:avLst/>
+          </a:prstGeom>
+          <a:noFill/>
+          <a:ln>
+            <a:noFill/>
+          </a:ln>
+        </p:spPr>
+        <p:style>
+          <a:lnRef idx="2">
+            <a:schemeClr val="dk1"/>
+          </a:lnRef>
+          <a:fillRef idx="1">
+            <a:schemeClr val="lt1"/>
+          </a:fillRef>
+          <a:effectRef idx="0">
+            <a:schemeClr val="dk1"/>
+          </a:effectRef>
+          <a:fontRef idx="minor">
+            <a:schemeClr val="dk1"/>
+          </a:fontRef>
+        </p:style>
+        <p:txBody>
+          <a:bodyPr rtlCol="0" anchor="ctr"/>
+          <a:lstStyle/>
+          <a:p>
+            <a:pPr algn="ctr"/>
+            <a:r>
+              <a:rPr lang="en-US" altLang="ko-KR" sz="1100" dirty="0" smtClean="0"/>
+              <a:t>Store</a:t>
+            </a:r>
+            <a:r>
+              <a:rPr lang="en-US" altLang="ko-KR" sz="1100" dirty="0" smtClean="0"/>
+              <a:t> </a:t>
+            </a:r>
+            <a:r>
+              <a:rPr lang="en-US" altLang="ko-KR" sz="1100" dirty="0" err="1" smtClean="0"/>
+              <a:t>Msg</a:t>
+            </a:r>
+            <a:endParaRPr lang="ko-KR" altLang="en-US" sz="1100" dirty="0"/>
+          </a:p>
+        </p:txBody>
+      </p:sp>
+      <p:sp>
+        <p:nvSpPr>
+          <p:cNvPr id="117" name="모서리가 둥근 직사각형 116"/>
+          <p:cNvSpPr/>
+          <p:nvPr/>
+        </p:nvSpPr>
+        <p:spPr>
+          <a:xfrm>
+            <a:off x="5846948" y="1851670"/>
+            <a:ext cx="1296144" cy="360040"/>
+          </a:xfrm>
+          <a:prstGeom prst="roundRect">
+            <a:avLst/>
+          </a:prstGeom>
+          <a:noFill/>
+          <a:ln>
+            <a:noFill/>
+          </a:ln>
+        </p:spPr>
+        <p:style>
+          <a:lnRef idx="2">
+            <a:schemeClr val="dk1"/>
+          </a:lnRef>
+          <a:fillRef idx="1">
+            <a:schemeClr val="lt1"/>
+          </a:fillRef>
+          <a:effectRef idx="0">
+            <a:schemeClr val="dk1"/>
+          </a:effectRef>
+          <a:fontRef idx="minor">
+            <a:schemeClr val="dk1"/>
+          </a:fontRef>
+        </p:style>
+        <p:txBody>
+          <a:bodyPr rtlCol="0" anchor="ctr"/>
+          <a:lstStyle/>
+          <a:p>
+            <a:pPr algn="ctr"/>
+            <a:r>
+              <a:rPr lang="en-US" altLang="ko-KR" sz="1400" b="1" dirty="0" smtClean="0"/>
+              <a:t>Level 2</a:t>
+            </a:r>
+            <a:endParaRPr lang="ko-KR" altLang="en-US" sz="1400" b="1" dirty="0"/>
+          </a:p>
+        </p:txBody>
+      </p:sp>
+      <p:sp>
+        <p:nvSpPr>
+          <p:cNvPr id="118" name="자유형 117"/>
+          <p:cNvSpPr/>
+          <p:nvPr/>
+        </p:nvSpPr>
+        <p:spPr>
+          <a:xfrm>
+            <a:off x="6487157" y="3126763"/>
+            <a:ext cx="226932" cy="246955"/>
+          </a:xfrm>
+          <a:custGeom>
+            <a:avLst/>
+            <a:gdLst>
+              <a:gd name="connsiteX0" fmla="*/ 0 w 226932"/>
+              <a:gd name="connsiteY0" fmla="*/ 0 h 246955"/>
+              <a:gd name="connsiteX1" fmla="*/ 226932 w 226932"/>
+              <a:gd name="connsiteY1" fmla="*/ 0 h 246955"/>
+              <a:gd name="connsiteX2" fmla="*/ 226932 w 226932"/>
+              <a:gd name="connsiteY2" fmla="*/ 246955 h 246955"/>
+              <a:gd name="connsiteX3" fmla="*/ 6675 w 226932"/>
+              <a:gd name="connsiteY3" fmla="*/ 246955 h 246955"/>
+            </a:gdLst>
+            <a:ahLst/>
+            <a:cxnLst>
+              <a:cxn ang="0">
+                <a:pos x="connsiteX0" y="connsiteY0"/>
+              </a:cxn>
+              <a:cxn ang="0">
+                <a:pos x="connsiteX1" y="connsiteY1"/>
+              </a:cxn>
+              <a:cxn ang="0">
+                <a:pos x="connsiteX2" y="connsiteY2"/>
+              </a:cxn>
+              <a:cxn ang="0">
+                <a:pos x="connsiteX3" y="connsiteY3"/>
+              </a:cxn>
+            </a:cxnLst>
+            <a:rect l="l" t="t" r="r" b="b"/>
+            <a:pathLst>
+              <a:path w="226932" h="246955">
+                <a:moveTo>
+                  <a:pt x="0" y="0"/>
+                </a:moveTo>
+                <a:lnTo>
+                  <a:pt x="226932" y="0"/>
+                </a:lnTo>
+                <a:lnTo>
+                  <a:pt x="226932" y="246955"/>
+                </a:lnTo>
+                <a:lnTo>
+                  <a:pt x="6675" y="246955"/>
+                </a:lnTo>
+              </a:path>
+            </a:pathLst>
+          </a:custGeom>
+          <a:ln w="19050">
+            <a:solidFill>
+              <a:schemeClr val="tx1"/>
+            </a:solidFill>
+            <a:headEnd type="none" w="med" len="med"/>
+            <a:tailEnd type="arrow" w="med" len="med"/>
+          </a:ln>
+        </p:spPr>
+        <p:style>
+          <a:lnRef idx="1">
+            <a:schemeClr val="accent1"/>
+          </a:lnRef>
+          <a:fillRef idx="0">
+            <a:schemeClr val="accent1"/>
+          </a:fillRef>
+          <a:effectRef idx="0">
+            <a:schemeClr val="accent1"/>
+          </a:effectRef>
+          <a:fontRef idx="minor">
+            <a:schemeClr val="tx1"/>
+          </a:fontRef>
+        </p:style>
+        <p:txBody>
+          <a:bodyPr rtlCol="0" anchor="ctr"/>
+          <a:lstStyle/>
+          <a:p>
+            <a:pPr algn="ctr"/>
+            <a:endParaRPr lang="ko-KR" altLang="en-US"/>
+          </a:p>
+        </p:txBody>
+      </p:sp>
+      <p:sp>
+        <p:nvSpPr>
+          <p:cNvPr id="119" name="모서리가 둥근 직사각형 118"/>
+          <p:cNvSpPr/>
+          <p:nvPr/>
+        </p:nvSpPr>
+        <p:spPr>
+          <a:xfrm>
+            <a:off x="6492483" y="3120748"/>
+            <a:ext cx="1296144" cy="252028"/>
+          </a:xfrm>
+          <a:prstGeom prst="roundRect">
+            <a:avLst/>
+          </a:prstGeom>
+          <a:noFill/>
+          <a:ln>
+            <a:noFill/>
+          </a:ln>
+        </p:spPr>
+        <p:style>
+          <a:lnRef idx="2">
+            <a:schemeClr val="dk1"/>
+          </a:lnRef>
+          <a:fillRef idx="1">
+            <a:schemeClr val="lt1"/>
+          </a:fillRef>
+          <a:effectRef idx="0">
+            <a:schemeClr val="dk1"/>
+          </a:effectRef>
+          <a:fontRef idx="minor">
+            <a:schemeClr val="dk1"/>
+          </a:fontRef>
+        </p:style>
+        <p:txBody>
+          <a:bodyPr rtlCol="0" anchor="ctr"/>
+          <a:lstStyle/>
+          <a:p>
+            <a:pPr algn="ctr"/>
+            <a:r>
+              <a:rPr lang="en-US" altLang="ko-KR" sz="1100" dirty="0" smtClean="0"/>
+              <a:t>Store</a:t>
+            </a:r>
+            <a:r>
+              <a:rPr lang="en-US" altLang="ko-KR" sz="1100" dirty="0" smtClean="0"/>
+              <a:t> </a:t>
+            </a:r>
+            <a:r>
+              <a:rPr lang="en-US" altLang="ko-KR" sz="1100" dirty="0" err="1" smtClean="0"/>
+              <a:t>Msg</a:t>
+            </a:r>
+            <a:endParaRPr lang="ko-KR" altLang="en-US" sz="1100" dirty="0"/>
+          </a:p>
+        </p:txBody>
+      </p:sp>
+      <p:sp>
+        <p:nvSpPr>
+          <p:cNvPr id="120" name="자유형 119"/>
+          <p:cNvSpPr/>
+          <p:nvPr/>
+        </p:nvSpPr>
+        <p:spPr>
+          <a:xfrm>
+            <a:off x="6487157" y="4160057"/>
+            <a:ext cx="226932" cy="246955"/>
+          </a:xfrm>
+          <a:custGeom>
+            <a:avLst/>
+            <a:gdLst>
+              <a:gd name="connsiteX0" fmla="*/ 0 w 226932"/>
+              <a:gd name="connsiteY0" fmla="*/ 0 h 246955"/>
+              <a:gd name="connsiteX1" fmla="*/ 226932 w 226932"/>
+              <a:gd name="connsiteY1" fmla="*/ 0 h 246955"/>
+              <a:gd name="connsiteX2" fmla="*/ 226932 w 226932"/>
+              <a:gd name="connsiteY2" fmla="*/ 246955 h 246955"/>
+              <a:gd name="connsiteX3" fmla="*/ 6675 w 226932"/>
+              <a:gd name="connsiteY3" fmla="*/ 246955 h 246955"/>
+            </a:gdLst>
+            <a:ahLst/>
+            <a:cxnLst>
+              <a:cxn ang="0">
+                <a:pos x="connsiteX0" y="connsiteY0"/>
+              </a:cxn>
+              <a:cxn ang="0">
+                <a:pos x="connsiteX1" y="connsiteY1"/>
+              </a:cxn>
+              <a:cxn ang="0">
+                <a:pos x="connsiteX2" y="connsiteY2"/>
+              </a:cxn>
+              <a:cxn ang="0">
+                <a:pos x="connsiteX3" y="connsiteY3"/>
+              </a:cxn>
+            </a:cxnLst>
+            <a:rect l="l" t="t" r="r" b="b"/>
+            <a:pathLst>
+              <a:path w="226932" h="246955">
+                <a:moveTo>
+                  <a:pt x="0" y="0"/>
+                </a:moveTo>
+                <a:lnTo>
+                  <a:pt x="226932" y="0"/>
+                </a:lnTo>
+                <a:lnTo>
+                  <a:pt x="226932" y="246955"/>
+                </a:lnTo>
+                <a:lnTo>
+                  <a:pt x="6675" y="246955"/>
+                </a:lnTo>
+              </a:path>
+            </a:pathLst>
+          </a:custGeom>
+          <a:ln w="19050">
+            <a:solidFill>
+              <a:schemeClr val="tx1"/>
+            </a:solidFill>
+            <a:headEnd type="none" w="med" len="med"/>
+            <a:tailEnd type="arrow" w="med" len="med"/>
+          </a:ln>
+        </p:spPr>
+        <p:style>
+          <a:lnRef idx="1">
+            <a:schemeClr val="accent1"/>
+          </a:lnRef>
+          <a:fillRef idx="0">
+            <a:schemeClr val="accent1"/>
+          </a:fillRef>
+          <a:effectRef idx="0">
+            <a:schemeClr val="accent1"/>
+          </a:effectRef>
+          <a:fontRef idx="minor">
+            <a:schemeClr val="tx1"/>
+          </a:fontRef>
+        </p:style>
+        <p:txBody>
+          <a:bodyPr rtlCol="0" anchor="ctr"/>
+          <a:lstStyle/>
+          <a:p>
+            <a:pPr algn="ctr"/>
+            <a:endParaRPr lang="ko-KR" altLang="en-US"/>
+          </a:p>
+        </p:txBody>
+      </p:sp>
+      <p:sp>
+        <p:nvSpPr>
+          <p:cNvPr id="121" name="모서리가 둥근 직사각형 120"/>
+          <p:cNvSpPr/>
+          <p:nvPr/>
+        </p:nvSpPr>
+        <p:spPr>
+          <a:xfrm>
+            <a:off x="6492483" y="4154042"/>
+            <a:ext cx="1296144" cy="252028"/>
+          </a:xfrm>
+          <a:prstGeom prst="roundRect">
+            <a:avLst/>
+          </a:prstGeom>
+          <a:noFill/>
+          <a:ln>
+            <a:noFill/>
+          </a:ln>
+        </p:spPr>
+        <p:style>
+          <a:lnRef idx="2">
+            <a:schemeClr val="dk1"/>
+          </a:lnRef>
+          <a:fillRef idx="1">
+            <a:schemeClr val="lt1"/>
+          </a:fillRef>
+          <a:effectRef idx="0">
+            <a:schemeClr val="dk1"/>
+          </a:effectRef>
+          <a:fontRef idx="minor">
+            <a:schemeClr val="dk1"/>
+          </a:fontRef>
+        </p:style>
+        <p:txBody>
+          <a:bodyPr rtlCol="0" anchor="ctr"/>
+          <a:lstStyle/>
+          <a:p>
+            <a:pPr algn="ctr"/>
+            <a:r>
+              <a:rPr lang="en-US" altLang="ko-KR" sz="1100" dirty="0" smtClean="0"/>
+              <a:t>Delete </a:t>
+            </a:r>
+            <a:r>
+              <a:rPr lang="en-US" altLang="ko-KR" sz="1100" dirty="0" err="1" smtClean="0"/>
+              <a:t>Msg</a:t>
+            </a:r>
+            <a:endParaRPr lang="ko-KR" altLang="en-US" sz="1100" dirty="0"/>
+          </a:p>
+        </p:txBody>
+      </p:sp>
+      <p:cxnSp>
+        <p:nvCxnSpPr>
+          <p:cNvPr id="122" name="직선 화살표 연결선 121"/>
+          <p:cNvCxnSpPr/>
+          <p:nvPr/>
+        </p:nvCxnSpPr>
+        <p:spPr>
+          <a:xfrm>
+            <a:off x="5193660" y="4515024"/>
+            <a:ext cx="1293369" cy="0"/>
+          </a:xfrm>
+          <a:prstGeom prst="straightConnector1">
+            <a:avLst/>
+          </a:prstGeom>
+          <a:ln w="19050">
+            <a:solidFill>
+              <a:schemeClr val="tx1"/>
+            </a:solidFill>
+            <a:headEnd type="arrow" w="med" len="med"/>
+            <a:tailEnd type="none" w="med" len="med"/>
+          </a:ln>
+        </p:spPr>
+        <p:style>
+          <a:lnRef idx="1">
+            <a:schemeClr val="accent1"/>
+          </a:lnRef>
+          <a:fillRef idx="0">
+            <a:schemeClr val="accent1"/>
+          </a:fillRef>
+          <a:effectRef idx="0">
+            <a:schemeClr val="accent1"/>
+          </a:effectRef>
+          <a:fontRef idx="minor">
+            <a:schemeClr val="tx1"/>
+          </a:fontRef>
+        </p:style>
+      </p:cxnSp>
+      <p:sp>
+        <p:nvSpPr>
+          <p:cNvPr id="123" name="모서리가 둥근 직사각형 122"/>
+          <p:cNvSpPr/>
+          <p:nvPr/>
+        </p:nvSpPr>
+        <p:spPr>
+          <a:xfrm>
+            <a:off x="5203013" y="4262996"/>
+            <a:ext cx="1296144" cy="252028"/>
+          </a:xfrm>
+          <a:prstGeom prst="roundRect">
+            <a:avLst/>
+          </a:prstGeom>
+          <a:noFill/>
+          <a:ln>
+            <a:noFill/>
+          </a:ln>
+        </p:spPr>
+        <p:style>
+          <a:lnRef idx="2">
+            <a:schemeClr val="dk1"/>
+          </a:lnRef>
+          <a:fillRef idx="1">
+            <a:schemeClr val="lt1"/>
+          </a:fillRef>
+          <a:effectRef idx="0">
+            <a:schemeClr val="dk1"/>
+          </a:effectRef>
+          <a:fontRef idx="minor">
+            <a:schemeClr val="dk1"/>
+          </a:fontRef>
+        </p:style>
+        <p:txBody>
+          <a:bodyPr rtlCol="0" anchor="ctr"/>
+          <a:lstStyle/>
+          <a:p>
+            <a:pPr algn="ctr"/>
+            <a:r>
+              <a:rPr lang="en-US" altLang="ko-KR" sz="1100" dirty="0" err="1" smtClean="0"/>
+              <a:t>PUBCOMP</a:t>
+            </a:r>
+            <a:endParaRPr lang="ko-KR" altLang="en-US" sz="1100" dirty="0"/>
+          </a:p>
+        </p:txBody>
+      </p:sp>
+      <p:sp>
+        <p:nvSpPr>
+          <p:cNvPr id="124" name="자유형 123"/>
+          <p:cNvSpPr/>
+          <p:nvPr/>
+        </p:nvSpPr>
+        <p:spPr>
+          <a:xfrm>
+            <a:off x="5193550" y="4629051"/>
+            <a:ext cx="226932" cy="246955"/>
+          </a:xfrm>
+          <a:custGeom>
+            <a:avLst/>
+            <a:gdLst>
+              <a:gd name="connsiteX0" fmla="*/ 0 w 226932"/>
+              <a:gd name="connsiteY0" fmla="*/ 0 h 246955"/>
+              <a:gd name="connsiteX1" fmla="*/ 226932 w 226932"/>
+              <a:gd name="connsiteY1" fmla="*/ 0 h 246955"/>
+              <a:gd name="connsiteX2" fmla="*/ 226932 w 226932"/>
+              <a:gd name="connsiteY2" fmla="*/ 246955 h 246955"/>
+              <a:gd name="connsiteX3" fmla="*/ 6675 w 226932"/>
+              <a:gd name="connsiteY3" fmla="*/ 246955 h 246955"/>
+            </a:gdLst>
+            <a:ahLst/>
+            <a:cxnLst>
+              <a:cxn ang="0">
+                <a:pos x="connsiteX0" y="connsiteY0"/>
+              </a:cxn>
+              <a:cxn ang="0">
+                <a:pos x="connsiteX1" y="connsiteY1"/>
+              </a:cxn>
+              <a:cxn ang="0">
+                <a:pos x="connsiteX2" y="connsiteY2"/>
+              </a:cxn>
+              <a:cxn ang="0">
+                <a:pos x="connsiteX3" y="connsiteY3"/>
+              </a:cxn>
+            </a:cxnLst>
+            <a:rect l="l" t="t" r="r" b="b"/>
+            <a:pathLst>
+              <a:path w="226932" h="246955">
+                <a:moveTo>
+                  <a:pt x="0" y="0"/>
+                </a:moveTo>
+                <a:lnTo>
+                  <a:pt x="226932" y="0"/>
+                </a:lnTo>
+                <a:lnTo>
+                  <a:pt x="226932" y="246955"/>
+                </a:lnTo>
+                <a:lnTo>
+                  <a:pt x="6675" y="246955"/>
+                </a:lnTo>
+              </a:path>
+            </a:pathLst>
+          </a:custGeom>
+          <a:ln w="19050">
+            <a:solidFill>
+              <a:schemeClr val="tx1"/>
+            </a:solidFill>
+            <a:headEnd type="none" w="med" len="med"/>
+            <a:tailEnd type="arrow" w="med" len="med"/>
+          </a:ln>
+        </p:spPr>
+        <p:style>
+          <a:lnRef idx="1">
+            <a:schemeClr val="accent1"/>
+          </a:lnRef>
+          <a:fillRef idx="0">
+            <a:schemeClr val="accent1"/>
+          </a:fillRef>
+          <a:effectRef idx="0">
+            <a:schemeClr val="accent1"/>
+          </a:effectRef>
+          <a:fontRef idx="minor">
+            <a:schemeClr val="tx1"/>
+          </a:fontRef>
+        </p:style>
+        <p:txBody>
+          <a:bodyPr rtlCol="0" anchor="ctr"/>
+          <a:lstStyle/>
+          <a:p>
+            <a:pPr algn="ctr"/>
+            <a:endParaRPr lang="ko-KR" altLang="en-US"/>
+          </a:p>
+        </p:txBody>
+      </p:sp>
+      <p:sp>
+        <p:nvSpPr>
+          <p:cNvPr id="125" name="모서리가 둥근 직사각형 124"/>
+          <p:cNvSpPr/>
+          <p:nvPr/>
+        </p:nvSpPr>
+        <p:spPr>
+          <a:xfrm>
+            <a:off x="5198876" y="4623036"/>
+            <a:ext cx="1296144" cy="252028"/>
+          </a:xfrm>
+          <a:prstGeom prst="roundRect">
+            <a:avLst/>
+          </a:prstGeom>
+          <a:noFill/>
+          <a:ln>
+            <a:noFill/>
+          </a:ln>
+        </p:spPr>
+        <p:style>
+          <a:lnRef idx="2">
+            <a:schemeClr val="dk1"/>
+          </a:lnRef>
+          <a:fillRef idx="1">
+            <a:schemeClr val="lt1"/>
+          </a:fillRef>
+          <a:effectRef idx="0">
+            <a:schemeClr val="dk1"/>
+          </a:effectRef>
+          <a:fontRef idx="minor">
+            <a:schemeClr val="dk1"/>
+          </a:fontRef>
+        </p:style>
+        <p:txBody>
+          <a:bodyPr rtlCol="0" anchor="ctr"/>
+          <a:lstStyle/>
+          <a:p>
+            <a:pPr algn="ctr"/>
+            <a:r>
+              <a:rPr lang="en-US" altLang="ko-KR" sz="1100" dirty="0" smtClean="0"/>
+              <a:t>Delete </a:t>
+            </a:r>
+            <a:r>
+              <a:rPr lang="en-US" altLang="ko-KR" sz="1100" dirty="0" err="1" smtClean="0"/>
+              <a:t>Msg</a:t>
+            </a:r>
+            <a:endParaRPr lang="ko-KR" altLang="en-US" sz="1100" dirty="0"/>
+          </a:p>
+        </p:txBody>
+      </p:sp>
+      <p:cxnSp>
+        <p:nvCxnSpPr>
+          <p:cNvPr id="131" name="직선 화살표 연결선 130"/>
+          <p:cNvCxnSpPr/>
+          <p:nvPr/>
+        </p:nvCxnSpPr>
+        <p:spPr>
+          <a:xfrm>
+            <a:off x="5193660" y="3714510"/>
+            <a:ext cx="1293369" cy="0"/>
+          </a:xfrm>
+          <a:prstGeom prst="straightConnector1">
+            <a:avLst/>
+          </a:prstGeom>
+          <a:ln w="19050">
+            <a:solidFill>
+              <a:schemeClr val="tx1"/>
+            </a:solidFill>
+            <a:headEnd type="arrow" w="med" len="med"/>
+            <a:tailEnd type="none" w="med" len="med"/>
+          </a:ln>
+        </p:spPr>
+        <p:style>
+          <a:lnRef idx="1">
+            <a:schemeClr val="accent1"/>
+          </a:lnRef>
+          <a:fillRef idx="0">
+            <a:schemeClr val="accent1"/>
+          </a:fillRef>
+          <a:effectRef idx="0">
+            <a:schemeClr val="accent1"/>
+          </a:effectRef>
+          <a:fontRef idx="minor">
+            <a:schemeClr val="tx1"/>
+          </a:fontRef>
+        </p:style>
+      </p:cxnSp>
+      <p:sp>
+        <p:nvSpPr>
+          <p:cNvPr id="132" name="모서리가 둥근 직사각형 131"/>
+          <p:cNvSpPr/>
+          <p:nvPr/>
+        </p:nvSpPr>
+        <p:spPr>
+          <a:xfrm>
+            <a:off x="5203013" y="3462482"/>
+            <a:ext cx="1296144" cy="252028"/>
+          </a:xfrm>
+          <a:prstGeom prst="roundRect">
+            <a:avLst/>
+          </a:prstGeom>
+          <a:noFill/>
+          <a:ln>
+            <a:noFill/>
+          </a:ln>
+        </p:spPr>
+        <p:style>
+          <a:lnRef idx="2">
+            <a:schemeClr val="dk1"/>
+          </a:lnRef>
+          <a:fillRef idx="1">
+            <a:schemeClr val="lt1"/>
+          </a:fillRef>
+          <a:effectRef idx="0">
+            <a:schemeClr val="dk1"/>
+          </a:effectRef>
+          <a:fontRef idx="minor">
+            <a:schemeClr val="dk1"/>
+          </a:fontRef>
+        </p:style>
+        <p:txBody>
+          <a:bodyPr rtlCol="0" anchor="ctr"/>
+          <a:lstStyle/>
+          <a:p>
+            <a:pPr algn="ctr"/>
+            <a:r>
+              <a:rPr lang="en-US" altLang="ko-KR" sz="1100" dirty="0" err="1" smtClean="0"/>
+              <a:t>PUBREC</a:t>
+            </a:r>
+            <a:endParaRPr lang="ko-KR" altLang="en-US" sz="1100" dirty="0"/>
+          </a:p>
+        </p:txBody>
+      </p:sp>
+      <p:cxnSp>
+        <p:nvCxnSpPr>
+          <p:cNvPr id="138" name="직선 화살표 연결선 137"/>
+          <p:cNvCxnSpPr/>
+          <p:nvPr/>
+        </p:nvCxnSpPr>
+        <p:spPr>
+          <a:xfrm>
+            <a:off x="5193660" y="4054991"/>
+            <a:ext cx="1293369" cy="0"/>
+          </a:xfrm>
+          <a:prstGeom prst="straightConnector1">
+            <a:avLst/>
+          </a:prstGeom>
+          <a:ln w="19050">
+            <a:solidFill>
+              <a:schemeClr val="tx1"/>
+            </a:solidFill>
+            <a:headEnd type="none" w="med" len="med"/>
+            <a:tailEnd type="arrow" w="med" len="med"/>
+          </a:ln>
+        </p:spPr>
+        <p:style>
+          <a:lnRef idx="1">
+            <a:schemeClr val="accent1"/>
+          </a:lnRef>
+          <a:fillRef idx="0">
+            <a:schemeClr val="accent1"/>
+          </a:fillRef>
+          <a:effectRef idx="0">
+            <a:schemeClr val="accent1"/>
+          </a:effectRef>
+          <a:fontRef idx="minor">
+            <a:schemeClr val="tx1"/>
+          </a:fontRef>
+        </p:style>
+      </p:cxnSp>
+      <p:sp>
+        <p:nvSpPr>
+          <p:cNvPr id="139" name="모서리가 둥근 직사각형 138"/>
+          <p:cNvSpPr/>
+          <p:nvPr/>
+        </p:nvSpPr>
+        <p:spPr>
+          <a:xfrm>
+            <a:off x="5203013" y="3802963"/>
+            <a:ext cx="1296144" cy="252028"/>
+          </a:xfrm>
+          <a:prstGeom prst="roundRect">
+            <a:avLst/>
+          </a:prstGeom>
+          <a:noFill/>
+          <a:ln>
+            <a:noFill/>
+          </a:ln>
+        </p:spPr>
+        <p:style>
+          <a:lnRef idx="2">
+            <a:schemeClr val="dk1"/>
+          </a:lnRef>
+          <a:fillRef idx="1">
+            <a:schemeClr val="lt1"/>
+          </a:fillRef>
+          <a:effectRef idx="0">
+            <a:schemeClr val="dk1"/>
+          </a:effectRef>
+          <a:fontRef idx="minor">
+            <a:schemeClr val="dk1"/>
+          </a:fontRef>
+        </p:style>
+        <p:txBody>
+          <a:bodyPr rtlCol="0" anchor="ctr"/>
+          <a:lstStyle/>
+          <a:p>
+            <a:pPr algn="ctr"/>
+            <a:r>
+              <a:rPr lang="en-US" altLang="ko-KR" sz="1100" dirty="0" err="1" smtClean="0"/>
+              <a:t>PUBREL</a:t>
+            </a:r>
+            <a:endParaRPr lang="ko-KR" altLang="en-US" sz="1100" dirty="0"/>
+          </a:p>
+        </p:txBody>
+      </p:sp>
+    </p:spTree>
+    <p:extLst>
+      <p:ext uri="{BB962C8B-B14F-4D97-AF65-F5344CB8AC3E}">
+        <p14:creationId xmlns:p14="http://schemas.microsoft.com/office/powerpoint/2010/main" val="2390047460"/>
       </p:ext>
     </p:extLst>
   </p:cSld>
